--- a/docs/Task Manager Presentation.pptx
+++ b/docs/Task Manager Presentation.pptx
@@ -2,11 +2,13 @@
 <file path=ppt/presentation.xml><?xml version="1.0" encoding="utf-8"?>
 <p:presentation xmlns:a="http://schemas.openxmlformats.org/drawingml/2006/main" xmlns:r="http://schemas.openxmlformats.org/officeDocument/2006/relationships" xmlns:p="http://schemas.openxmlformats.org/presentationml/2006/main" saveSubsetFonts="1">
   <p:sldMasterIdLst>
-    <p:sldMasterId id="2147483648" r:id="rId1"/>
+    <p:sldMasterId id="2147483706" r:id="rId1"/>
   </p:sldMasterIdLst>
   <p:sldIdLst>
-    <p:sldId id="256" r:id="rId2"/>
+    <p:sldId id="259" r:id="rId2"/>
     <p:sldId id="257" r:id="rId3"/>
+    <p:sldId id="258" r:id="rId4"/>
+    <p:sldId id="256" r:id="rId5"/>
   </p:sldIdLst>
   <p:sldSz cx="12192000" cy="6858000"/>
   <p:notesSz cx="6858000" cy="9144000"/>
@@ -105,11 +107,16 @@
       </a:defRPr>
     </a:lvl9pPr>
   </p:defaultTextStyle>
+  <p:extLst>
+    <p:ext uri="{EFAFB233-063F-42B5-8137-9DF3F51BA10A}">
+      <p15:sldGuideLst xmlns:p15="http://schemas.microsoft.com/office/powerpoint/2012/main"/>
+    </p:ext>
+  </p:extLst>
 </p:presentation>
 </file>
 
 <file path=ppt/slideLayouts/slideLayout1.xml><?xml version="1.0" encoding="utf-8"?>
-<p:sldLayout xmlns:a="http://schemas.openxmlformats.org/drawingml/2006/main" xmlns:r="http://schemas.openxmlformats.org/officeDocument/2006/relationships" xmlns:p="http://schemas.openxmlformats.org/presentationml/2006/main" type="title" preserve="1">
+<p:sldLayout xmlns:a="http://schemas.openxmlformats.org/drawingml/2006/main" xmlns:r="http://schemas.openxmlformats.org/officeDocument/2006/relationships" xmlns:p="http://schemas.openxmlformats.org/presentationml/2006/main" showMasterSp="0" type="title" preserve="1">
   <p:cSld name="Title Slide">
     <p:spTree>
       <p:nvGrpSpPr>
@@ -125,6 +132,559 @@
           <a:chExt cx="0" cy="0"/>
         </a:xfrm>
       </p:grpSpPr>
+      <p:grpSp>
+        <p:nvGrpSpPr>
+          <p:cNvPr id="16" name="Group 15"/>
+          <p:cNvGrpSpPr/>
+          <p:nvPr/>
+        </p:nvGrpSpPr>
+        <p:grpSpPr>
+          <a:xfrm>
+            <a:off x="0" y="-8467"/>
+            <a:ext cx="12192000" cy="6866467"/>
+            <a:chOff x="0" y="-8467"/>
+            <a:chExt cx="12192000" cy="6866467"/>
+          </a:xfrm>
+        </p:grpSpPr>
+        <p:sp>
+          <p:nvSpPr>
+            <p:cNvPr id="15" name="Freeform 14"/>
+            <p:cNvSpPr/>
+            <p:nvPr/>
+          </p:nvSpPr>
+          <p:spPr>
+            <a:xfrm>
+              <a:off x="0" y="-7862"/>
+              <a:ext cx="863600" cy="5698067"/>
+            </a:xfrm>
+            <a:custGeom>
+              <a:avLst/>
+              <a:gdLst/>
+              <a:ahLst/>
+              <a:cxnLst/>
+              <a:rect l="l" t="t" r="r" b="b"/>
+              <a:pathLst>
+                <a:path w="863600" h="5698067">
+                  <a:moveTo>
+                    <a:pt x="0" y="8467"/>
+                  </a:moveTo>
+                  <a:lnTo>
+                    <a:pt x="863600" y="0"/>
+                  </a:lnTo>
+                  <a:lnTo>
+                    <a:pt x="863600" y="16934"/>
+                  </a:lnTo>
+                  <a:lnTo>
+                    <a:pt x="0" y="5698067"/>
+                  </a:lnTo>
+                  <a:lnTo>
+                    <a:pt x="0" y="8467"/>
+                  </a:lnTo>
+                  <a:close/>
+                </a:path>
+              </a:pathLst>
+            </a:custGeom>
+            <a:solidFill>
+              <a:schemeClr val="accent1">
+                <a:alpha val="70000"/>
+              </a:schemeClr>
+            </a:solidFill>
+            <a:ln>
+              <a:noFill/>
+            </a:ln>
+            <a:effectLst/>
+          </p:spPr>
+          <p:style>
+            <a:lnRef idx="1">
+              <a:schemeClr val="accent1"/>
+            </a:lnRef>
+            <a:fillRef idx="3">
+              <a:schemeClr val="accent1"/>
+            </a:fillRef>
+            <a:effectRef idx="2">
+              <a:schemeClr val="accent1"/>
+            </a:effectRef>
+            <a:fontRef idx="minor">
+              <a:schemeClr val="lt1"/>
+            </a:fontRef>
+          </p:style>
+        </p:sp>
+        <p:cxnSp>
+          <p:nvCxnSpPr>
+            <p:cNvPr id="19" name="Straight Connector 18"/>
+            <p:cNvCxnSpPr/>
+            <p:nvPr/>
+          </p:nvCxnSpPr>
+          <p:spPr>
+            <a:xfrm>
+              <a:off x="9371012" y="0"/>
+              <a:ext cx="1219200" cy="6858000"/>
+            </a:xfrm>
+            <a:prstGeom prst="line">
+              <a:avLst/>
+            </a:prstGeom>
+            <a:ln w="9525">
+              <a:solidFill>
+                <a:schemeClr val="accent1">
+                  <a:alpha val="70000"/>
+                </a:schemeClr>
+              </a:solidFill>
+            </a:ln>
+          </p:spPr>
+          <p:style>
+            <a:lnRef idx="2">
+              <a:schemeClr val="accent1"/>
+            </a:lnRef>
+            <a:fillRef idx="0">
+              <a:schemeClr val="accent1"/>
+            </a:fillRef>
+            <a:effectRef idx="1">
+              <a:schemeClr val="accent1"/>
+            </a:effectRef>
+            <a:fontRef idx="minor">
+              <a:schemeClr val="tx1"/>
+            </a:fontRef>
+          </p:style>
+        </p:cxnSp>
+        <p:cxnSp>
+          <p:nvCxnSpPr>
+            <p:cNvPr id="20" name="Straight Connector 19"/>
+            <p:cNvCxnSpPr/>
+            <p:nvPr/>
+          </p:nvCxnSpPr>
+          <p:spPr>
+            <a:xfrm flipH="1">
+              <a:off x="7425267" y="3681413"/>
+              <a:ext cx="4763558" cy="3176587"/>
+            </a:xfrm>
+            <a:prstGeom prst="line">
+              <a:avLst/>
+            </a:prstGeom>
+            <a:ln w="9525">
+              <a:solidFill>
+                <a:schemeClr val="accent1">
+                  <a:alpha val="70000"/>
+                </a:schemeClr>
+              </a:solidFill>
+            </a:ln>
+          </p:spPr>
+          <p:style>
+            <a:lnRef idx="2">
+              <a:schemeClr val="accent1"/>
+            </a:lnRef>
+            <a:fillRef idx="0">
+              <a:schemeClr val="accent1"/>
+            </a:fillRef>
+            <a:effectRef idx="1">
+              <a:schemeClr val="accent1"/>
+            </a:effectRef>
+            <a:fontRef idx="minor">
+              <a:schemeClr val="tx1"/>
+            </a:fontRef>
+          </p:style>
+        </p:cxnSp>
+        <p:sp>
+          <p:nvSpPr>
+            <p:cNvPr id="21" name="Rectangle 23"/>
+            <p:cNvSpPr/>
+            <p:nvPr/>
+          </p:nvSpPr>
+          <p:spPr>
+            <a:xfrm>
+              <a:off x="9181476" y="-8467"/>
+              <a:ext cx="3007349" cy="6866467"/>
+            </a:xfrm>
+            <a:custGeom>
+              <a:avLst/>
+              <a:gdLst/>
+              <a:ahLst/>
+              <a:cxnLst/>
+              <a:rect l="l" t="t" r="r" b="b"/>
+              <a:pathLst>
+                <a:path w="3007349" h="6866467">
+                  <a:moveTo>
+                    <a:pt x="2045532" y="0"/>
+                  </a:moveTo>
+                  <a:lnTo>
+                    <a:pt x="3007349" y="0"/>
+                  </a:lnTo>
+                  <a:lnTo>
+                    <a:pt x="3007349" y="6866467"/>
+                  </a:lnTo>
+                  <a:lnTo>
+                    <a:pt x="0" y="6866467"/>
+                  </a:lnTo>
+                  <a:lnTo>
+                    <a:pt x="2045532" y="0"/>
+                  </a:lnTo>
+                  <a:close/>
+                </a:path>
+              </a:pathLst>
+            </a:custGeom>
+            <a:solidFill>
+              <a:schemeClr val="accent1">
+                <a:alpha val="36000"/>
+              </a:schemeClr>
+            </a:solidFill>
+            <a:ln>
+              <a:noFill/>
+            </a:ln>
+            <a:effectLst/>
+          </p:spPr>
+          <p:style>
+            <a:lnRef idx="1">
+              <a:schemeClr val="accent1"/>
+            </a:lnRef>
+            <a:fillRef idx="3">
+              <a:schemeClr val="accent1"/>
+            </a:fillRef>
+            <a:effectRef idx="2">
+              <a:schemeClr val="accent1"/>
+            </a:effectRef>
+            <a:fontRef idx="minor">
+              <a:schemeClr val="lt1"/>
+            </a:fontRef>
+          </p:style>
+        </p:sp>
+        <p:sp>
+          <p:nvSpPr>
+            <p:cNvPr id="22" name="Rectangle 25"/>
+            <p:cNvSpPr/>
+            <p:nvPr/>
+          </p:nvSpPr>
+          <p:spPr>
+            <a:xfrm>
+              <a:off x="9603442" y="-8467"/>
+              <a:ext cx="2588558" cy="6866467"/>
+            </a:xfrm>
+            <a:custGeom>
+              <a:avLst/>
+              <a:gdLst/>
+              <a:ahLst/>
+              <a:cxnLst/>
+              <a:rect l="l" t="t" r="r" b="b"/>
+              <a:pathLst>
+                <a:path w="2573311" h="6866467">
+                  <a:moveTo>
+                    <a:pt x="0" y="0"/>
+                  </a:moveTo>
+                  <a:lnTo>
+                    <a:pt x="2573311" y="0"/>
+                  </a:lnTo>
+                  <a:lnTo>
+                    <a:pt x="2573311" y="6866467"/>
+                  </a:lnTo>
+                  <a:lnTo>
+                    <a:pt x="1202336" y="6866467"/>
+                  </a:lnTo>
+                  <a:lnTo>
+                    <a:pt x="0" y="0"/>
+                  </a:lnTo>
+                  <a:close/>
+                </a:path>
+              </a:pathLst>
+            </a:custGeom>
+            <a:solidFill>
+              <a:schemeClr val="accent1">
+                <a:alpha val="20000"/>
+              </a:schemeClr>
+            </a:solidFill>
+            <a:ln>
+              <a:noFill/>
+            </a:ln>
+            <a:effectLst/>
+          </p:spPr>
+          <p:style>
+            <a:lnRef idx="1">
+              <a:schemeClr val="accent1"/>
+            </a:lnRef>
+            <a:fillRef idx="3">
+              <a:schemeClr val="accent1"/>
+            </a:fillRef>
+            <a:effectRef idx="2">
+              <a:schemeClr val="accent1"/>
+            </a:effectRef>
+            <a:fontRef idx="minor">
+              <a:schemeClr val="lt1"/>
+            </a:fontRef>
+          </p:style>
+        </p:sp>
+        <p:sp>
+          <p:nvSpPr>
+            <p:cNvPr id="23" name="Isosceles Triangle 22"/>
+            <p:cNvSpPr/>
+            <p:nvPr/>
+          </p:nvSpPr>
+          <p:spPr>
+            <a:xfrm>
+              <a:off x="8932333" y="3048000"/>
+              <a:ext cx="3259667" cy="3810000"/>
+            </a:xfrm>
+            <a:prstGeom prst="triangle">
+              <a:avLst>
+                <a:gd name="adj" fmla="val 100000"/>
+              </a:avLst>
+            </a:prstGeom>
+            <a:solidFill>
+              <a:schemeClr val="accent1">
+                <a:lumMod val="75000"/>
+                <a:alpha val="66000"/>
+              </a:schemeClr>
+            </a:solidFill>
+            <a:ln>
+              <a:noFill/>
+            </a:ln>
+            <a:effectLst/>
+          </p:spPr>
+          <p:style>
+            <a:lnRef idx="1">
+              <a:schemeClr val="accent1"/>
+            </a:lnRef>
+            <a:fillRef idx="3">
+              <a:schemeClr val="accent1"/>
+            </a:fillRef>
+            <a:effectRef idx="2">
+              <a:schemeClr val="accent1"/>
+            </a:effectRef>
+            <a:fontRef idx="minor">
+              <a:schemeClr val="lt1"/>
+            </a:fontRef>
+          </p:style>
+        </p:sp>
+        <p:sp>
+          <p:nvSpPr>
+            <p:cNvPr id="24" name="Rectangle 27"/>
+            <p:cNvSpPr/>
+            <p:nvPr/>
+          </p:nvSpPr>
+          <p:spPr>
+            <a:xfrm>
+              <a:off x="9334500" y="-8467"/>
+              <a:ext cx="2854326" cy="6866467"/>
+            </a:xfrm>
+            <a:custGeom>
+              <a:avLst/>
+              <a:gdLst/>
+              <a:ahLst/>
+              <a:cxnLst/>
+              <a:rect l="l" t="t" r="r" b="b"/>
+              <a:pathLst>
+                <a:path w="2858013" h="6866467">
+                  <a:moveTo>
+                    <a:pt x="0" y="0"/>
+                  </a:moveTo>
+                  <a:lnTo>
+                    <a:pt x="2858013" y="0"/>
+                  </a:lnTo>
+                  <a:lnTo>
+                    <a:pt x="2858013" y="6866467"/>
+                  </a:lnTo>
+                  <a:lnTo>
+                    <a:pt x="2473942" y="6866467"/>
+                  </a:lnTo>
+                  <a:lnTo>
+                    <a:pt x="0" y="0"/>
+                  </a:lnTo>
+                  <a:close/>
+                </a:path>
+              </a:pathLst>
+            </a:custGeom>
+            <a:solidFill>
+              <a:schemeClr val="accent1">
+                <a:lumMod val="75000"/>
+                <a:alpha val="50000"/>
+              </a:schemeClr>
+            </a:solidFill>
+            <a:ln>
+              <a:noFill/>
+            </a:ln>
+            <a:effectLst/>
+          </p:spPr>
+          <p:style>
+            <a:lnRef idx="1">
+              <a:schemeClr val="accent1"/>
+            </a:lnRef>
+            <a:fillRef idx="3">
+              <a:schemeClr val="accent1"/>
+            </a:fillRef>
+            <a:effectRef idx="2">
+              <a:schemeClr val="accent1"/>
+            </a:effectRef>
+            <a:fontRef idx="minor">
+              <a:schemeClr val="lt1"/>
+            </a:fontRef>
+          </p:style>
+        </p:sp>
+        <p:sp>
+          <p:nvSpPr>
+            <p:cNvPr id="25" name="Rectangle 28"/>
+            <p:cNvSpPr/>
+            <p:nvPr/>
+          </p:nvSpPr>
+          <p:spPr>
+            <a:xfrm>
+              <a:off x="10898730" y="-8467"/>
+              <a:ext cx="1290094" cy="6866467"/>
+            </a:xfrm>
+            <a:custGeom>
+              <a:avLst/>
+              <a:gdLst/>
+              <a:ahLst/>
+              <a:cxnLst/>
+              <a:rect l="l" t="t" r="r" b="b"/>
+              <a:pathLst>
+                <a:path w="1290094" h="6858000">
+                  <a:moveTo>
+                    <a:pt x="1019735" y="0"/>
+                  </a:moveTo>
+                  <a:lnTo>
+                    <a:pt x="1290094" y="0"/>
+                  </a:lnTo>
+                  <a:lnTo>
+                    <a:pt x="1290094" y="6858000"/>
+                  </a:lnTo>
+                  <a:lnTo>
+                    <a:pt x="0" y="6858000"/>
+                  </a:lnTo>
+                  <a:lnTo>
+                    <a:pt x="1019735" y="0"/>
+                  </a:lnTo>
+                  <a:close/>
+                </a:path>
+              </a:pathLst>
+            </a:custGeom>
+            <a:solidFill>
+              <a:schemeClr val="accent2">
+                <a:alpha val="70000"/>
+              </a:schemeClr>
+            </a:solidFill>
+            <a:ln>
+              <a:noFill/>
+            </a:ln>
+            <a:effectLst/>
+          </p:spPr>
+          <p:style>
+            <a:lnRef idx="1">
+              <a:schemeClr val="accent1"/>
+            </a:lnRef>
+            <a:fillRef idx="3">
+              <a:schemeClr val="accent1"/>
+            </a:fillRef>
+            <a:effectRef idx="2">
+              <a:schemeClr val="accent1"/>
+            </a:effectRef>
+            <a:fontRef idx="minor">
+              <a:schemeClr val="lt1"/>
+            </a:fontRef>
+          </p:style>
+        </p:sp>
+        <p:sp>
+          <p:nvSpPr>
+            <p:cNvPr id="26" name="Rectangle 29"/>
+            <p:cNvSpPr/>
+            <p:nvPr/>
+          </p:nvSpPr>
+          <p:spPr>
+            <a:xfrm>
+              <a:off x="10938999" y="-8467"/>
+              <a:ext cx="1249825" cy="6866467"/>
+            </a:xfrm>
+            <a:custGeom>
+              <a:avLst/>
+              <a:gdLst/>
+              <a:ahLst/>
+              <a:cxnLst/>
+              <a:rect l="l" t="t" r="r" b="b"/>
+              <a:pathLst>
+                <a:path w="1249825" h="6858000">
+                  <a:moveTo>
+                    <a:pt x="0" y="0"/>
+                  </a:moveTo>
+                  <a:lnTo>
+                    <a:pt x="1249825" y="0"/>
+                  </a:lnTo>
+                  <a:lnTo>
+                    <a:pt x="1249825" y="6858000"/>
+                  </a:lnTo>
+                  <a:lnTo>
+                    <a:pt x="1109382" y="6858000"/>
+                  </a:lnTo>
+                  <a:lnTo>
+                    <a:pt x="0" y="0"/>
+                  </a:lnTo>
+                  <a:close/>
+                </a:path>
+              </a:pathLst>
+            </a:custGeom>
+            <a:solidFill>
+              <a:schemeClr val="accent2">
+                <a:lumMod val="75000"/>
+                <a:alpha val="80000"/>
+              </a:schemeClr>
+            </a:solidFill>
+            <a:ln>
+              <a:noFill/>
+            </a:ln>
+            <a:effectLst/>
+          </p:spPr>
+          <p:style>
+            <a:lnRef idx="1">
+              <a:schemeClr val="accent1"/>
+            </a:lnRef>
+            <a:fillRef idx="3">
+              <a:schemeClr val="accent1"/>
+            </a:fillRef>
+            <a:effectRef idx="2">
+              <a:schemeClr val="accent1"/>
+            </a:effectRef>
+            <a:fontRef idx="minor">
+              <a:schemeClr val="lt1"/>
+            </a:fontRef>
+          </p:style>
+        </p:sp>
+        <p:sp>
+          <p:nvSpPr>
+            <p:cNvPr id="27" name="Isosceles Triangle 26"/>
+            <p:cNvSpPr/>
+            <p:nvPr/>
+          </p:nvSpPr>
+          <p:spPr>
+            <a:xfrm>
+              <a:off x="10371666" y="3589867"/>
+              <a:ext cx="1817159" cy="3268133"/>
+            </a:xfrm>
+            <a:prstGeom prst="triangle">
+              <a:avLst>
+                <a:gd name="adj" fmla="val 100000"/>
+              </a:avLst>
+            </a:prstGeom>
+            <a:solidFill>
+              <a:schemeClr val="accent1">
+                <a:lumMod val="75000"/>
+                <a:alpha val="66000"/>
+              </a:schemeClr>
+            </a:solidFill>
+            <a:ln>
+              <a:noFill/>
+            </a:ln>
+            <a:effectLst/>
+          </p:spPr>
+          <p:style>
+            <a:lnRef idx="1">
+              <a:schemeClr val="accent1"/>
+            </a:lnRef>
+            <a:fillRef idx="3">
+              <a:schemeClr val="accent1"/>
+            </a:fillRef>
+            <a:effectRef idx="2">
+              <a:schemeClr val="accent1"/>
+            </a:effectRef>
+            <a:fontRef idx="minor">
+              <a:schemeClr val="lt1"/>
+            </a:fontRef>
+          </p:style>
+        </p:sp>
+      </p:grpSp>
       <p:sp>
         <p:nvSpPr>
           <p:cNvPr id="2" name="Title 1"/>
@@ -137,15 +697,21 @@
         </p:nvSpPr>
         <p:spPr>
           <a:xfrm>
-            <a:off x="1524000" y="1122363"/>
-            <a:ext cx="9144000" cy="2387600"/>
+            <a:off x="1507067" y="2404534"/>
+            <a:ext cx="7766936" cy="1646302"/>
           </a:xfrm>
         </p:spPr>
         <p:txBody>
-          <a:bodyPr anchor="b"/>
+          <a:bodyPr anchor="b">
+            <a:noAutofit/>
+          </a:bodyPr>
           <a:lstStyle>
-            <a:lvl1pPr algn="ctr">
-              <a:defRPr sz="6000"/>
+            <a:lvl1pPr algn="r">
+              <a:defRPr sz="5400">
+                <a:solidFill>
+                  <a:schemeClr val="accent1"/>
+                </a:solidFill>
+              </a:defRPr>
             </a:lvl1pPr>
           </a:lstStyle>
           <a:p>
@@ -153,7 +719,7 @@
               <a:rPr lang="en-US" smtClean="0"/>
               <a:t>Click to edit Master title style</a:t>
             </a:r>
-            <a:endParaRPr lang="en-GB"/>
+            <a:endParaRPr lang="en-US" dirty="0"/>
           </a:p>
         </p:txBody>
       </p:sp>
@@ -169,48 +735,103 @@
         </p:nvSpPr>
         <p:spPr>
           <a:xfrm>
-            <a:off x="1524000" y="3602038"/>
-            <a:ext cx="9144000" cy="1655762"/>
+            <a:off x="1507067" y="4050833"/>
+            <a:ext cx="7766936" cy="1096899"/>
           </a:xfrm>
         </p:spPr>
         <p:txBody>
-          <a:bodyPr/>
+          <a:bodyPr anchor="t"/>
           <a:lstStyle>
-            <a:lvl1pPr marL="0" indent="0" algn="ctr">
-              <a:buNone/>
-              <a:defRPr sz="2400"/>
+            <a:lvl1pPr marL="0" indent="0" algn="r">
+              <a:buNone/>
+              <a:defRPr>
+                <a:solidFill>
+                  <a:schemeClr val="tx1">
+                    <a:lumMod val="50000"/>
+                    <a:lumOff val="50000"/>
+                  </a:schemeClr>
+                </a:solidFill>
+              </a:defRPr>
             </a:lvl1pPr>
             <a:lvl2pPr marL="457200" indent="0" algn="ctr">
               <a:buNone/>
-              <a:defRPr sz="2000"/>
+              <a:defRPr>
+                <a:solidFill>
+                  <a:schemeClr val="tx1">
+                    <a:tint val="75000"/>
+                  </a:schemeClr>
+                </a:solidFill>
+              </a:defRPr>
             </a:lvl2pPr>
             <a:lvl3pPr marL="914400" indent="0" algn="ctr">
               <a:buNone/>
-              <a:defRPr sz="1800"/>
+              <a:defRPr>
+                <a:solidFill>
+                  <a:schemeClr val="tx1">
+                    <a:tint val="75000"/>
+                  </a:schemeClr>
+                </a:solidFill>
+              </a:defRPr>
             </a:lvl3pPr>
             <a:lvl4pPr marL="1371600" indent="0" algn="ctr">
               <a:buNone/>
-              <a:defRPr sz="1600"/>
+              <a:defRPr>
+                <a:solidFill>
+                  <a:schemeClr val="tx1">
+                    <a:tint val="75000"/>
+                  </a:schemeClr>
+                </a:solidFill>
+              </a:defRPr>
             </a:lvl4pPr>
             <a:lvl5pPr marL="1828800" indent="0" algn="ctr">
               <a:buNone/>
-              <a:defRPr sz="1600"/>
+              <a:defRPr>
+                <a:solidFill>
+                  <a:schemeClr val="tx1">
+                    <a:tint val="75000"/>
+                  </a:schemeClr>
+                </a:solidFill>
+              </a:defRPr>
             </a:lvl5pPr>
             <a:lvl6pPr marL="2286000" indent="0" algn="ctr">
               <a:buNone/>
-              <a:defRPr sz="1600"/>
+              <a:defRPr>
+                <a:solidFill>
+                  <a:schemeClr val="tx1">
+                    <a:tint val="75000"/>
+                  </a:schemeClr>
+                </a:solidFill>
+              </a:defRPr>
             </a:lvl6pPr>
             <a:lvl7pPr marL="2743200" indent="0" algn="ctr">
               <a:buNone/>
-              <a:defRPr sz="1600"/>
+              <a:defRPr>
+                <a:solidFill>
+                  <a:schemeClr val="tx1">
+                    <a:tint val="75000"/>
+                  </a:schemeClr>
+                </a:solidFill>
+              </a:defRPr>
             </a:lvl7pPr>
             <a:lvl8pPr marL="3200400" indent="0" algn="ctr">
               <a:buNone/>
-              <a:defRPr sz="1600"/>
+              <a:defRPr>
+                <a:solidFill>
+                  <a:schemeClr val="tx1">
+                    <a:tint val="75000"/>
+                  </a:schemeClr>
+                </a:solidFill>
+              </a:defRPr>
             </a:lvl8pPr>
             <a:lvl9pPr marL="3657600" indent="0" algn="ctr">
               <a:buNone/>
-              <a:defRPr sz="1600"/>
+              <a:defRPr>
+                <a:solidFill>
+                  <a:schemeClr val="tx1">
+                    <a:tint val="75000"/>
+                  </a:schemeClr>
+                </a:solidFill>
+              </a:defRPr>
             </a:lvl9pPr>
           </a:lstStyle>
           <a:p>
@@ -218,7 +839,7 @@
               <a:rPr lang="en-US" smtClean="0"/>
               <a:t>Click to edit Master subtitle style</a:t>
             </a:r>
-            <a:endParaRPr lang="en-GB"/>
+            <a:endParaRPr lang="en-US" dirty="0"/>
           </a:p>
         </p:txBody>
       </p:sp>
@@ -239,7 +860,7 @@
           <a:p>
             <a:fld id="{D90DE563-696D-41CD-861B-DE0D58C3899E}" type="datetimeFigureOut">
               <a:rPr lang="en-GB" smtClean="0"/>
-              <a:t>03/04/2024</a:t>
+              <a:t>07/04/2024</a:t>
             </a:fld>
             <a:endParaRPr lang="en-GB"/>
           </a:p>
@@ -290,7 +911,7 @@
     </p:spTree>
     <p:extLst>
       <p:ext uri="{BB962C8B-B14F-4D97-AF65-F5344CB8AC3E}">
-        <p14:creationId xmlns:p14="http://schemas.microsoft.com/office/powerpoint/2010/main" val="3967357704"/>
+        <p14:creationId xmlns:p14="http://schemas.microsoft.com/office/powerpoint/2010/main" val="1936280768"/>
       </p:ext>
     </p:extLst>
   </p:cSld>
@@ -301,6 +922,1611 @@
 </file>
 
 <file path=ppt/slideLayouts/slideLayout10.xml><?xml version="1.0" encoding="utf-8"?>
+<p:sldLayout xmlns:a="http://schemas.openxmlformats.org/drawingml/2006/main" xmlns:r="http://schemas.openxmlformats.org/officeDocument/2006/relationships" xmlns:p="http://schemas.openxmlformats.org/presentationml/2006/main" preserve="1">
+  <p:cSld name="Title and Caption">
+    <p:spTree>
+      <p:nvGrpSpPr>
+        <p:cNvPr id="1" name=""/>
+        <p:cNvGrpSpPr/>
+        <p:nvPr/>
+      </p:nvGrpSpPr>
+      <p:grpSpPr>
+        <a:xfrm>
+          <a:off x="0" y="0"/>
+          <a:ext cx="0" cy="0"/>
+          <a:chOff x="0" y="0"/>
+          <a:chExt cx="0" cy="0"/>
+        </a:xfrm>
+      </p:grpSpPr>
+      <p:sp>
+        <p:nvSpPr>
+          <p:cNvPr id="2" name="Title 1"/>
+          <p:cNvSpPr>
+            <a:spLocks noGrp="1"/>
+          </p:cNvSpPr>
+          <p:nvPr>
+            <p:ph type="title"/>
+          </p:nvPr>
+        </p:nvSpPr>
+        <p:spPr>
+          <a:xfrm>
+            <a:off x="677335" y="609600"/>
+            <a:ext cx="8596668" cy="3403600"/>
+          </a:xfrm>
+        </p:spPr>
+        <p:txBody>
+          <a:bodyPr anchor="ctr">
+            <a:normAutofit/>
+          </a:bodyPr>
+          <a:lstStyle>
+            <a:lvl1pPr algn="l">
+              <a:defRPr sz="4400" b="0" cap="none"/>
+            </a:lvl1pPr>
+          </a:lstStyle>
+          <a:p>
+            <a:r>
+              <a:rPr lang="en-US" smtClean="0"/>
+              <a:t>Click to edit Master title style</a:t>
+            </a:r>
+            <a:endParaRPr lang="en-US" dirty="0"/>
+          </a:p>
+        </p:txBody>
+      </p:sp>
+      <p:sp>
+        <p:nvSpPr>
+          <p:cNvPr id="3" name="Text Placeholder 2"/>
+          <p:cNvSpPr>
+            <a:spLocks noGrp="1"/>
+          </p:cNvSpPr>
+          <p:nvPr>
+            <p:ph type="body" idx="1"/>
+          </p:nvPr>
+        </p:nvSpPr>
+        <p:spPr>
+          <a:xfrm>
+            <a:off x="677335" y="4470400"/>
+            <a:ext cx="8596668" cy="1570962"/>
+          </a:xfrm>
+        </p:spPr>
+        <p:txBody>
+          <a:bodyPr anchor="ctr">
+            <a:normAutofit/>
+          </a:bodyPr>
+          <a:lstStyle>
+            <a:lvl1pPr marL="0" indent="0" algn="l">
+              <a:buNone/>
+              <a:defRPr sz="1800">
+                <a:solidFill>
+                  <a:schemeClr val="tx1">
+                    <a:lumMod val="75000"/>
+                    <a:lumOff val="25000"/>
+                  </a:schemeClr>
+                </a:solidFill>
+              </a:defRPr>
+            </a:lvl1pPr>
+            <a:lvl2pPr marL="457200" indent="0">
+              <a:buNone/>
+              <a:defRPr sz="1800">
+                <a:solidFill>
+                  <a:schemeClr val="tx1">
+                    <a:tint val="75000"/>
+                  </a:schemeClr>
+                </a:solidFill>
+              </a:defRPr>
+            </a:lvl2pPr>
+            <a:lvl3pPr marL="914400" indent="0">
+              <a:buNone/>
+              <a:defRPr sz="1600">
+                <a:solidFill>
+                  <a:schemeClr val="tx1">
+                    <a:tint val="75000"/>
+                  </a:schemeClr>
+                </a:solidFill>
+              </a:defRPr>
+            </a:lvl3pPr>
+            <a:lvl4pPr marL="1371600" indent="0">
+              <a:buNone/>
+              <a:defRPr sz="1400">
+                <a:solidFill>
+                  <a:schemeClr val="tx1">
+                    <a:tint val="75000"/>
+                  </a:schemeClr>
+                </a:solidFill>
+              </a:defRPr>
+            </a:lvl4pPr>
+            <a:lvl5pPr marL="1828800" indent="0">
+              <a:buNone/>
+              <a:defRPr sz="1400">
+                <a:solidFill>
+                  <a:schemeClr val="tx1">
+                    <a:tint val="75000"/>
+                  </a:schemeClr>
+                </a:solidFill>
+              </a:defRPr>
+            </a:lvl5pPr>
+            <a:lvl6pPr marL="2286000" indent="0">
+              <a:buNone/>
+              <a:defRPr sz="1400">
+                <a:solidFill>
+                  <a:schemeClr val="tx1">
+                    <a:tint val="75000"/>
+                  </a:schemeClr>
+                </a:solidFill>
+              </a:defRPr>
+            </a:lvl6pPr>
+            <a:lvl7pPr marL="2743200" indent="0">
+              <a:buNone/>
+              <a:defRPr sz="1400">
+                <a:solidFill>
+                  <a:schemeClr val="tx1">
+                    <a:tint val="75000"/>
+                  </a:schemeClr>
+                </a:solidFill>
+              </a:defRPr>
+            </a:lvl7pPr>
+            <a:lvl8pPr marL="3200400" indent="0">
+              <a:buNone/>
+              <a:defRPr sz="1400">
+                <a:solidFill>
+                  <a:schemeClr val="tx1">
+                    <a:tint val="75000"/>
+                  </a:schemeClr>
+                </a:solidFill>
+              </a:defRPr>
+            </a:lvl8pPr>
+            <a:lvl9pPr marL="3657600" indent="0">
+              <a:buNone/>
+              <a:defRPr sz="1400">
+                <a:solidFill>
+                  <a:schemeClr val="tx1">
+                    <a:tint val="75000"/>
+                  </a:schemeClr>
+                </a:solidFill>
+              </a:defRPr>
+            </a:lvl9pPr>
+          </a:lstStyle>
+          <a:p>
+            <a:pPr lvl="0"/>
+            <a:r>
+              <a:rPr lang="en-US" smtClean="0"/>
+              <a:t>Edit Master text styles</a:t>
+            </a:r>
+          </a:p>
+        </p:txBody>
+      </p:sp>
+      <p:sp>
+        <p:nvSpPr>
+          <p:cNvPr id="4" name="Date Placeholder 3"/>
+          <p:cNvSpPr>
+            <a:spLocks noGrp="1"/>
+          </p:cNvSpPr>
+          <p:nvPr>
+            <p:ph type="dt" sz="half" idx="10"/>
+          </p:nvPr>
+        </p:nvSpPr>
+        <p:spPr/>
+        <p:txBody>
+          <a:bodyPr/>
+          <a:lstStyle/>
+          <a:p>
+            <a:fld id="{D90DE563-696D-41CD-861B-DE0D58C3899E}" type="datetimeFigureOut">
+              <a:rPr lang="en-GB" smtClean="0"/>
+              <a:t>07/04/2024</a:t>
+            </a:fld>
+            <a:endParaRPr lang="en-GB"/>
+          </a:p>
+        </p:txBody>
+      </p:sp>
+      <p:sp>
+        <p:nvSpPr>
+          <p:cNvPr id="5" name="Footer Placeholder 4"/>
+          <p:cNvSpPr>
+            <a:spLocks noGrp="1"/>
+          </p:cNvSpPr>
+          <p:nvPr>
+            <p:ph type="ftr" sz="quarter" idx="11"/>
+          </p:nvPr>
+        </p:nvSpPr>
+        <p:spPr/>
+        <p:txBody>
+          <a:bodyPr/>
+          <a:lstStyle/>
+          <a:p>
+            <a:endParaRPr lang="en-GB"/>
+          </a:p>
+        </p:txBody>
+      </p:sp>
+      <p:sp>
+        <p:nvSpPr>
+          <p:cNvPr id="6" name="Slide Number Placeholder 5"/>
+          <p:cNvSpPr>
+            <a:spLocks noGrp="1"/>
+          </p:cNvSpPr>
+          <p:nvPr>
+            <p:ph type="sldNum" sz="quarter" idx="12"/>
+          </p:nvPr>
+        </p:nvSpPr>
+        <p:spPr/>
+        <p:txBody>
+          <a:bodyPr/>
+          <a:lstStyle/>
+          <a:p>
+            <a:fld id="{9B887966-8300-4E49-A17E-F67C6F07E79E}" type="slidenum">
+              <a:rPr lang="en-GB" smtClean="0"/>
+              <a:t>‹#›</a:t>
+            </a:fld>
+            <a:endParaRPr lang="en-GB"/>
+          </a:p>
+        </p:txBody>
+      </p:sp>
+    </p:spTree>
+    <p:extLst>
+      <p:ext uri="{BB962C8B-B14F-4D97-AF65-F5344CB8AC3E}">
+        <p14:creationId xmlns:p14="http://schemas.microsoft.com/office/powerpoint/2010/main" val="1596998698"/>
+      </p:ext>
+    </p:extLst>
+  </p:cSld>
+  <p:clrMapOvr>
+    <a:masterClrMapping/>
+  </p:clrMapOvr>
+</p:sldLayout>
+</file>
+
+<file path=ppt/slideLayouts/slideLayout11.xml><?xml version="1.0" encoding="utf-8"?>
+<p:sldLayout xmlns:a="http://schemas.openxmlformats.org/drawingml/2006/main" xmlns:r="http://schemas.openxmlformats.org/officeDocument/2006/relationships" xmlns:p="http://schemas.openxmlformats.org/presentationml/2006/main" preserve="1">
+  <p:cSld name="Quote with Caption">
+    <p:spTree>
+      <p:nvGrpSpPr>
+        <p:cNvPr id="1" name=""/>
+        <p:cNvGrpSpPr/>
+        <p:nvPr/>
+      </p:nvGrpSpPr>
+      <p:grpSpPr>
+        <a:xfrm>
+          <a:off x="0" y="0"/>
+          <a:ext cx="0" cy="0"/>
+          <a:chOff x="0" y="0"/>
+          <a:chExt cx="0" cy="0"/>
+        </a:xfrm>
+      </p:grpSpPr>
+      <p:sp>
+        <p:nvSpPr>
+          <p:cNvPr id="2" name="Title 1"/>
+          <p:cNvSpPr>
+            <a:spLocks noGrp="1"/>
+          </p:cNvSpPr>
+          <p:nvPr>
+            <p:ph type="title"/>
+          </p:nvPr>
+        </p:nvSpPr>
+        <p:spPr>
+          <a:xfrm>
+            <a:off x="931334" y="609600"/>
+            <a:ext cx="8094134" cy="3022600"/>
+          </a:xfrm>
+        </p:spPr>
+        <p:txBody>
+          <a:bodyPr anchor="ctr">
+            <a:normAutofit/>
+          </a:bodyPr>
+          <a:lstStyle>
+            <a:lvl1pPr algn="l">
+              <a:defRPr sz="4400" b="0" cap="none"/>
+            </a:lvl1pPr>
+          </a:lstStyle>
+          <a:p>
+            <a:r>
+              <a:rPr lang="en-US" smtClean="0"/>
+              <a:t>Click to edit Master title style</a:t>
+            </a:r>
+            <a:endParaRPr lang="en-US" dirty="0"/>
+          </a:p>
+        </p:txBody>
+      </p:sp>
+      <p:sp>
+        <p:nvSpPr>
+          <p:cNvPr id="23" name="Text Placeholder 9"/>
+          <p:cNvSpPr>
+            <a:spLocks noGrp="1"/>
+          </p:cNvSpPr>
+          <p:nvPr>
+            <p:ph type="body" sz="quarter" idx="13"/>
+          </p:nvPr>
+        </p:nvSpPr>
+        <p:spPr>
+          <a:xfrm>
+            <a:off x="1366139" y="3632200"/>
+            <a:ext cx="7224524" cy="381000"/>
+          </a:xfrm>
+        </p:spPr>
+        <p:txBody>
+          <a:bodyPr anchor="ctr">
+            <a:noAutofit/>
+          </a:bodyPr>
+          <a:lstStyle>
+            <a:lvl1pPr marL="0" indent="0">
+              <a:buFontTx/>
+              <a:buNone/>
+              <a:defRPr sz="1600">
+                <a:solidFill>
+                  <a:schemeClr val="tx1">
+                    <a:lumMod val="50000"/>
+                    <a:lumOff val="50000"/>
+                  </a:schemeClr>
+                </a:solidFill>
+              </a:defRPr>
+            </a:lvl1pPr>
+            <a:lvl2pPr marL="457200" indent="0">
+              <a:buFontTx/>
+              <a:buNone/>
+              <a:defRPr/>
+            </a:lvl2pPr>
+            <a:lvl3pPr marL="914400" indent="0">
+              <a:buFontTx/>
+              <a:buNone/>
+              <a:defRPr/>
+            </a:lvl3pPr>
+            <a:lvl4pPr marL="1371600" indent="0">
+              <a:buFontTx/>
+              <a:buNone/>
+              <a:defRPr/>
+            </a:lvl4pPr>
+            <a:lvl5pPr marL="1828800" indent="0">
+              <a:buFontTx/>
+              <a:buNone/>
+              <a:defRPr/>
+            </a:lvl5pPr>
+          </a:lstStyle>
+          <a:p>
+            <a:pPr lvl="0"/>
+            <a:r>
+              <a:rPr lang="en-US" smtClean="0"/>
+              <a:t>Edit Master text styles</a:t>
+            </a:r>
+          </a:p>
+        </p:txBody>
+      </p:sp>
+      <p:sp>
+        <p:nvSpPr>
+          <p:cNvPr id="3" name="Text Placeholder 2"/>
+          <p:cNvSpPr>
+            <a:spLocks noGrp="1"/>
+          </p:cNvSpPr>
+          <p:nvPr>
+            <p:ph type="body" idx="1"/>
+          </p:nvPr>
+        </p:nvSpPr>
+        <p:spPr>
+          <a:xfrm>
+            <a:off x="677335" y="4470400"/>
+            <a:ext cx="8596668" cy="1570962"/>
+          </a:xfrm>
+        </p:spPr>
+        <p:txBody>
+          <a:bodyPr anchor="ctr">
+            <a:normAutofit/>
+          </a:bodyPr>
+          <a:lstStyle>
+            <a:lvl1pPr marL="0" indent="0" algn="l">
+              <a:buNone/>
+              <a:defRPr sz="1800">
+                <a:solidFill>
+                  <a:schemeClr val="tx1">
+                    <a:lumMod val="75000"/>
+                    <a:lumOff val="25000"/>
+                  </a:schemeClr>
+                </a:solidFill>
+              </a:defRPr>
+            </a:lvl1pPr>
+            <a:lvl2pPr marL="457200" indent="0">
+              <a:buNone/>
+              <a:defRPr sz="1800">
+                <a:solidFill>
+                  <a:schemeClr val="tx1">
+                    <a:tint val="75000"/>
+                  </a:schemeClr>
+                </a:solidFill>
+              </a:defRPr>
+            </a:lvl2pPr>
+            <a:lvl3pPr marL="914400" indent="0">
+              <a:buNone/>
+              <a:defRPr sz="1600">
+                <a:solidFill>
+                  <a:schemeClr val="tx1">
+                    <a:tint val="75000"/>
+                  </a:schemeClr>
+                </a:solidFill>
+              </a:defRPr>
+            </a:lvl3pPr>
+            <a:lvl4pPr marL="1371600" indent="0">
+              <a:buNone/>
+              <a:defRPr sz="1400">
+                <a:solidFill>
+                  <a:schemeClr val="tx1">
+                    <a:tint val="75000"/>
+                  </a:schemeClr>
+                </a:solidFill>
+              </a:defRPr>
+            </a:lvl4pPr>
+            <a:lvl5pPr marL="1828800" indent="0">
+              <a:buNone/>
+              <a:defRPr sz="1400">
+                <a:solidFill>
+                  <a:schemeClr val="tx1">
+                    <a:tint val="75000"/>
+                  </a:schemeClr>
+                </a:solidFill>
+              </a:defRPr>
+            </a:lvl5pPr>
+            <a:lvl6pPr marL="2286000" indent="0">
+              <a:buNone/>
+              <a:defRPr sz="1400">
+                <a:solidFill>
+                  <a:schemeClr val="tx1">
+                    <a:tint val="75000"/>
+                  </a:schemeClr>
+                </a:solidFill>
+              </a:defRPr>
+            </a:lvl6pPr>
+            <a:lvl7pPr marL="2743200" indent="0">
+              <a:buNone/>
+              <a:defRPr sz="1400">
+                <a:solidFill>
+                  <a:schemeClr val="tx1">
+                    <a:tint val="75000"/>
+                  </a:schemeClr>
+                </a:solidFill>
+              </a:defRPr>
+            </a:lvl7pPr>
+            <a:lvl8pPr marL="3200400" indent="0">
+              <a:buNone/>
+              <a:defRPr sz="1400">
+                <a:solidFill>
+                  <a:schemeClr val="tx1">
+                    <a:tint val="75000"/>
+                  </a:schemeClr>
+                </a:solidFill>
+              </a:defRPr>
+            </a:lvl8pPr>
+            <a:lvl9pPr marL="3657600" indent="0">
+              <a:buNone/>
+              <a:defRPr sz="1400">
+                <a:solidFill>
+                  <a:schemeClr val="tx1">
+                    <a:tint val="75000"/>
+                  </a:schemeClr>
+                </a:solidFill>
+              </a:defRPr>
+            </a:lvl9pPr>
+          </a:lstStyle>
+          <a:p>
+            <a:pPr lvl="0"/>
+            <a:r>
+              <a:rPr lang="en-US" smtClean="0"/>
+              <a:t>Edit Master text styles</a:t>
+            </a:r>
+          </a:p>
+        </p:txBody>
+      </p:sp>
+      <p:sp>
+        <p:nvSpPr>
+          <p:cNvPr id="4" name="Date Placeholder 3"/>
+          <p:cNvSpPr>
+            <a:spLocks noGrp="1"/>
+          </p:cNvSpPr>
+          <p:nvPr>
+            <p:ph type="dt" sz="half" idx="10"/>
+          </p:nvPr>
+        </p:nvSpPr>
+        <p:spPr/>
+        <p:txBody>
+          <a:bodyPr/>
+          <a:lstStyle/>
+          <a:p>
+            <a:fld id="{D90DE563-696D-41CD-861B-DE0D58C3899E}" type="datetimeFigureOut">
+              <a:rPr lang="en-GB" smtClean="0"/>
+              <a:t>07/04/2024</a:t>
+            </a:fld>
+            <a:endParaRPr lang="en-GB"/>
+          </a:p>
+        </p:txBody>
+      </p:sp>
+      <p:sp>
+        <p:nvSpPr>
+          <p:cNvPr id="5" name="Footer Placeholder 4"/>
+          <p:cNvSpPr>
+            <a:spLocks noGrp="1"/>
+          </p:cNvSpPr>
+          <p:nvPr>
+            <p:ph type="ftr" sz="quarter" idx="11"/>
+          </p:nvPr>
+        </p:nvSpPr>
+        <p:spPr/>
+        <p:txBody>
+          <a:bodyPr/>
+          <a:lstStyle/>
+          <a:p>
+            <a:endParaRPr lang="en-GB"/>
+          </a:p>
+        </p:txBody>
+      </p:sp>
+      <p:sp>
+        <p:nvSpPr>
+          <p:cNvPr id="6" name="Slide Number Placeholder 5"/>
+          <p:cNvSpPr>
+            <a:spLocks noGrp="1"/>
+          </p:cNvSpPr>
+          <p:nvPr>
+            <p:ph type="sldNum" sz="quarter" idx="12"/>
+          </p:nvPr>
+        </p:nvSpPr>
+        <p:spPr/>
+        <p:txBody>
+          <a:bodyPr/>
+          <a:lstStyle/>
+          <a:p>
+            <a:fld id="{9B887966-8300-4E49-A17E-F67C6F07E79E}" type="slidenum">
+              <a:rPr lang="en-GB" smtClean="0"/>
+              <a:t>‹#›</a:t>
+            </a:fld>
+            <a:endParaRPr lang="en-GB"/>
+          </a:p>
+        </p:txBody>
+      </p:sp>
+      <p:sp>
+        <p:nvSpPr>
+          <p:cNvPr id="24" name="TextBox 23"/>
+          <p:cNvSpPr txBox="1"/>
+          <p:nvPr/>
+        </p:nvSpPr>
+        <p:spPr>
+          <a:xfrm>
+            <a:off x="541870" y="790378"/>
+            <a:ext cx="609600" cy="584776"/>
+          </a:xfrm>
+          <a:prstGeom prst="rect">
+            <a:avLst/>
+          </a:prstGeom>
+        </p:spPr>
+        <p:txBody>
+          <a:bodyPr vert="horz" lIns="91440" tIns="45720" rIns="91440" bIns="45720" rtlCol="0" anchor="ctr">
+            <a:noAutofit/>
+          </a:bodyPr>
+          <a:lstStyle/>
+          <a:p>
+            <a:pPr lvl="0"/>
+            <a:r>
+              <a:rPr lang="en-US" sz="8000" baseline="0" dirty="0">
+                <a:ln w="3175" cmpd="sng">
+                  <a:noFill/>
+                </a:ln>
+                <a:solidFill>
+                  <a:schemeClr val="accent1">
+                    <a:lumMod val="60000"/>
+                    <a:lumOff val="40000"/>
+                  </a:schemeClr>
+                </a:solidFill>
+                <a:effectLst/>
+                <a:latin typeface="Arial"/>
+              </a:rPr>
+              <a:t>“</a:t>
+            </a:r>
+          </a:p>
+        </p:txBody>
+      </p:sp>
+      <p:sp>
+        <p:nvSpPr>
+          <p:cNvPr id="25" name="TextBox 24"/>
+          <p:cNvSpPr txBox="1"/>
+          <p:nvPr/>
+        </p:nvSpPr>
+        <p:spPr>
+          <a:xfrm>
+            <a:off x="8893011" y="2886556"/>
+            <a:ext cx="609600" cy="584776"/>
+          </a:xfrm>
+          <a:prstGeom prst="rect">
+            <a:avLst/>
+          </a:prstGeom>
+        </p:spPr>
+        <p:txBody>
+          <a:bodyPr vert="horz" lIns="91440" tIns="45720" rIns="91440" bIns="45720" rtlCol="0" anchor="ctr">
+            <a:noAutofit/>
+          </a:bodyPr>
+          <a:lstStyle/>
+          <a:p>
+            <a:pPr lvl="0"/>
+            <a:r>
+              <a:rPr lang="en-US" sz="8000" baseline="0" dirty="0">
+                <a:ln w="3175" cmpd="sng">
+                  <a:noFill/>
+                </a:ln>
+                <a:solidFill>
+                  <a:schemeClr val="accent1">
+                    <a:lumMod val="60000"/>
+                    <a:lumOff val="40000"/>
+                  </a:schemeClr>
+                </a:solidFill>
+                <a:effectLst/>
+                <a:latin typeface="Arial"/>
+              </a:rPr>
+              <a:t>”</a:t>
+            </a:r>
+          </a:p>
+        </p:txBody>
+      </p:sp>
+    </p:spTree>
+    <p:extLst>
+      <p:ext uri="{BB962C8B-B14F-4D97-AF65-F5344CB8AC3E}">
+        <p14:creationId xmlns:p14="http://schemas.microsoft.com/office/powerpoint/2010/main" val="854354100"/>
+      </p:ext>
+    </p:extLst>
+  </p:cSld>
+  <p:clrMapOvr>
+    <a:masterClrMapping/>
+  </p:clrMapOvr>
+</p:sldLayout>
+</file>
+
+<file path=ppt/slideLayouts/slideLayout12.xml><?xml version="1.0" encoding="utf-8"?>
+<p:sldLayout xmlns:a="http://schemas.openxmlformats.org/drawingml/2006/main" xmlns:r="http://schemas.openxmlformats.org/officeDocument/2006/relationships" xmlns:p="http://schemas.openxmlformats.org/presentationml/2006/main" preserve="1">
+  <p:cSld name="Name Card">
+    <p:spTree>
+      <p:nvGrpSpPr>
+        <p:cNvPr id="1" name=""/>
+        <p:cNvGrpSpPr/>
+        <p:nvPr/>
+      </p:nvGrpSpPr>
+      <p:grpSpPr>
+        <a:xfrm>
+          <a:off x="0" y="0"/>
+          <a:ext cx="0" cy="0"/>
+          <a:chOff x="0" y="0"/>
+          <a:chExt cx="0" cy="0"/>
+        </a:xfrm>
+      </p:grpSpPr>
+      <p:sp>
+        <p:nvSpPr>
+          <p:cNvPr id="2" name="Title 1"/>
+          <p:cNvSpPr>
+            <a:spLocks noGrp="1"/>
+          </p:cNvSpPr>
+          <p:nvPr>
+            <p:ph type="title"/>
+          </p:nvPr>
+        </p:nvSpPr>
+        <p:spPr>
+          <a:xfrm>
+            <a:off x="677335" y="1931988"/>
+            <a:ext cx="8596668" cy="2595460"/>
+          </a:xfrm>
+        </p:spPr>
+        <p:txBody>
+          <a:bodyPr anchor="b">
+            <a:normAutofit/>
+          </a:bodyPr>
+          <a:lstStyle>
+            <a:lvl1pPr algn="l">
+              <a:defRPr sz="4400" b="0" cap="none"/>
+            </a:lvl1pPr>
+          </a:lstStyle>
+          <a:p>
+            <a:r>
+              <a:rPr lang="en-US" smtClean="0"/>
+              <a:t>Click to edit Master title style</a:t>
+            </a:r>
+            <a:endParaRPr lang="en-US" dirty="0"/>
+          </a:p>
+        </p:txBody>
+      </p:sp>
+      <p:sp>
+        <p:nvSpPr>
+          <p:cNvPr id="3" name="Text Placeholder 2"/>
+          <p:cNvSpPr>
+            <a:spLocks noGrp="1"/>
+          </p:cNvSpPr>
+          <p:nvPr>
+            <p:ph type="body" idx="1"/>
+          </p:nvPr>
+        </p:nvSpPr>
+        <p:spPr>
+          <a:xfrm>
+            <a:off x="677335" y="4527448"/>
+            <a:ext cx="8596668" cy="1513914"/>
+          </a:xfrm>
+        </p:spPr>
+        <p:txBody>
+          <a:bodyPr anchor="t">
+            <a:normAutofit/>
+          </a:bodyPr>
+          <a:lstStyle>
+            <a:lvl1pPr marL="0" indent="0" algn="l">
+              <a:buNone/>
+              <a:defRPr sz="1800">
+                <a:solidFill>
+                  <a:schemeClr val="tx1">
+                    <a:lumMod val="75000"/>
+                    <a:lumOff val="25000"/>
+                  </a:schemeClr>
+                </a:solidFill>
+              </a:defRPr>
+            </a:lvl1pPr>
+            <a:lvl2pPr marL="457200" indent="0">
+              <a:buNone/>
+              <a:defRPr sz="1800">
+                <a:solidFill>
+                  <a:schemeClr val="tx1">
+                    <a:tint val="75000"/>
+                  </a:schemeClr>
+                </a:solidFill>
+              </a:defRPr>
+            </a:lvl2pPr>
+            <a:lvl3pPr marL="914400" indent="0">
+              <a:buNone/>
+              <a:defRPr sz="1600">
+                <a:solidFill>
+                  <a:schemeClr val="tx1">
+                    <a:tint val="75000"/>
+                  </a:schemeClr>
+                </a:solidFill>
+              </a:defRPr>
+            </a:lvl3pPr>
+            <a:lvl4pPr marL="1371600" indent="0">
+              <a:buNone/>
+              <a:defRPr sz="1400">
+                <a:solidFill>
+                  <a:schemeClr val="tx1">
+                    <a:tint val="75000"/>
+                  </a:schemeClr>
+                </a:solidFill>
+              </a:defRPr>
+            </a:lvl4pPr>
+            <a:lvl5pPr marL="1828800" indent="0">
+              <a:buNone/>
+              <a:defRPr sz="1400">
+                <a:solidFill>
+                  <a:schemeClr val="tx1">
+                    <a:tint val="75000"/>
+                  </a:schemeClr>
+                </a:solidFill>
+              </a:defRPr>
+            </a:lvl5pPr>
+            <a:lvl6pPr marL="2286000" indent="0">
+              <a:buNone/>
+              <a:defRPr sz="1400">
+                <a:solidFill>
+                  <a:schemeClr val="tx1">
+                    <a:tint val="75000"/>
+                  </a:schemeClr>
+                </a:solidFill>
+              </a:defRPr>
+            </a:lvl6pPr>
+            <a:lvl7pPr marL="2743200" indent="0">
+              <a:buNone/>
+              <a:defRPr sz="1400">
+                <a:solidFill>
+                  <a:schemeClr val="tx1">
+                    <a:tint val="75000"/>
+                  </a:schemeClr>
+                </a:solidFill>
+              </a:defRPr>
+            </a:lvl7pPr>
+            <a:lvl8pPr marL="3200400" indent="0">
+              <a:buNone/>
+              <a:defRPr sz="1400">
+                <a:solidFill>
+                  <a:schemeClr val="tx1">
+                    <a:tint val="75000"/>
+                  </a:schemeClr>
+                </a:solidFill>
+              </a:defRPr>
+            </a:lvl8pPr>
+            <a:lvl9pPr marL="3657600" indent="0">
+              <a:buNone/>
+              <a:defRPr sz="1400">
+                <a:solidFill>
+                  <a:schemeClr val="tx1">
+                    <a:tint val="75000"/>
+                  </a:schemeClr>
+                </a:solidFill>
+              </a:defRPr>
+            </a:lvl9pPr>
+          </a:lstStyle>
+          <a:p>
+            <a:pPr lvl="0"/>
+            <a:r>
+              <a:rPr lang="en-US" smtClean="0"/>
+              <a:t>Edit Master text styles</a:t>
+            </a:r>
+          </a:p>
+        </p:txBody>
+      </p:sp>
+      <p:sp>
+        <p:nvSpPr>
+          <p:cNvPr id="4" name="Date Placeholder 3"/>
+          <p:cNvSpPr>
+            <a:spLocks noGrp="1"/>
+          </p:cNvSpPr>
+          <p:nvPr>
+            <p:ph type="dt" sz="half" idx="10"/>
+          </p:nvPr>
+        </p:nvSpPr>
+        <p:spPr/>
+        <p:txBody>
+          <a:bodyPr/>
+          <a:lstStyle/>
+          <a:p>
+            <a:fld id="{D90DE563-696D-41CD-861B-DE0D58C3899E}" type="datetimeFigureOut">
+              <a:rPr lang="en-GB" smtClean="0"/>
+              <a:t>07/04/2024</a:t>
+            </a:fld>
+            <a:endParaRPr lang="en-GB"/>
+          </a:p>
+        </p:txBody>
+      </p:sp>
+      <p:sp>
+        <p:nvSpPr>
+          <p:cNvPr id="5" name="Footer Placeholder 4"/>
+          <p:cNvSpPr>
+            <a:spLocks noGrp="1"/>
+          </p:cNvSpPr>
+          <p:nvPr>
+            <p:ph type="ftr" sz="quarter" idx="11"/>
+          </p:nvPr>
+        </p:nvSpPr>
+        <p:spPr/>
+        <p:txBody>
+          <a:bodyPr/>
+          <a:lstStyle/>
+          <a:p>
+            <a:endParaRPr lang="en-GB"/>
+          </a:p>
+        </p:txBody>
+      </p:sp>
+      <p:sp>
+        <p:nvSpPr>
+          <p:cNvPr id="6" name="Slide Number Placeholder 5"/>
+          <p:cNvSpPr>
+            <a:spLocks noGrp="1"/>
+          </p:cNvSpPr>
+          <p:nvPr>
+            <p:ph type="sldNum" sz="quarter" idx="12"/>
+          </p:nvPr>
+        </p:nvSpPr>
+        <p:spPr/>
+        <p:txBody>
+          <a:bodyPr/>
+          <a:lstStyle/>
+          <a:p>
+            <a:fld id="{9B887966-8300-4E49-A17E-F67C6F07E79E}" type="slidenum">
+              <a:rPr lang="en-GB" smtClean="0"/>
+              <a:t>‹#›</a:t>
+            </a:fld>
+            <a:endParaRPr lang="en-GB"/>
+          </a:p>
+        </p:txBody>
+      </p:sp>
+    </p:spTree>
+    <p:extLst>
+      <p:ext uri="{BB962C8B-B14F-4D97-AF65-F5344CB8AC3E}">
+        <p14:creationId xmlns:p14="http://schemas.microsoft.com/office/powerpoint/2010/main" val="2367628793"/>
+      </p:ext>
+    </p:extLst>
+  </p:cSld>
+  <p:clrMapOvr>
+    <a:masterClrMapping/>
+  </p:clrMapOvr>
+</p:sldLayout>
+</file>
+
+<file path=ppt/slideLayouts/slideLayout13.xml><?xml version="1.0" encoding="utf-8"?>
+<p:sldLayout xmlns:a="http://schemas.openxmlformats.org/drawingml/2006/main" xmlns:r="http://schemas.openxmlformats.org/officeDocument/2006/relationships" xmlns:p="http://schemas.openxmlformats.org/presentationml/2006/main" preserve="1">
+  <p:cSld name="Quote Name Card">
+    <p:spTree>
+      <p:nvGrpSpPr>
+        <p:cNvPr id="1" name=""/>
+        <p:cNvGrpSpPr/>
+        <p:nvPr/>
+      </p:nvGrpSpPr>
+      <p:grpSpPr>
+        <a:xfrm>
+          <a:off x="0" y="0"/>
+          <a:ext cx="0" cy="0"/>
+          <a:chOff x="0" y="0"/>
+          <a:chExt cx="0" cy="0"/>
+        </a:xfrm>
+      </p:grpSpPr>
+      <p:sp>
+        <p:nvSpPr>
+          <p:cNvPr id="2" name="Title 1"/>
+          <p:cNvSpPr>
+            <a:spLocks noGrp="1"/>
+          </p:cNvSpPr>
+          <p:nvPr>
+            <p:ph type="title"/>
+          </p:nvPr>
+        </p:nvSpPr>
+        <p:spPr>
+          <a:xfrm>
+            <a:off x="931334" y="609600"/>
+            <a:ext cx="8094134" cy="3022600"/>
+          </a:xfrm>
+        </p:spPr>
+        <p:txBody>
+          <a:bodyPr anchor="ctr">
+            <a:normAutofit/>
+          </a:bodyPr>
+          <a:lstStyle>
+            <a:lvl1pPr algn="l">
+              <a:defRPr sz="4400" b="0" cap="none"/>
+            </a:lvl1pPr>
+          </a:lstStyle>
+          <a:p>
+            <a:r>
+              <a:rPr lang="en-US" smtClean="0"/>
+              <a:t>Click to edit Master title style</a:t>
+            </a:r>
+            <a:endParaRPr lang="en-US" dirty="0"/>
+          </a:p>
+        </p:txBody>
+      </p:sp>
+      <p:sp>
+        <p:nvSpPr>
+          <p:cNvPr id="23" name="Text Placeholder 9"/>
+          <p:cNvSpPr>
+            <a:spLocks noGrp="1"/>
+          </p:cNvSpPr>
+          <p:nvPr>
+            <p:ph type="body" sz="quarter" idx="13"/>
+          </p:nvPr>
+        </p:nvSpPr>
+        <p:spPr>
+          <a:xfrm>
+            <a:off x="677332" y="4013200"/>
+            <a:ext cx="8596669" cy="514248"/>
+          </a:xfrm>
+        </p:spPr>
+        <p:txBody>
+          <a:bodyPr anchor="b">
+            <a:noAutofit/>
+          </a:bodyPr>
+          <a:lstStyle>
+            <a:lvl1pPr marL="0" indent="0">
+              <a:buFontTx/>
+              <a:buNone/>
+              <a:defRPr sz="2400">
+                <a:solidFill>
+                  <a:schemeClr val="tx1">
+                    <a:lumMod val="75000"/>
+                    <a:lumOff val="25000"/>
+                  </a:schemeClr>
+                </a:solidFill>
+              </a:defRPr>
+            </a:lvl1pPr>
+            <a:lvl2pPr marL="457200" indent="0">
+              <a:buFontTx/>
+              <a:buNone/>
+              <a:defRPr/>
+            </a:lvl2pPr>
+            <a:lvl3pPr marL="914400" indent="0">
+              <a:buFontTx/>
+              <a:buNone/>
+              <a:defRPr/>
+            </a:lvl3pPr>
+            <a:lvl4pPr marL="1371600" indent="0">
+              <a:buFontTx/>
+              <a:buNone/>
+              <a:defRPr/>
+            </a:lvl4pPr>
+            <a:lvl5pPr marL="1828800" indent="0">
+              <a:buFontTx/>
+              <a:buNone/>
+              <a:defRPr/>
+            </a:lvl5pPr>
+          </a:lstStyle>
+          <a:p>
+            <a:pPr lvl="0"/>
+            <a:r>
+              <a:rPr lang="en-US" smtClean="0"/>
+              <a:t>Edit Master text styles</a:t>
+            </a:r>
+          </a:p>
+        </p:txBody>
+      </p:sp>
+      <p:sp>
+        <p:nvSpPr>
+          <p:cNvPr id="3" name="Text Placeholder 2"/>
+          <p:cNvSpPr>
+            <a:spLocks noGrp="1"/>
+          </p:cNvSpPr>
+          <p:nvPr>
+            <p:ph type="body" idx="1"/>
+          </p:nvPr>
+        </p:nvSpPr>
+        <p:spPr>
+          <a:xfrm>
+            <a:off x="677335" y="4527448"/>
+            <a:ext cx="8596668" cy="1513914"/>
+          </a:xfrm>
+        </p:spPr>
+        <p:txBody>
+          <a:bodyPr anchor="t">
+            <a:normAutofit/>
+          </a:bodyPr>
+          <a:lstStyle>
+            <a:lvl1pPr marL="0" indent="0" algn="l">
+              <a:buNone/>
+              <a:defRPr sz="1800">
+                <a:solidFill>
+                  <a:schemeClr val="tx1">
+                    <a:lumMod val="50000"/>
+                    <a:lumOff val="50000"/>
+                  </a:schemeClr>
+                </a:solidFill>
+              </a:defRPr>
+            </a:lvl1pPr>
+            <a:lvl2pPr marL="457200" indent="0">
+              <a:buNone/>
+              <a:defRPr sz="1800">
+                <a:solidFill>
+                  <a:schemeClr val="tx1">
+                    <a:tint val="75000"/>
+                  </a:schemeClr>
+                </a:solidFill>
+              </a:defRPr>
+            </a:lvl2pPr>
+            <a:lvl3pPr marL="914400" indent="0">
+              <a:buNone/>
+              <a:defRPr sz="1600">
+                <a:solidFill>
+                  <a:schemeClr val="tx1">
+                    <a:tint val="75000"/>
+                  </a:schemeClr>
+                </a:solidFill>
+              </a:defRPr>
+            </a:lvl3pPr>
+            <a:lvl4pPr marL="1371600" indent="0">
+              <a:buNone/>
+              <a:defRPr sz="1400">
+                <a:solidFill>
+                  <a:schemeClr val="tx1">
+                    <a:tint val="75000"/>
+                  </a:schemeClr>
+                </a:solidFill>
+              </a:defRPr>
+            </a:lvl4pPr>
+            <a:lvl5pPr marL="1828800" indent="0">
+              <a:buNone/>
+              <a:defRPr sz="1400">
+                <a:solidFill>
+                  <a:schemeClr val="tx1">
+                    <a:tint val="75000"/>
+                  </a:schemeClr>
+                </a:solidFill>
+              </a:defRPr>
+            </a:lvl5pPr>
+            <a:lvl6pPr marL="2286000" indent="0">
+              <a:buNone/>
+              <a:defRPr sz="1400">
+                <a:solidFill>
+                  <a:schemeClr val="tx1">
+                    <a:tint val="75000"/>
+                  </a:schemeClr>
+                </a:solidFill>
+              </a:defRPr>
+            </a:lvl6pPr>
+            <a:lvl7pPr marL="2743200" indent="0">
+              <a:buNone/>
+              <a:defRPr sz="1400">
+                <a:solidFill>
+                  <a:schemeClr val="tx1">
+                    <a:tint val="75000"/>
+                  </a:schemeClr>
+                </a:solidFill>
+              </a:defRPr>
+            </a:lvl7pPr>
+            <a:lvl8pPr marL="3200400" indent="0">
+              <a:buNone/>
+              <a:defRPr sz="1400">
+                <a:solidFill>
+                  <a:schemeClr val="tx1">
+                    <a:tint val="75000"/>
+                  </a:schemeClr>
+                </a:solidFill>
+              </a:defRPr>
+            </a:lvl8pPr>
+            <a:lvl9pPr marL="3657600" indent="0">
+              <a:buNone/>
+              <a:defRPr sz="1400">
+                <a:solidFill>
+                  <a:schemeClr val="tx1">
+                    <a:tint val="75000"/>
+                  </a:schemeClr>
+                </a:solidFill>
+              </a:defRPr>
+            </a:lvl9pPr>
+          </a:lstStyle>
+          <a:p>
+            <a:pPr lvl="0"/>
+            <a:r>
+              <a:rPr lang="en-US" smtClean="0"/>
+              <a:t>Edit Master text styles</a:t>
+            </a:r>
+          </a:p>
+        </p:txBody>
+      </p:sp>
+      <p:sp>
+        <p:nvSpPr>
+          <p:cNvPr id="4" name="Date Placeholder 3"/>
+          <p:cNvSpPr>
+            <a:spLocks noGrp="1"/>
+          </p:cNvSpPr>
+          <p:nvPr>
+            <p:ph type="dt" sz="half" idx="10"/>
+          </p:nvPr>
+        </p:nvSpPr>
+        <p:spPr/>
+        <p:txBody>
+          <a:bodyPr/>
+          <a:lstStyle/>
+          <a:p>
+            <a:fld id="{D90DE563-696D-41CD-861B-DE0D58C3899E}" type="datetimeFigureOut">
+              <a:rPr lang="en-GB" smtClean="0"/>
+              <a:t>07/04/2024</a:t>
+            </a:fld>
+            <a:endParaRPr lang="en-GB"/>
+          </a:p>
+        </p:txBody>
+      </p:sp>
+      <p:sp>
+        <p:nvSpPr>
+          <p:cNvPr id="5" name="Footer Placeholder 4"/>
+          <p:cNvSpPr>
+            <a:spLocks noGrp="1"/>
+          </p:cNvSpPr>
+          <p:nvPr>
+            <p:ph type="ftr" sz="quarter" idx="11"/>
+          </p:nvPr>
+        </p:nvSpPr>
+        <p:spPr/>
+        <p:txBody>
+          <a:bodyPr/>
+          <a:lstStyle/>
+          <a:p>
+            <a:endParaRPr lang="en-GB"/>
+          </a:p>
+        </p:txBody>
+      </p:sp>
+      <p:sp>
+        <p:nvSpPr>
+          <p:cNvPr id="6" name="Slide Number Placeholder 5"/>
+          <p:cNvSpPr>
+            <a:spLocks noGrp="1"/>
+          </p:cNvSpPr>
+          <p:nvPr>
+            <p:ph type="sldNum" sz="quarter" idx="12"/>
+          </p:nvPr>
+        </p:nvSpPr>
+        <p:spPr/>
+        <p:txBody>
+          <a:bodyPr/>
+          <a:lstStyle/>
+          <a:p>
+            <a:fld id="{9B887966-8300-4E49-A17E-F67C6F07E79E}" type="slidenum">
+              <a:rPr lang="en-GB" smtClean="0"/>
+              <a:t>‹#›</a:t>
+            </a:fld>
+            <a:endParaRPr lang="en-GB"/>
+          </a:p>
+        </p:txBody>
+      </p:sp>
+      <p:sp>
+        <p:nvSpPr>
+          <p:cNvPr id="24" name="TextBox 23"/>
+          <p:cNvSpPr txBox="1"/>
+          <p:nvPr/>
+        </p:nvSpPr>
+        <p:spPr>
+          <a:xfrm>
+            <a:off x="541870" y="790378"/>
+            <a:ext cx="609600" cy="584776"/>
+          </a:xfrm>
+          <a:prstGeom prst="rect">
+            <a:avLst/>
+          </a:prstGeom>
+        </p:spPr>
+        <p:txBody>
+          <a:bodyPr vert="horz" lIns="91440" tIns="45720" rIns="91440" bIns="45720" rtlCol="0" anchor="ctr">
+            <a:noAutofit/>
+          </a:bodyPr>
+          <a:lstStyle/>
+          <a:p>
+            <a:pPr lvl="0"/>
+            <a:r>
+              <a:rPr lang="en-US" sz="8000" baseline="0" dirty="0">
+                <a:ln w="3175" cmpd="sng">
+                  <a:noFill/>
+                </a:ln>
+                <a:solidFill>
+                  <a:schemeClr val="accent1">
+                    <a:lumMod val="60000"/>
+                    <a:lumOff val="40000"/>
+                  </a:schemeClr>
+                </a:solidFill>
+                <a:effectLst/>
+                <a:latin typeface="Arial"/>
+              </a:rPr>
+              <a:t>“</a:t>
+            </a:r>
+          </a:p>
+        </p:txBody>
+      </p:sp>
+      <p:sp>
+        <p:nvSpPr>
+          <p:cNvPr id="25" name="TextBox 24"/>
+          <p:cNvSpPr txBox="1"/>
+          <p:nvPr/>
+        </p:nvSpPr>
+        <p:spPr>
+          <a:xfrm>
+            <a:off x="8893011" y="2886556"/>
+            <a:ext cx="609600" cy="584776"/>
+          </a:xfrm>
+          <a:prstGeom prst="rect">
+            <a:avLst/>
+          </a:prstGeom>
+        </p:spPr>
+        <p:txBody>
+          <a:bodyPr vert="horz" lIns="91440" tIns="45720" rIns="91440" bIns="45720" rtlCol="0" anchor="ctr">
+            <a:noAutofit/>
+          </a:bodyPr>
+          <a:lstStyle/>
+          <a:p>
+            <a:pPr lvl="0"/>
+            <a:r>
+              <a:rPr lang="en-US" sz="8000" baseline="0" dirty="0">
+                <a:ln w="3175" cmpd="sng">
+                  <a:noFill/>
+                </a:ln>
+                <a:solidFill>
+                  <a:schemeClr val="accent1">
+                    <a:lumMod val="60000"/>
+                    <a:lumOff val="40000"/>
+                  </a:schemeClr>
+                </a:solidFill>
+                <a:effectLst/>
+                <a:latin typeface="Arial"/>
+              </a:rPr>
+              <a:t>”</a:t>
+            </a:r>
+          </a:p>
+        </p:txBody>
+      </p:sp>
+    </p:spTree>
+    <p:extLst>
+      <p:ext uri="{BB962C8B-B14F-4D97-AF65-F5344CB8AC3E}">
+        <p14:creationId xmlns:p14="http://schemas.microsoft.com/office/powerpoint/2010/main" val="3208637916"/>
+      </p:ext>
+    </p:extLst>
+  </p:cSld>
+  <p:clrMapOvr>
+    <a:masterClrMapping/>
+  </p:clrMapOvr>
+</p:sldLayout>
+</file>
+
+<file path=ppt/slideLayouts/slideLayout14.xml><?xml version="1.0" encoding="utf-8"?>
+<p:sldLayout xmlns:a="http://schemas.openxmlformats.org/drawingml/2006/main" xmlns:r="http://schemas.openxmlformats.org/officeDocument/2006/relationships" xmlns:p="http://schemas.openxmlformats.org/presentationml/2006/main" preserve="1">
+  <p:cSld name="True or False">
+    <p:spTree>
+      <p:nvGrpSpPr>
+        <p:cNvPr id="1" name=""/>
+        <p:cNvGrpSpPr/>
+        <p:nvPr/>
+      </p:nvGrpSpPr>
+      <p:grpSpPr>
+        <a:xfrm>
+          <a:off x="0" y="0"/>
+          <a:ext cx="0" cy="0"/>
+          <a:chOff x="0" y="0"/>
+          <a:chExt cx="0" cy="0"/>
+        </a:xfrm>
+      </p:grpSpPr>
+      <p:sp>
+        <p:nvSpPr>
+          <p:cNvPr id="2" name="Title 1"/>
+          <p:cNvSpPr>
+            <a:spLocks noGrp="1"/>
+          </p:cNvSpPr>
+          <p:nvPr>
+            <p:ph type="title"/>
+          </p:nvPr>
+        </p:nvSpPr>
+        <p:spPr>
+          <a:xfrm>
+            <a:off x="685799" y="609600"/>
+            <a:ext cx="8588203" cy="3022600"/>
+          </a:xfrm>
+        </p:spPr>
+        <p:txBody>
+          <a:bodyPr anchor="ctr">
+            <a:normAutofit/>
+          </a:bodyPr>
+          <a:lstStyle>
+            <a:lvl1pPr algn="l">
+              <a:defRPr sz="4400" b="0" cap="none"/>
+            </a:lvl1pPr>
+          </a:lstStyle>
+          <a:p>
+            <a:r>
+              <a:rPr lang="en-US" smtClean="0"/>
+              <a:t>Click to edit Master title style</a:t>
+            </a:r>
+            <a:endParaRPr lang="en-US" dirty="0"/>
+          </a:p>
+        </p:txBody>
+      </p:sp>
+      <p:sp>
+        <p:nvSpPr>
+          <p:cNvPr id="23" name="Text Placeholder 9"/>
+          <p:cNvSpPr>
+            <a:spLocks noGrp="1"/>
+          </p:cNvSpPr>
+          <p:nvPr>
+            <p:ph type="body" sz="quarter" idx="13"/>
+          </p:nvPr>
+        </p:nvSpPr>
+        <p:spPr>
+          <a:xfrm>
+            <a:off x="677332" y="4013200"/>
+            <a:ext cx="8596669" cy="514248"/>
+          </a:xfrm>
+        </p:spPr>
+        <p:txBody>
+          <a:bodyPr anchor="b">
+            <a:noAutofit/>
+          </a:bodyPr>
+          <a:lstStyle>
+            <a:lvl1pPr marL="0" indent="0">
+              <a:buFontTx/>
+              <a:buNone/>
+              <a:defRPr sz="2400">
+                <a:solidFill>
+                  <a:schemeClr val="accent1"/>
+                </a:solidFill>
+              </a:defRPr>
+            </a:lvl1pPr>
+            <a:lvl2pPr marL="457200" indent="0">
+              <a:buFontTx/>
+              <a:buNone/>
+              <a:defRPr/>
+            </a:lvl2pPr>
+            <a:lvl3pPr marL="914400" indent="0">
+              <a:buFontTx/>
+              <a:buNone/>
+              <a:defRPr/>
+            </a:lvl3pPr>
+            <a:lvl4pPr marL="1371600" indent="0">
+              <a:buFontTx/>
+              <a:buNone/>
+              <a:defRPr/>
+            </a:lvl4pPr>
+            <a:lvl5pPr marL="1828800" indent="0">
+              <a:buFontTx/>
+              <a:buNone/>
+              <a:defRPr/>
+            </a:lvl5pPr>
+          </a:lstStyle>
+          <a:p>
+            <a:pPr lvl="0"/>
+            <a:r>
+              <a:rPr lang="en-US" smtClean="0"/>
+              <a:t>Edit Master text styles</a:t>
+            </a:r>
+          </a:p>
+        </p:txBody>
+      </p:sp>
+      <p:sp>
+        <p:nvSpPr>
+          <p:cNvPr id="3" name="Text Placeholder 2"/>
+          <p:cNvSpPr>
+            <a:spLocks noGrp="1"/>
+          </p:cNvSpPr>
+          <p:nvPr>
+            <p:ph type="body" idx="1"/>
+          </p:nvPr>
+        </p:nvSpPr>
+        <p:spPr>
+          <a:xfrm>
+            <a:off x="677335" y="4527448"/>
+            <a:ext cx="8596668" cy="1513914"/>
+          </a:xfrm>
+        </p:spPr>
+        <p:txBody>
+          <a:bodyPr anchor="t">
+            <a:normAutofit/>
+          </a:bodyPr>
+          <a:lstStyle>
+            <a:lvl1pPr marL="0" indent="0" algn="l">
+              <a:buNone/>
+              <a:defRPr sz="1800">
+                <a:solidFill>
+                  <a:schemeClr val="tx1">
+                    <a:lumMod val="50000"/>
+                    <a:lumOff val="50000"/>
+                  </a:schemeClr>
+                </a:solidFill>
+              </a:defRPr>
+            </a:lvl1pPr>
+            <a:lvl2pPr marL="457200" indent="0">
+              <a:buNone/>
+              <a:defRPr sz="1800">
+                <a:solidFill>
+                  <a:schemeClr val="tx1">
+                    <a:tint val="75000"/>
+                  </a:schemeClr>
+                </a:solidFill>
+              </a:defRPr>
+            </a:lvl2pPr>
+            <a:lvl3pPr marL="914400" indent="0">
+              <a:buNone/>
+              <a:defRPr sz="1600">
+                <a:solidFill>
+                  <a:schemeClr val="tx1">
+                    <a:tint val="75000"/>
+                  </a:schemeClr>
+                </a:solidFill>
+              </a:defRPr>
+            </a:lvl3pPr>
+            <a:lvl4pPr marL="1371600" indent="0">
+              <a:buNone/>
+              <a:defRPr sz="1400">
+                <a:solidFill>
+                  <a:schemeClr val="tx1">
+                    <a:tint val="75000"/>
+                  </a:schemeClr>
+                </a:solidFill>
+              </a:defRPr>
+            </a:lvl4pPr>
+            <a:lvl5pPr marL="1828800" indent="0">
+              <a:buNone/>
+              <a:defRPr sz="1400">
+                <a:solidFill>
+                  <a:schemeClr val="tx1">
+                    <a:tint val="75000"/>
+                  </a:schemeClr>
+                </a:solidFill>
+              </a:defRPr>
+            </a:lvl5pPr>
+            <a:lvl6pPr marL="2286000" indent="0">
+              <a:buNone/>
+              <a:defRPr sz="1400">
+                <a:solidFill>
+                  <a:schemeClr val="tx1">
+                    <a:tint val="75000"/>
+                  </a:schemeClr>
+                </a:solidFill>
+              </a:defRPr>
+            </a:lvl6pPr>
+            <a:lvl7pPr marL="2743200" indent="0">
+              <a:buNone/>
+              <a:defRPr sz="1400">
+                <a:solidFill>
+                  <a:schemeClr val="tx1">
+                    <a:tint val="75000"/>
+                  </a:schemeClr>
+                </a:solidFill>
+              </a:defRPr>
+            </a:lvl7pPr>
+            <a:lvl8pPr marL="3200400" indent="0">
+              <a:buNone/>
+              <a:defRPr sz="1400">
+                <a:solidFill>
+                  <a:schemeClr val="tx1">
+                    <a:tint val="75000"/>
+                  </a:schemeClr>
+                </a:solidFill>
+              </a:defRPr>
+            </a:lvl8pPr>
+            <a:lvl9pPr marL="3657600" indent="0">
+              <a:buNone/>
+              <a:defRPr sz="1400">
+                <a:solidFill>
+                  <a:schemeClr val="tx1">
+                    <a:tint val="75000"/>
+                  </a:schemeClr>
+                </a:solidFill>
+              </a:defRPr>
+            </a:lvl9pPr>
+          </a:lstStyle>
+          <a:p>
+            <a:pPr lvl="0"/>
+            <a:r>
+              <a:rPr lang="en-US" smtClean="0"/>
+              <a:t>Edit Master text styles</a:t>
+            </a:r>
+          </a:p>
+        </p:txBody>
+      </p:sp>
+      <p:sp>
+        <p:nvSpPr>
+          <p:cNvPr id="4" name="Date Placeholder 3"/>
+          <p:cNvSpPr>
+            <a:spLocks noGrp="1"/>
+          </p:cNvSpPr>
+          <p:nvPr>
+            <p:ph type="dt" sz="half" idx="10"/>
+          </p:nvPr>
+        </p:nvSpPr>
+        <p:spPr/>
+        <p:txBody>
+          <a:bodyPr/>
+          <a:lstStyle/>
+          <a:p>
+            <a:fld id="{D90DE563-696D-41CD-861B-DE0D58C3899E}" type="datetimeFigureOut">
+              <a:rPr lang="en-GB" smtClean="0"/>
+              <a:t>07/04/2024</a:t>
+            </a:fld>
+            <a:endParaRPr lang="en-GB"/>
+          </a:p>
+        </p:txBody>
+      </p:sp>
+      <p:sp>
+        <p:nvSpPr>
+          <p:cNvPr id="5" name="Footer Placeholder 4"/>
+          <p:cNvSpPr>
+            <a:spLocks noGrp="1"/>
+          </p:cNvSpPr>
+          <p:nvPr>
+            <p:ph type="ftr" sz="quarter" idx="11"/>
+          </p:nvPr>
+        </p:nvSpPr>
+        <p:spPr/>
+        <p:txBody>
+          <a:bodyPr/>
+          <a:lstStyle/>
+          <a:p>
+            <a:endParaRPr lang="en-GB"/>
+          </a:p>
+        </p:txBody>
+      </p:sp>
+      <p:sp>
+        <p:nvSpPr>
+          <p:cNvPr id="6" name="Slide Number Placeholder 5"/>
+          <p:cNvSpPr>
+            <a:spLocks noGrp="1"/>
+          </p:cNvSpPr>
+          <p:nvPr>
+            <p:ph type="sldNum" sz="quarter" idx="12"/>
+          </p:nvPr>
+        </p:nvSpPr>
+        <p:spPr/>
+        <p:txBody>
+          <a:bodyPr/>
+          <a:lstStyle/>
+          <a:p>
+            <a:fld id="{9B887966-8300-4E49-A17E-F67C6F07E79E}" type="slidenum">
+              <a:rPr lang="en-GB" smtClean="0"/>
+              <a:t>‹#›</a:t>
+            </a:fld>
+            <a:endParaRPr lang="en-GB"/>
+          </a:p>
+        </p:txBody>
+      </p:sp>
+    </p:spTree>
+    <p:extLst>
+      <p:ext uri="{BB962C8B-B14F-4D97-AF65-F5344CB8AC3E}">
+        <p14:creationId xmlns:p14="http://schemas.microsoft.com/office/powerpoint/2010/main" val="2677486843"/>
+      </p:ext>
+    </p:extLst>
+  </p:cSld>
+  <p:clrMapOvr>
+    <a:masterClrMapping/>
+  </p:clrMapOvr>
+</p:sldLayout>
+</file>
+
+<file path=ppt/slideLayouts/slideLayout15.xml><?xml version="1.0" encoding="utf-8"?>
 <p:sldLayout xmlns:a="http://schemas.openxmlformats.org/drawingml/2006/main" xmlns:r="http://schemas.openxmlformats.org/officeDocument/2006/relationships" xmlns:p="http://schemas.openxmlformats.org/presentationml/2006/main" type="vertTx" preserve="1">
   <p:cSld name="Title and Vertical Text">
     <p:spTree>
@@ -336,7 +2562,7 @@
               <a:rPr lang="en-US" smtClean="0"/>
               <a:t>Click to edit Master title style</a:t>
             </a:r>
-            <a:endParaRPr lang="en-GB"/>
+            <a:endParaRPr lang="en-US" dirty="0"/>
           </a:p>
         </p:txBody>
       </p:sp>
@@ -388,7 +2614,7 @@
               <a:rPr lang="en-US" smtClean="0"/>
               <a:t>Fifth level</a:t>
             </a:r>
-            <a:endParaRPr lang="en-GB"/>
+            <a:endParaRPr lang="en-US" dirty="0"/>
           </a:p>
         </p:txBody>
       </p:sp>
@@ -409,7 +2635,7 @@
           <a:p>
             <a:fld id="{D90DE563-696D-41CD-861B-DE0D58C3899E}" type="datetimeFigureOut">
               <a:rPr lang="en-GB" smtClean="0"/>
-              <a:t>03/04/2024</a:t>
+              <a:t>07/04/2024</a:t>
             </a:fld>
             <a:endParaRPr lang="en-GB"/>
           </a:p>
@@ -460,7 +2686,7 @@
     </p:spTree>
     <p:extLst>
       <p:ext uri="{BB962C8B-B14F-4D97-AF65-F5344CB8AC3E}">
-        <p14:creationId xmlns:p14="http://schemas.microsoft.com/office/powerpoint/2010/main" val="672058794"/>
+        <p14:creationId xmlns:p14="http://schemas.microsoft.com/office/powerpoint/2010/main" val="1475450944"/>
       </p:ext>
     </p:extLst>
   </p:cSld>
@@ -470,7 +2696,7 @@
 </p:sldLayout>
 </file>
 
-<file path=ppt/slideLayouts/slideLayout11.xml><?xml version="1.0" encoding="utf-8"?>
+<file path=ppt/slideLayouts/slideLayout16.xml><?xml version="1.0" encoding="utf-8"?>
 <p:sldLayout xmlns:a="http://schemas.openxmlformats.org/drawingml/2006/main" xmlns:r="http://schemas.openxmlformats.org/officeDocument/2006/relationships" xmlns:p="http://schemas.openxmlformats.org/presentationml/2006/main" type="vertTitleAndTx" preserve="1">
   <p:cSld name="Vertical Title and Text">
     <p:spTree>
@@ -499,19 +2725,19 @@
         </p:nvSpPr>
         <p:spPr>
           <a:xfrm>
-            <a:off x="8724900" y="365125"/>
-            <a:ext cx="2628900" cy="5811838"/>
+            <a:off x="7967673" y="609599"/>
+            <a:ext cx="1304743" cy="5251451"/>
           </a:xfrm>
         </p:spPr>
         <p:txBody>
-          <a:bodyPr vert="eaVert"/>
+          <a:bodyPr vert="eaVert" anchor="ctr"/>
           <a:lstStyle/>
           <a:p>
             <a:r>
               <a:rPr lang="en-US" smtClean="0"/>
               <a:t>Click to edit Master title style</a:t>
             </a:r>
-            <a:endParaRPr lang="en-GB"/>
+            <a:endParaRPr lang="en-US" dirty="0"/>
           </a:p>
         </p:txBody>
       </p:sp>
@@ -527,8 +2753,8 @@
         </p:nvSpPr>
         <p:spPr>
           <a:xfrm>
-            <a:off x="838200" y="365125"/>
-            <a:ext cx="7734300" cy="5811838"/>
+            <a:off x="677335" y="609600"/>
+            <a:ext cx="7060150" cy="5251450"/>
           </a:xfrm>
         </p:spPr>
         <p:txBody>
@@ -568,7 +2794,7 @@
               <a:rPr lang="en-US" smtClean="0"/>
               <a:t>Fifth level</a:t>
             </a:r>
-            <a:endParaRPr lang="en-GB"/>
+            <a:endParaRPr lang="en-US" dirty="0"/>
           </a:p>
         </p:txBody>
       </p:sp>
@@ -589,7 +2815,7 @@
           <a:p>
             <a:fld id="{D90DE563-696D-41CD-861B-DE0D58C3899E}" type="datetimeFigureOut">
               <a:rPr lang="en-GB" smtClean="0"/>
-              <a:t>03/04/2024</a:t>
+              <a:t>07/04/2024</a:t>
             </a:fld>
             <a:endParaRPr lang="en-GB"/>
           </a:p>
@@ -640,7 +2866,7 @@
     </p:spTree>
     <p:extLst>
       <p:ext uri="{BB962C8B-B14F-4D97-AF65-F5344CB8AC3E}">
-        <p14:creationId xmlns:p14="http://schemas.microsoft.com/office/powerpoint/2010/main" val="2744054184"/>
+        <p14:creationId xmlns:p14="http://schemas.microsoft.com/office/powerpoint/2010/main" val="2528993018"/>
       </p:ext>
     </p:extLst>
   </p:cSld>
@@ -686,7 +2912,7 @@
               <a:rPr lang="en-US" smtClean="0"/>
               <a:t>Click to edit Master title style</a:t>
             </a:r>
-            <a:endParaRPr lang="en-GB"/>
+            <a:endParaRPr lang="en-US" dirty="0"/>
           </a:p>
         </p:txBody>
       </p:sp>
@@ -738,7 +2964,7 @@
               <a:rPr lang="en-US" smtClean="0"/>
               <a:t>Fifth level</a:t>
             </a:r>
-            <a:endParaRPr lang="en-GB"/>
+            <a:endParaRPr lang="en-US" dirty="0"/>
           </a:p>
         </p:txBody>
       </p:sp>
@@ -759,7 +2985,7 @@
           <a:p>
             <a:fld id="{D90DE563-696D-41CD-861B-DE0D58C3899E}" type="datetimeFigureOut">
               <a:rPr lang="en-GB" smtClean="0"/>
-              <a:t>03/04/2024</a:t>
+              <a:t>07/04/2024</a:t>
             </a:fld>
             <a:endParaRPr lang="en-GB"/>
           </a:p>
@@ -810,7 +3036,7 @@
     </p:spTree>
     <p:extLst>
       <p:ext uri="{BB962C8B-B14F-4D97-AF65-F5344CB8AC3E}">
-        <p14:creationId xmlns:p14="http://schemas.microsoft.com/office/powerpoint/2010/main" val="3051119163"/>
+        <p14:creationId xmlns:p14="http://schemas.microsoft.com/office/powerpoint/2010/main" val="3197414306"/>
       </p:ext>
     </p:extLst>
   </p:cSld>
@@ -849,15 +3075,15 @@
         </p:nvSpPr>
         <p:spPr>
           <a:xfrm>
-            <a:off x="831850" y="1709738"/>
-            <a:ext cx="10515600" cy="2852737"/>
+            <a:off x="677335" y="2700867"/>
+            <a:ext cx="8596668" cy="1826581"/>
           </a:xfrm>
         </p:spPr>
         <p:txBody>
           <a:bodyPr anchor="b"/>
           <a:lstStyle>
-            <a:lvl1pPr>
-              <a:defRPr sz="6000"/>
+            <a:lvl1pPr algn="l">
+              <a:defRPr sz="4000" b="0" cap="none"/>
             </a:lvl1pPr>
           </a:lstStyle>
           <a:p>
@@ -865,7 +3091,7 @@
               <a:rPr lang="en-US" smtClean="0"/>
               <a:t>Click to edit Master title style</a:t>
             </a:r>
-            <a:endParaRPr lang="en-GB"/>
+            <a:endParaRPr lang="en-US" dirty="0"/>
           </a:p>
         </p:txBody>
       </p:sp>
@@ -881,102 +3107,103 @@
         </p:nvSpPr>
         <p:spPr>
           <a:xfrm>
-            <a:off x="831850" y="4589463"/>
-            <a:ext cx="10515600" cy="1500187"/>
+            <a:off x="677335" y="4527448"/>
+            <a:ext cx="8596668" cy="860400"/>
           </a:xfrm>
         </p:spPr>
         <p:txBody>
-          <a:bodyPr/>
+          <a:bodyPr anchor="t"/>
           <a:lstStyle>
-            <a:lvl1pPr marL="0" indent="0">
-              <a:buNone/>
-              <a:defRPr sz="2400">
+            <a:lvl1pPr marL="0" indent="0" algn="l">
+              <a:buNone/>
+              <a:defRPr sz="2000">
+                <a:solidFill>
+                  <a:schemeClr val="tx1">
+                    <a:lumMod val="50000"/>
+                    <a:lumOff val="50000"/>
+                  </a:schemeClr>
+                </a:solidFill>
+              </a:defRPr>
+            </a:lvl1pPr>
+            <a:lvl2pPr marL="457200" indent="0">
+              <a:buNone/>
+              <a:defRPr sz="1800">
                 <a:solidFill>
                   <a:schemeClr val="tx1">
                     <a:tint val="75000"/>
                   </a:schemeClr>
                 </a:solidFill>
               </a:defRPr>
-            </a:lvl1pPr>
-            <a:lvl2pPr marL="457200" indent="0">
-              <a:buNone/>
-              <a:defRPr sz="2000">
+            </a:lvl2pPr>
+            <a:lvl3pPr marL="914400" indent="0">
+              <a:buNone/>
+              <a:defRPr sz="1600">
                 <a:solidFill>
                   <a:schemeClr val="tx1">
                     <a:tint val="75000"/>
                   </a:schemeClr>
                 </a:solidFill>
               </a:defRPr>
-            </a:lvl2pPr>
-            <a:lvl3pPr marL="914400" indent="0">
-              <a:buNone/>
-              <a:defRPr sz="1800">
+            </a:lvl3pPr>
+            <a:lvl4pPr marL="1371600" indent="0">
+              <a:buNone/>
+              <a:defRPr sz="1400">
                 <a:solidFill>
                   <a:schemeClr val="tx1">
                     <a:tint val="75000"/>
                   </a:schemeClr>
                 </a:solidFill>
               </a:defRPr>
-            </a:lvl3pPr>
-            <a:lvl4pPr marL="1371600" indent="0">
-              <a:buNone/>
-              <a:defRPr sz="1600">
+            </a:lvl4pPr>
+            <a:lvl5pPr marL="1828800" indent="0">
+              <a:buNone/>
+              <a:defRPr sz="1400">
                 <a:solidFill>
                   <a:schemeClr val="tx1">
                     <a:tint val="75000"/>
                   </a:schemeClr>
                 </a:solidFill>
               </a:defRPr>
-            </a:lvl4pPr>
-            <a:lvl5pPr marL="1828800" indent="0">
-              <a:buNone/>
-              <a:defRPr sz="1600">
+            </a:lvl5pPr>
+            <a:lvl6pPr marL="2286000" indent="0">
+              <a:buNone/>
+              <a:defRPr sz="1400">
                 <a:solidFill>
                   <a:schemeClr val="tx1">
                     <a:tint val="75000"/>
                   </a:schemeClr>
                 </a:solidFill>
               </a:defRPr>
-            </a:lvl5pPr>
-            <a:lvl6pPr marL="2286000" indent="0">
-              <a:buNone/>
-              <a:defRPr sz="1600">
+            </a:lvl6pPr>
+            <a:lvl7pPr marL="2743200" indent="0">
+              <a:buNone/>
+              <a:defRPr sz="1400">
                 <a:solidFill>
                   <a:schemeClr val="tx1">
                     <a:tint val="75000"/>
                   </a:schemeClr>
                 </a:solidFill>
               </a:defRPr>
-            </a:lvl6pPr>
-            <a:lvl7pPr marL="2743200" indent="0">
-              <a:buNone/>
-              <a:defRPr sz="1600">
+            </a:lvl7pPr>
+            <a:lvl8pPr marL="3200400" indent="0">
+              <a:buNone/>
+              <a:defRPr sz="1400">
                 <a:solidFill>
                   <a:schemeClr val="tx1">
                     <a:tint val="75000"/>
                   </a:schemeClr>
                 </a:solidFill>
               </a:defRPr>
-            </a:lvl7pPr>
-            <a:lvl8pPr marL="3200400" indent="0">
-              <a:buNone/>
-              <a:defRPr sz="1600">
+            </a:lvl8pPr>
+            <a:lvl9pPr marL="3657600" indent="0">
+              <a:buNone/>
+              <a:defRPr sz="1400">
                 <a:solidFill>
                   <a:schemeClr val="tx1">
                     <a:tint val="75000"/>
                   </a:schemeClr>
                 </a:solidFill>
               </a:defRPr>
-            </a:lvl8pPr>
-            <a:lvl9pPr marL="3657600" indent="0">
-              <a:buNone/>
-              <a:defRPr sz="1600">
-                <a:solidFill>
-                  <a:schemeClr val="tx1">
-                    <a:tint val="75000"/>
-                  </a:schemeClr>
-                </a:solidFill>
-              </a:defRPr>
             </a:lvl9pPr>
           </a:lstStyle>
           <a:p>
@@ -1005,7 +3232,7 @@
           <a:p>
             <a:fld id="{D90DE563-696D-41CD-861B-DE0D58C3899E}" type="datetimeFigureOut">
               <a:rPr lang="en-GB" smtClean="0"/>
-              <a:t>03/04/2024</a:t>
+              <a:t>07/04/2024</a:t>
             </a:fld>
             <a:endParaRPr lang="en-GB"/>
           </a:p>
@@ -1056,7 +3283,7 @@
     </p:spTree>
     <p:extLst>
       <p:ext uri="{BB962C8B-B14F-4D97-AF65-F5344CB8AC3E}">
-        <p14:creationId xmlns:p14="http://schemas.microsoft.com/office/powerpoint/2010/main" val="3680031234"/>
+        <p14:creationId xmlns:p14="http://schemas.microsoft.com/office/powerpoint/2010/main" val="4166660945"/>
       </p:ext>
     </p:extLst>
   </p:cSld>
@@ -1102,7 +3329,7 @@
               <a:rPr lang="en-US" smtClean="0"/>
               <a:t>Click to edit Master title style</a:t>
             </a:r>
-            <a:endParaRPr lang="en-GB"/>
+            <a:endParaRPr lang="en-US" dirty="0"/>
           </a:p>
         </p:txBody>
       </p:sp>
@@ -1118,8 +3345,8 @@
         </p:nvSpPr>
         <p:spPr>
           <a:xfrm>
-            <a:off x="838200" y="1825625"/>
-            <a:ext cx="5181600" cy="4351338"/>
+            <a:off x="677334" y="2160589"/>
+            <a:ext cx="4184035" cy="3880772"/>
           </a:xfrm>
         </p:spPr>
         <p:txBody>
@@ -1159,7 +3386,7 @@
               <a:rPr lang="en-US" smtClean="0"/>
               <a:t>Fifth level</a:t>
             </a:r>
-            <a:endParaRPr lang="en-GB"/>
+            <a:endParaRPr lang="en-US" dirty="0"/>
           </a:p>
         </p:txBody>
       </p:sp>
@@ -1175,8 +3402,8 @@
         </p:nvSpPr>
         <p:spPr>
           <a:xfrm>
-            <a:off x="6172200" y="1825625"/>
-            <a:ext cx="5181600" cy="4351338"/>
+            <a:off x="5089970" y="2160589"/>
+            <a:ext cx="4184034" cy="3880773"/>
           </a:xfrm>
         </p:spPr>
         <p:txBody>
@@ -1216,7 +3443,7 @@
               <a:rPr lang="en-US" smtClean="0"/>
               <a:t>Fifth level</a:t>
             </a:r>
-            <a:endParaRPr lang="en-GB"/>
+            <a:endParaRPr lang="en-US" dirty="0"/>
           </a:p>
         </p:txBody>
       </p:sp>
@@ -1237,7 +3464,7 @@
           <a:p>
             <a:fld id="{D90DE563-696D-41CD-861B-DE0D58C3899E}" type="datetimeFigureOut">
               <a:rPr lang="en-GB" smtClean="0"/>
-              <a:t>03/04/2024</a:t>
+              <a:t>07/04/2024</a:t>
             </a:fld>
             <a:endParaRPr lang="en-GB"/>
           </a:p>
@@ -1288,7 +3515,7 @@
     </p:spTree>
     <p:extLst>
       <p:ext uri="{BB962C8B-B14F-4D97-AF65-F5344CB8AC3E}">
-        <p14:creationId xmlns:p14="http://schemas.microsoft.com/office/powerpoint/2010/main" val="3944657667"/>
+        <p14:creationId xmlns:p14="http://schemas.microsoft.com/office/powerpoint/2010/main" val="2318537011"/>
       </p:ext>
     </p:extLst>
   </p:cSld>
@@ -1325,46 +3552,47 @@
             <p:ph type="title"/>
           </p:nvPr>
         </p:nvSpPr>
+        <p:spPr/>
+        <p:txBody>
+          <a:bodyPr/>
+          <a:lstStyle>
+            <a:lvl1pPr>
+              <a:defRPr/>
+            </a:lvl1pPr>
+          </a:lstStyle>
+          <a:p>
+            <a:r>
+              <a:rPr lang="en-US" smtClean="0"/>
+              <a:t>Click to edit Master title style</a:t>
+            </a:r>
+            <a:endParaRPr lang="en-US" dirty="0"/>
+          </a:p>
+        </p:txBody>
+      </p:sp>
+      <p:sp>
+        <p:nvSpPr>
+          <p:cNvPr id="3" name="Text Placeholder 2"/>
+          <p:cNvSpPr>
+            <a:spLocks noGrp="1"/>
+          </p:cNvSpPr>
+          <p:nvPr>
+            <p:ph type="body" idx="1"/>
+          </p:nvPr>
+        </p:nvSpPr>
         <p:spPr>
           <a:xfrm>
-            <a:off x="839788" y="365125"/>
-            <a:ext cx="10515600" cy="1325563"/>
+            <a:off x="675745" y="2160983"/>
+            <a:ext cx="4185623" cy="576262"/>
           </a:xfrm>
         </p:spPr>
         <p:txBody>
-          <a:bodyPr/>
-          <a:lstStyle/>
-          <a:p>
-            <a:r>
-              <a:rPr lang="en-US" smtClean="0"/>
-              <a:t>Click to edit Master title style</a:t>
-            </a:r>
-            <a:endParaRPr lang="en-GB"/>
-          </a:p>
-        </p:txBody>
-      </p:sp>
-      <p:sp>
-        <p:nvSpPr>
-          <p:cNvPr id="3" name="Text Placeholder 2"/>
-          <p:cNvSpPr>
-            <a:spLocks noGrp="1"/>
-          </p:cNvSpPr>
-          <p:nvPr>
-            <p:ph type="body" idx="1"/>
-          </p:nvPr>
-        </p:nvSpPr>
-        <p:spPr>
-          <a:xfrm>
-            <a:off x="839788" y="1681163"/>
-            <a:ext cx="5157787" cy="823912"/>
-          </a:xfrm>
-        </p:spPr>
-        <p:txBody>
-          <a:bodyPr anchor="b"/>
+          <a:bodyPr anchor="b">
+            <a:noAutofit/>
+          </a:bodyPr>
           <a:lstStyle>
             <a:lvl1pPr marL="0" indent="0">
               <a:buNone/>
-              <a:defRPr sz="2400" b="1"/>
+              <a:defRPr sz="2400" b="0"/>
             </a:lvl1pPr>
             <a:lvl2pPr marL="457200" indent="0">
               <a:buNone/>
@@ -1420,12 +3648,14 @@
         </p:nvSpPr>
         <p:spPr>
           <a:xfrm>
-            <a:off x="839788" y="2505075"/>
-            <a:ext cx="5157787" cy="3684588"/>
+            <a:off x="675745" y="2737245"/>
+            <a:ext cx="4185623" cy="3304117"/>
           </a:xfrm>
         </p:spPr>
         <p:txBody>
-          <a:bodyPr/>
+          <a:bodyPr>
+            <a:normAutofit/>
+          </a:bodyPr>
           <a:lstStyle/>
           <a:p>
             <a:pPr lvl="0"/>
@@ -1461,7 +3691,7 @@
               <a:rPr lang="en-US" smtClean="0"/>
               <a:t>Fifth level</a:t>
             </a:r>
-            <a:endParaRPr lang="en-GB"/>
+            <a:endParaRPr lang="en-US" dirty="0"/>
           </a:p>
         </p:txBody>
       </p:sp>
@@ -1477,16 +3707,18 @@
         </p:nvSpPr>
         <p:spPr>
           <a:xfrm>
-            <a:off x="6172200" y="1681163"/>
-            <a:ext cx="5183188" cy="823912"/>
+            <a:off x="5088383" y="2160983"/>
+            <a:ext cx="4185618" cy="576262"/>
           </a:xfrm>
         </p:spPr>
         <p:txBody>
-          <a:bodyPr anchor="b"/>
+          <a:bodyPr anchor="b">
+            <a:noAutofit/>
+          </a:bodyPr>
           <a:lstStyle>
             <a:lvl1pPr marL="0" indent="0">
               <a:buNone/>
-              <a:defRPr sz="2400" b="1"/>
+              <a:defRPr sz="2400" b="0"/>
             </a:lvl1pPr>
             <a:lvl2pPr marL="457200" indent="0">
               <a:buNone/>
@@ -1542,12 +3774,14 @@
         </p:nvSpPr>
         <p:spPr>
           <a:xfrm>
-            <a:off x="6172200" y="2505075"/>
-            <a:ext cx="5183188" cy="3684588"/>
+            <a:off x="5088384" y="2737245"/>
+            <a:ext cx="4185617" cy="3304117"/>
           </a:xfrm>
         </p:spPr>
         <p:txBody>
-          <a:bodyPr/>
+          <a:bodyPr>
+            <a:normAutofit/>
+          </a:bodyPr>
           <a:lstStyle/>
           <a:p>
             <a:pPr lvl="0"/>
@@ -1583,7 +3817,7 @@
               <a:rPr lang="en-US" smtClean="0"/>
               <a:t>Fifth level</a:t>
             </a:r>
-            <a:endParaRPr lang="en-GB"/>
+            <a:endParaRPr lang="en-US" dirty="0"/>
           </a:p>
         </p:txBody>
       </p:sp>
@@ -1604,7 +3838,7 @@
           <a:p>
             <a:fld id="{D90DE563-696D-41CD-861B-DE0D58C3899E}" type="datetimeFigureOut">
               <a:rPr lang="en-GB" smtClean="0"/>
-              <a:t>03/04/2024</a:t>
+              <a:t>07/04/2024</a:t>
             </a:fld>
             <a:endParaRPr lang="en-GB"/>
           </a:p>
@@ -1655,7 +3889,7 @@
     </p:spTree>
     <p:extLst>
       <p:ext uri="{BB962C8B-B14F-4D97-AF65-F5344CB8AC3E}">
-        <p14:creationId xmlns:p14="http://schemas.microsoft.com/office/powerpoint/2010/main" val="1299516856"/>
+        <p14:creationId xmlns:p14="http://schemas.microsoft.com/office/powerpoint/2010/main" val="2610015010"/>
       </p:ext>
     </p:extLst>
   </p:cSld>
@@ -1692,7 +3926,12 @@
             <p:ph type="title"/>
           </p:nvPr>
         </p:nvSpPr>
-        <p:spPr/>
+        <p:spPr>
+          <a:xfrm>
+            <a:off x="677334" y="609600"/>
+            <a:ext cx="8596668" cy="1320800"/>
+          </a:xfrm>
+        </p:spPr>
         <p:txBody>
           <a:bodyPr/>
           <a:lstStyle/>
@@ -1701,7 +3940,7 @@
               <a:rPr lang="en-US" smtClean="0"/>
               <a:t>Click to edit Master title style</a:t>
             </a:r>
-            <a:endParaRPr lang="en-GB"/>
+            <a:endParaRPr lang="en-US" dirty="0"/>
           </a:p>
         </p:txBody>
       </p:sp>
@@ -1722,7 +3961,7 @@
           <a:p>
             <a:fld id="{D90DE563-696D-41CD-861B-DE0D58C3899E}" type="datetimeFigureOut">
               <a:rPr lang="en-GB" smtClean="0"/>
-              <a:t>03/04/2024</a:t>
+              <a:t>07/04/2024</a:t>
             </a:fld>
             <a:endParaRPr lang="en-GB"/>
           </a:p>
@@ -1773,7 +4012,7 @@
     </p:spTree>
     <p:extLst>
       <p:ext uri="{BB962C8B-B14F-4D97-AF65-F5344CB8AC3E}">
-        <p14:creationId xmlns:p14="http://schemas.microsoft.com/office/powerpoint/2010/main" val="489355725"/>
+        <p14:creationId xmlns:p14="http://schemas.microsoft.com/office/powerpoint/2010/main" val="3482672955"/>
       </p:ext>
     </p:extLst>
   </p:cSld>
@@ -1817,7 +4056,7 @@
           <a:p>
             <a:fld id="{D90DE563-696D-41CD-861B-DE0D58C3899E}" type="datetimeFigureOut">
               <a:rPr lang="en-GB" smtClean="0"/>
-              <a:t>03/04/2024</a:t>
+              <a:t>07/04/2024</a:t>
             </a:fld>
             <a:endParaRPr lang="en-GB"/>
           </a:p>
@@ -1868,7 +4107,7 @@
     </p:spTree>
     <p:extLst>
       <p:ext uri="{BB962C8B-B14F-4D97-AF65-F5344CB8AC3E}">
-        <p14:creationId xmlns:p14="http://schemas.microsoft.com/office/powerpoint/2010/main" val="2613812860"/>
+        <p14:creationId xmlns:p14="http://schemas.microsoft.com/office/powerpoint/2010/main" val="381886599"/>
       </p:ext>
     </p:extLst>
   </p:cSld>
@@ -1907,15 +4146,17 @@
         </p:nvSpPr>
         <p:spPr>
           <a:xfrm>
-            <a:off x="839788" y="457200"/>
-            <a:ext cx="3932237" cy="1600200"/>
+            <a:off x="677334" y="1498604"/>
+            <a:ext cx="3854528" cy="1278466"/>
           </a:xfrm>
         </p:spPr>
         <p:txBody>
-          <a:bodyPr anchor="b"/>
+          <a:bodyPr anchor="b">
+            <a:normAutofit/>
+          </a:bodyPr>
           <a:lstStyle>
             <a:lvl1pPr>
-              <a:defRPr sz="3200"/>
+              <a:defRPr sz="2000"/>
             </a:lvl1pPr>
           </a:lstStyle>
           <a:p>
@@ -1923,7 +4164,7 @@
               <a:rPr lang="en-US" smtClean="0"/>
               <a:t>Click to edit Master title style</a:t>
             </a:r>
-            <a:endParaRPr lang="en-GB"/>
+            <a:endParaRPr lang="en-US" dirty="0"/>
           </a:p>
         </p:txBody>
       </p:sp>
@@ -1939,41 +4180,15 @@
         </p:nvSpPr>
         <p:spPr>
           <a:xfrm>
-            <a:off x="5183188" y="987425"/>
-            <a:ext cx="6172200" cy="4873625"/>
+            <a:off x="4760461" y="514924"/>
+            <a:ext cx="4513541" cy="5526437"/>
           </a:xfrm>
         </p:spPr>
         <p:txBody>
-          <a:bodyPr/>
-          <a:lstStyle>
-            <a:lvl1pPr>
-              <a:defRPr sz="3200"/>
-            </a:lvl1pPr>
-            <a:lvl2pPr>
-              <a:defRPr sz="2800"/>
-            </a:lvl2pPr>
-            <a:lvl3pPr>
-              <a:defRPr sz="2400"/>
-            </a:lvl3pPr>
-            <a:lvl4pPr>
-              <a:defRPr sz="2000"/>
-            </a:lvl4pPr>
-            <a:lvl5pPr>
-              <a:defRPr sz="2000"/>
-            </a:lvl5pPr>
-            <a:lvl6pPr>
-              <a:defRPr sz="2000"/>
-            </a:lvl6pPr>
-            <a:lvl7pPr>
-              <a:defRPr sz="2000"/>
-            </a:lvl7pPr>
-            <a:lvl8pPr>
-              <a:defRPr sz="2000"/>
-            </a:lvl8pPr>
-            <a:lvl9pPr>
-              <a:defRPr sz="2000"/>
-            </a:lvl9pPr>
-          </a:lstStyle>
+          <a:bodyPr>
+            <a:normAutofit/>
+          </a:bodyPr>
+          <a:lstStyle/>
           <a:p>
             <a:pPr lvl="0"/>
             <a:r>
@@ -2008,7 +4223,7 @@
               <a:rPr lang="en-US" smtClean="0"/>
               <a:t>Fifth level</a:t>
             </a:r>
-            <a:endParaRPr lang="en-GB"/>
+            <a:endParaRPr lang="en-US" dirty="0"/>
           </a:p>
         </p:txBody>
       </p:sp>
@@ -2024,46 +4239,48 @@
         </p:nvSpPr>
         <p:spPr>
           <a:xfrm>
-            <a:off x="839788" y="2057400"/>
-            <a:ext cx="3932237" cy="3811588"/>
+            <a:off x="677334" y="2777069"/>
+            <a:ext cx="3854528" cy="2584449"/>
           </a:xfrm>
         </p:spPr>
         <p:txBody>
-          <a:bodyPr/>
+          <a:bodyPr>
+            <a:normAutofit/>
+          </a:bodyPr>
           <a:lstStyle>
             <a:lvl1pPr marL="0" indent="0">
               <a:buNone/>
-              <a:defRPr sz="1600"/>
+              <a:defRPr sz="1400"/>
             </a:lvl1pPr>
-            <a:lvl2pPr marL="457200" indent="0">
+            <a:lvl2pPr marL="457063" indent="0">
               <a:buNone/>
               <a:defRPr sz="1400"/>
             </a:lvl2pPr>
-            <a:lvl3pPr marL="914400" indent="0">
+            <a:lvl3pPr marL="914126" indent="0">
               <a:buNone/>
               <a:defRPr sz="1200"/>
             </a:lvl3pPr>
-            <a:lvl4pPr marL="1371600" indent="0">
+            <a:lvl4pPr marL="1371189" indent="0">
               <a:buNone/>
               <a:defRPr sz="1000"/>
             </a:lvl4pPr>
-            <a:lvl5pPr marL="1828800" indent="0">
+            <a:lvl5pPr marL="1828251" indent="0">
               <a:buNone/>
               <a:defRPr sz="1000"/>
             </a:lvl5pPr>
-            <a:lvl6pPr marL="2286000" indent="0">
+            <a:lvl6pPr marL="2285314" indent="0">
               <a:buNone/>
               <a:defRPr sz="1000"/>
             </a:lvl6pPr>
-            <a:lvl7pPr marL="2743200" indent="0">
+            <a:lvl7pPr marL="2742377" indent="0">
               <a:buNone/>
               <a:defRPr sz="1000"/>
             </a:lvl7pPr>
-            <a:lvl8pPr marL="3200400" indent="0">
+            <a:lvl8pPr marL="3199440" indent="0">
               <a:buNone/>
               <a:defRPr sz="1000"/>
             </a:lvl8pPr>
-            <a:lvl9pPr marL="3657600" indent="0">
+            <a:lvl9pPr marL="3656503" indent="0">
               <a:buNone/>
               <a:defRPr sz="1000"/>
             </a:lvl9pPr>
@@ -2094,7 +4311,7 @@
           <a:p>
             <a:fld id="{D90DE563-696D-41CD-861B-DE0D58C3899E}" type="datetimeFigureOut">
               <a:rPr lang="en-GB" smtClean="0"/>
-              <a:t>03/04/2024</a:t>
+              <a:t>07/04/2024</a:t>
             </a:fld>
             <a:endParaRPr lang="en-GB"/>
           </a:p>
@@ -2145,7 +4362,7 @@
     </p:spTree>
     <p:extLst>
       <p:ext uri="{BB962C8B-B14F-4D97-AF65-F5344CB8AC3E}">
-        <p14:creationId xmlns:p14="http://schemas.microsoft.com/office/powerpoint/2010/main" val="3950327418"/>
+        <p14:creationId xmlns:p14="http://schemas.microsoft.com/office/powerpoint/2010/main" val="3683538814"/>
       </p:ext>
     </p:extLst>
   </p:cSld>
@@ -2184,15 +4401,17 @@
         </p:nvSpPr>
         <p:spPr>
           <a:xfrm>
-            <a:off x="839788" y="457200"/>
-            <a:ext cx="3932237" cy="1600200"/>
+            <a:off x="677334" y="4800600"/>
+            <a:ext cx="8596667" cy="566738"/>
           </a:xfrm>
         </p:spPr>
         <p:txBody>
-          <a:bodyPr anchor="b"/>
+          <a:bodyPr anchor="b">
+            <a:normAutofit/>
+          </a:bodyPr>
           <a:lstStyle>
-            <a:lvl1pPr>
-              <a:defRPr sz="3200"/>
+            <a:lvl1pPr algn="l">
+              <a:defRPr sz="2400" b="0"/>
             </a:lvl1pPr>
           </a:lstStyle>
           <a:p>
@@ -2200,7 +4419,7 @@
               <a:rPr lang="en-US" smtClean="0"/>
               <a:t>Click to edit Master title style</a:t>
             </a:r>
-            <a:endParaRPr lang="en-GB"/>
+            <a:endParaRPr lang="en-US" dirty="0"/>
           </a:p>
         </p:txBody>
       </p:sp>
@@ -2208,7 +4427,7 @@
         <p:nvSpPr>
           <p:cNvPr id="3" name="Picture Placeholder 2"/>
           <p:cNvSpPr>
-            <a:spLocks noGrp="1"/>
+            <a:spLocks noGrp="1" noChangeAspect="1"/>
           </p:cNvSpPr>
           <p:nvPr>
             <p:ph type="pic" idx="1"/>
@@ -2216,140 +4435,125 @@
         </p:nvSpPr>
         <p:spPr>
           <a:xfrm>
-            <a:off x="5183188" y="987425"/>
-            <a:ext cx="6172200" cy="4873625"/>
+            <a:off x="677334" y="609600"/>
+            <a:ext cx="8596668" cy="3845718"/>
           </a:xfrm>
         </p:spPr>
         <p:txBody>
-          <a:bodyPr/>
+          <a:bodyPr anchor="t">
+            <a:normAutofit/>
+          </a:bodyPr>
           <a:lstStyle>
-            <a:lvl1pPr marL="0" indent="0">
-              <a:buNone/>
-              <a:defRPr sz="3200"/>
-            </a:lvl1pPr>
-            <a:lvl2pPr marL="457200" indent="0">
-              <a:buNone/>
-              <a:defRPr sz="2800"/>
-            </a:lvl2pPr>
-            <a:lvl3pPr marL="914400" indent="0">
-              <a:buNone/>
-              <a:defRPr sz="2400"/>
-            </a:lvl3pPr>
-            <a:lvl4pPr marL="1371600" indent="0">
-              <a:buNone/>
-              <a:defRPr sz="2000"/>
-            </a:lvl4pPr>
-            <a:lvl5pPr marL="1828800" indent="0">
-              <a:buNone/>
-              <a:defRPr sz="2000"/>
-            </a:lvl5pPr>
-            <a:lvl6pPr marL="2286000" indent="0">
-              <a:buNone/>
-              <a:defRPr sz="2000"/>
-            </a:lvl6pPr>
-            <a:lvl7pPr marL="2743200" indent="0">
-              <a:buNone/>
-              <a:defRPr sz="2000"/>
-            </a:lvl7pPr>
-            <a:lvl8pPr marL="3200400" indent="0">
-              <a:buNone/>
-              <a:defRPr sz="2000"/>
-            </a:lvl8pPr>
-            <a:lvl9pPr marL="3657600" indent="0">
-              <a:buNone/>
-              <a:defRPr sz="2000"/>
-            </a:lvl9pPr>
-          </a:lstStyle>
-          <a:p>
-            <a:endParaRPr lang="en-GB"/>
-          </a:p>
-        </p:txBody>
-      </p:sp>
-      <p:sp>
-        <p:nvSpPr>
-          <p:cNvPr id="4" name="Text Placeholder 3"/>
-          <p:cNvSpPr>
-            <a:spLocks noGrp="1"/>
-          </p:cNvSpPr>
-          <p:nvPr>
-            <p:ph type="body" sz="half" idx="2"/>
-          </p:nvPr>
-        </p:nvSpPr>
-        <p:spPr>
-          <a:xfrm>
-            <a:off x="839788" y="2057400"/>
-            <a:ext cx="3932237" cy="3811588"/>
-          </a:xfrm>
-        </p:spPr>
-        <p:txBody>
-          <a:bodyPr/>
-          <a:lstStyle>
-            <a:lvl1pPr marL="0" indent="0">
+            <a:lvl1pPr marL="0" indent="0" algn="ctr">
               <a:buNone/>
               <a:defRPr sz="1600"/>
             </a:lvl1pPr>
             <a:lvl2pPr marL="457200" indent="0">
               <a:buNone/>
-              <a:defRPr sz="1400"/>
+              <a:defRPr sz="1600"/>
             </a:lvl2pPr>
             <a:lvl3pPr marL="914400" indent="0">
               <a:buNone/>
-              <a:defRPr sz="1200"/>
+              <a:defRPr sz="1600"/>
             </a:lvl3pPr>
             <a:lvl4pPr marL="1371600" indent="0">
               <a:buNone/>
-              <a:defRPr sz="1000"/>
+              <a:defRPr sz="1600"/>
             </a:lvl4pPr>
             <a:lvl5pPr marL="1828800" indent="0">
               <a:buNone/>
-              <a:defRPr sz="1000"/>
+              <a:defRPr sz="1600"/>
             </a:lvl5pPr>
             <a:lvl6pPr marL="2286000" indent="0">
               <a:buNone/>
-              <a:defRPr sz="1000"/>
+              <a:defRPr sz="1600"/>
             </a:lvl6pPr>
             <a:lvl7pPr marL="2743200" indent="0">
               <a:buNone/>
-              <a:defRPr sz="1000"/>
+              <a:defRPr sz="1600"/>
             </a:lvl7pPr>
             <a:lvl8pPr marL="3200400" indent="0">
               <a:buNone/>
-              <a:defRPr sz="1000"/>
+              <a:defRPr sz="1600"/>
             </a:lvl8pPr>
             <a:lvl9pPr marL="3657600" indent="0">
               <a:buNone/>
-              <a:defRPr sz="1000"/>
+              <a:defRPr sz="1600"/>
             </a:lvl9pPr>
           </a:lstStyle>
           <a:p>
+            <a:r>
+              <a:rPr lang="en-US" smtClean="0"/>
+              <a:t>Click icon to add picture</a:t>
+            </a:r>
+            <a:endParaRPr lang="en-US" dirty="0"/>
+          </a:p>
+        </p:txBody>
+      </p:sp>
+      <p:sp>
+        <p:nvSpPr>
+          <p:cNvPr id="4" name="Text Placeholder 3"/>
+          <p:cNvSpPr>
+            <a:spLocks noGrp="1"/>
+          </p:cNvSpPr>
+          <p:nvPr>
+            <p:ph type="body" sz="half" idx="2"/>
+          </p:nvPr>
+        </p:nvSpPr>
+        <p:spPr>
+          <a:xfrm>
+            <a:off x="677334" y="5367338"/>
+            <a:ext cx="8596667" cy="674024"/>
+          </a:xfrm>
+        </p:spPr>
+        <p:txBody>
+          <a:bodyPr>
+            <a:normAutofit/>
+          </a:bodyPr>
+          <a:lstStyle>
+            <a:lvl1pPr marL="0" indent="0">
+              <a:buNone/>
+              <a:defRPr sz="1200"/>
+            </a:lvl1pPr>
+            <a:lvl2pPr marL="457200" indent="0">
+              <a:buNone/>
+              <a:defRPr sz="1200"/>
+            </a:lvl2pPr>
+            <a:lvl3pPr marL="914400" indent="0">
+              <a:buNone/>
+              <a:defRPr sz="1000"/>
+            </a:lvl3pPr>
+            <a:lvl4pPr marL="1371600" indent="0">
+              <a:buNone/>
+              <a:defRPr sz="900"/>
+            </a:lvl4pPr>
+            <a:lvl5pPr marL="1828800" indent="0">
+              <a:buNone/>
+              <a:defRPr sz="900"/>
+            </a:lvl5pPr>
+            <a:lvl6pPr marL="2286000" indent="0">
+              <a:buNone/>
+              <a:defRPr sz="900"/>
+            </a:lvl6pPr>
+            <a:lvl7pPr marL="2743200" indent="0">
+              <a:buNone/>
+              <a:defRPr sz="900"/>
+            </a:lvl7pPr>
+            <a:lvl8pPr marL="3200400" indent="0">
+              <a:buNone/>
+              <a:defRPr sz="900"/>
+            </a:lvl8pPr>
+            <a:lvl9pPr marL="3657600" indent="0">
+              <a:buNone/>
+              <a:defRPr sz="900"/>
+            </a:lvl9pPr>
+          </a:lstStyle>
+          <a:p>
             <a:pPr lvl="0"/>
             <a:r>
               <a:rPr lang="en-US" smtClean="0"/>
               <a:t>Edit Master text styles</a:t>
             </a:r>
-          </a:p>
-        </p:txBody>
-      </p:sp>
-      <p:sp>
-        <p:nvSpPr>
-          <p:cNvPr id="5" name="Date Placeholder 4"/>
-          <p:cNvSpPr>
-            <a:spLocks noGrp="1"/>
-          </p:cNvSpPr>
-          <p:nvPr>
-            <p:ph type="dt" sz="half" idx="10"/>
-          </p:nvPr>
-        </p:nvSpPr>
-        <p:spPr/>
-        <p:txBody>
-          <a:bodyPr/>
-          <a:lstStyle/>
-          <a:p>
-            <a:fld id="{D90DE563-696D-41CD-861B-DE0D58C3899E}" type="datetimeFigureOut">
-              <a:rPr lang="en-GB" smtClean="0"/>
-              <a:t>03/04/2024</a:t>
-            </a:fld>
-            <a:endParaRPr lang="en-GB"/>
           </a:p>
         </p:txBody>
       </p:sp>
@@ -2395,10 +4599,33 @@
           </a:p>
         </p:txBody>
       </p:sp>
+      <p:sp>
+        <p:nvSpPr>
+          <p:cNvPr id="5" name="Date Placeholder 4"/>
+          <p:cNvSpPr>
+            <a:spLocks noGrp="1"/>
+          </p:cNvSpPr>
+          <p:nvPr>
+            <p:ph type="dt" sz="half" idx="10"/>
+          </p:nvPr>
+        </p:nvSpPr>
+        <p:spPr/>
+        <p:txBody>
+          <a:bodyPr/>
+          <a:lstStyle/>
+          <a:p>
+            <a:fld id="{D90DE563-696D-41CD-861B-DE0D58C3899E}" type="datetimeFigureOut">
+              <a:rPr lang="en-GB" smtClean="0"/>
+              <a:t>07/04/2024</a:t>
+            </a:fld>
+            <a:endParaRPr lang="en-GB"/>
+          </a:p>
+        </p:txBody>
+      </p:sp>
     </p:spTree>
     <p:extLst>
       <p:ext uri="{BB962C8B-B14F-4D97-AF65-F5344CB8AC3E}">
-        <p14:creationId xmlns:p14="http://schemas.microsoft.com/office/powerpoint/2010/main" val="1088632293"/>
+        <p14:creationId xmlns:p14="http://schemas.microsoft.com/office/powerpoint/2010/main" val="2860227957"/>
       </p:ext>
     </p:extLst>
   </p:cSld>
@@ -2430,6 +4657,537 @@
           <a:chExt cx="0" cy="0"/>
         </a:xfrm>
       </p:grpSpPr>
+      <p:grpSp>
+        <p:nvGrpSpPr>
+          <p:cNvPr id="44" name="Group 43"/>
+          <p:cNvGrpSpPr/>
+          <p:nvPr/>
+        </p:nvGrpSpPr>
+        <p:grpSpPr>
+          <a:xfrm>
+            <a:off x="0" y="-8467"/>
+            <a:ext cx="12192000" cy="6866467"/>
+            <a:chOff x="0" y="-8467"/>
+            <a:chExt cx="12192000" cy="6866467"/>
+          </a:xfrm>
+        </p:grpSpPr>
+        <p:cxnSp>
+          <p:nvCxnSpPr>
+            <p:cNvPr id="20" name="Straight Connector 19"/>
+            <p:cNvCxnSpPr/>
+            <p:nvPr/>
+          </p:nvCxnSpPr>
+          <p:spPr>
+            <a:xfrm>
+              <a:off x="9371012" y="0"/>
+              <a:ext cx="1219200" cy="6858000"/>
+            </a:xfrm>
+            <a:prstGeom prst="line">
+              <a:avLst/>
+            </a:prstGeom>
+            <a:ln w="9525">
+              <a:solidFill>
+                <a:schemeClr val="accent1">
+                  <a:alpha val="70000"/>
+                </a:schemeClr>
+              </a:solidFill>
+            </a:ln>
+          </p:spPr>
+          <p:style>
+            <a:lnRef idx="2">
+              <a:schemeClr val="accent1"/>
+            </a:lnRef>
+            <a:fillRef idx="0">
+              <a:schemeClr val="accent1"/>
+            </a:fillRef>
+            <a:effectRef idx="1">
+              <a:schemeClr val="accent1"/>
+            </a:effectRef>
+            <a:fontRef idx="minor">
+              <a:schemeClr val="tx1"/>
+            </a:fontRef>
+          </p:style>
+        </p:cxnSp>
+        <p:cxnSp>
+          <p:nvCxnSpPr>
+            <p:cNvPr id="21" name="Straight Connector 20"/>
+            <p:cNvCxnSpPr/>
+            <p:nvPr/>
+          </p:nvCxnSpPr>
+          <p:spPr>
+            <a:xfrm flipH="1">
+              <a:off x="7425267" y="3681413"/>
+              <a:ext cx="4763558" cy="3176587"/>
+            </a:xfrm>
+            <a:prstGeom prst="line">
+              <a:avLst/>
+            </a:prstGeom>
+            <a:ln w="9525">
+              <a:solidFill>
+                <a:schemeClr val="accent1">
+                  <a:alpha val="70000"/>
+                </a:schemeClr>
+              </a:solidFill>
+            </a:ln>
+          </p:spPr>
+          <p:style>
+            <a:lnRef idx="2">
+              <a:schemeClr val="accent1"/>
+            </a:lnRef>
+            <a:fillRef idx="0">
+              <a:schemeClr val="accent1"/>
+            </a:fillRef>
+            <a:effectRef idx="1">
+              <a:schemeClr val="accent1"/>
+            </a:effectRef>
+            <a:fontRef idx="minor">
+              <a:schemeClr val="tx1"/>
+            </a:fontRef>
+          </p:style>
+        </p:cxnSp>
+        <p:sp>
+          <p:nvSpPr>
+            <p:cNvPr id="22" name="Rectangle 23"/>
+            <p:cNvSpPr/>
+            <p:nvPr/>
+          </p:nvSpPr>
+          <p:spPr>
+            <a:xfrm>
+              <a:off x="9181476" y="-8467"/>
+              <a:ext cx="3007349" cy="6866467"/>
+            </a:xfrm>
+            <a:custGeom>
+              <a:avLst/>
+              <a:gdLst/>
+              <a:ahLst/>
+              <a:cxnLst/>
+              <a:rect l="l" t="t" r="r" b="b"/>
+              <a:pathLst>
+                <a:path w="3007349" h="6866467">
+                  <a:moveTo>
+                    <a:pt x="2045532" y="0"/>
+                  </a:moveTo>
+                  <a:lnTo>
+                    <a:pt x="3007349" y="0"/>
+                  </a:lnTo>
+                  <a:lnTo>
+                    <a:pt x="3007349" y="6866467"/>
+                  </a:lnTo>
+                  <a:lnTo>
+                    <a:pt x="0" y="6866467"/>
+                  </a:lnTo>
+                  <a:lnTo>
+                    <a:pt x="2045532" y="0"/>
+                  </a:lnTo>
+                  <a:close/>
+                </a:path>
+              </a:pathLst>
+            </a:custGeom>
+            <a:solidFill>
+              <a:schemeClr val="accent1">
+                <a:alpha val="36000"/>
+              </a:schemeClr>
+            </a:solidFill>
+            <a:ln>
+              <a:noFill/>
+            </a:ln>
+            <a:effectLst/>
+          </p:spPr>
+          <p:style>
+            <a:lnRef idx="1">
+              <a:schemeClr val="accent1"/>
+            </a:lnRef>
+            <a:fillRef idx="3">
+              <a:schemeClr val="accent1"/>
+            </a:fillRef>
+            <a:effectRef idx="2">
+              <a:schemeClr val="accent1"/>
+            </a:effectRef>
+            <a:fontRef idx="minor">
+              <a:schemeClr val="lt1"/>
+            </a:fontRef>
+          </p:style>
+        </p:sp>
+        <p:sp>
+          <p:nvSpPr>
+            <p:cNvPr id="23" name="Rectangle 25"/>
+            <p:cNvSpPr/>
+            <p:nvPr/>
+          </p:nvSpPr>
+          <p:spPr>
+            <a:xfrm>
+              <a:off x="9603442" y="-8467"/>
+              <a:ext cx="2588558" cy="6866467"/>
+            </a:xfrm>
+            <a:custGeom>
+              <a:avLst/>
+              <a:gdLst/>
+              <a:ahLst/>
+              <a:cxnLst/>
+              <a:rect l="l" t="t" r="r" b="b"/>
+              <a:pathLst>
+                <a:path w="2573311" h="6866467">
+                  <a:moveTo>
+                    <a:pt x="0" y="0"/>
+                  </a:moveTo>
+                  <a:lnTo>
+                    <a:pt x="2573311" y="0"/>
+                  </a:lnTo>
+                  <a:lnTo>
+                    <a:pt x="2573311" y="6866467"/>
+                  </a:lnTo>
+                  <a:lnTo>
+                    <a:pt x="1202336" y="6866467"/>
+                  </a:lnTo>
+                  <a:lnTo>
+                    <a:pt x="0" y="0"/>
+                  </a:lnTo>
+                  <a:close/>
+                </a:path>
+              </a:pathLst>
+            </a:custGeom>
+            <a:solidFill>
+              <a:schemeClr val="accent1">
+                <a:alpha val="20000"/>
+              </a:schemeClr>
+            </a:solidFill>
+            <a:ln>
+              <a:noFill/>
+            </a:ln>
+            <a:effectLst/>
+          </p:spPr>
+          <p:style>
+            <a:lnRef idx="1">
+              <a:schemeClr val="accent1"/>
+            </a:lnRef>
+            <a:fillRef idx="3">
+              <a:schemeClr val="accent1"/>
+            </a:fillRef>
+            <a:effectRef idx="2">
+              <a:schemeClr val="accent1"/>
+            </a:effectRef>
+            <a:fontRef idx="minor">
+              <a:schemeClr val="lt1"/>
+            </a:fontRef>
+          </p:style>
+        </p:sp>
+        <p:sp>
+          <p:nvSpPr>
+            <p:cNvPr id="24" name="Isosceles Triangle 23"/>
+            <p:cNvSpPr/>
+            <p:nvPr/>
+          </p:nvSpPr>
+          <p:spPr>
+            <a:xfrm>
+              <a:off x="8932333" y="3048000"/>
+              <a:ext cx="3259667" cy="3810000"/>
+            </a:xfrm>
+            <a:prstGeom prst="triangle">
+              <a:avLst>
+                <a:gd name="adj" fmla="val 100000"/>
+              </a:avLst>
+            </a:prstGeom>
+            <a:solidFill>
+              <a:schemeClr val="accent1">
+                <a:lumMod val="75000"/>
+                <a:alpha val="66000"/>
+              </a:schemeClr>
+            </a:solidFill>
+            <a:ln>
+              <a:noFill/>
+            </a:ln>
+            <a:effectLst/>
+          </p:spPr>
+          <p:style>
+            <a:lnRef idx="1">
+              <a:schemeClr val="accent1"/>
+            </a:lnRef>
+            <a:fillRef idx="3">
+              <a:schemeClr val="accent1"/>
+            </a:fillRef>
+            <a:effectRef idx="2">
+              <a:schemeClr val="accent1"/>
+            </a:effectRef>
+            <a:fontRef idx="minor">
+              <a:schemeClr val="lt1"/>
+            </a:fontRef>
+          </p:style>
+        </p:sp>
+        <p:sp>
+          <p:nvSpPr>
+            <p:cNvPr id="25" name="Rectangle 27"/>
+            <p:cNvSpPr/>
+            <p:nvPr/>
+          </p:nvSpPr>
+          <p:spPr>
+            <a:xfrm>
+              <a:off x="9334500" y="-8467"/>
+              <a:ext cx="2854326" cy="6866467"/>
+            </a:xfrm>
+            <a:custGeom>
+              <a:avLst/>
+              <a:gdLst/>
+              <a:ahLst/>
+              <a:cxnLst/>
+              <a:rect l="l" t="t" r="r" b="b"/>
+              <a:pathLst>
+                <a:path w="2858013" h="6866467">
+                  <a:moveTo>
+                    <a:pt x="0" y="0"/>
+                  </a:moveTo>
+                  <a:lnTo>
+                    <a:pt x="2858013" y="0"/>
+                  </a:lnTo>
+                  <a:lnTo>
+                    <a:pt x="2858013" y="6866467"/>
+                  </a:lnTo>
+                  <a:lnTo>
+                    <a:pt x="2473942" y="6866467"/>
+                  </a:lnTo>
+                  <a:lnTo>
+                    <a:pt x="0" y="0"/>
+                  </a:lnTo>
+                  <a:close/>
+                </a:path>
+              </a:pathLst>
+            </a:custGeom>
+            <a:solidFill>
+              <a:schemeClr val="accent1">
+                <a:lumMod val="75000"/>
+                <a:alpha val="50000"/>
+              </a:schemeClr>
+            </a:solidFill>
+            <a:ln>
+              <a:noFill/>
+            </a:ln>
+            <a:effectLst/>
+          </p:spPr>
+          <p:style>
+            <a:lnRef idx="1">
+              <a:schemeClr val="accent1"/>
+            </a:lnRef>
+            <a:fillRef idx="3">
+              <a:schemeClr val="accent1"/>
+            </a:fillRef>
+            <a:effectRef idx="2">
+              <a:schemeClr val="accent1"/>
+            </a:effectRef>
+            <a:fontRef idx="minor">
+              <a:schemeClr val="lt1"/>
+            </a:fontRef>
+          </p:style>
+        </p:sp>
+        <p:sp>
+          <p:nvSpPr>
+            <p:cNvPr id="26" name="Rectangle 28"/>
+            <p:cNvSpPr/>
+            <p:nvPr/>
+          </p:nvSpPr>
+          <p:spPr>
+            <a:xfrm>
+              <a:off x="10898730" y="-8467"/>
+              <a:ext cx="1290094" cy="6866467"/>
+            </a:xfrm>
+            <a:custGeom>
+              <a:avLst/>
+              <a:gdLst/>
+              <a:ahLst/>
+              <a:cxnLst/>
+              <a:rect l="l" t="t" r="r" b="b"/>
+              <a:pathLst>
+                <a:path w="1290094" h="6858000">
+                  <a:moveTo>
+                    <a:pt x="1019735" y="0"/>
+                  </a:moveTo>
+                  <a:lnTo>
+                    <a:pt x="1290094" y="0"/>
+                  </a:lnTo>
+                  <a:lnTo>
+                    <a:pt x="1290094" y="6858000"/>
+                  </a:lnTo>
+                  <a:lnTo>
+                    <a:pt x="0" y="6858000"/>
+                  </a:lnTo>
+                  <a:lnTo>
+                    <a:pt x="1019735" y="0"/>
+                  </a:lnTo>
+                  <a:close/>
+                </a:path>
+              </a:pathLst>
+            </a:custGeom>
+            <a:solidFill>
+              <a:schemeClr val="accent2">
+                <a:alpha val="70000"/>
+              </a:schemeClr>
+            </a:solidFill>
+            <a:ln>
+              <a:noFill/>
+            </a:ln>
+            <a:effectLst/>
+          </p:spPr>
+          <p:style>
+            <a:lnRef idx="1">
+              <a:schemeClr val="accent1"/>
+            </a:lnRef>
+            <a:fillRef idx="3">
+              <a:schemeClr val="accent1"/>
+            </a:fillRef>
+            <a:effectRef idx="2">
+              <a:schemeClr val="accent1"/>
+            </a:effectRef>
+            <a:fontRef idx="minor">
+              <a:schemeClr val="lt1"/>
+            </a:fontRef>
+          </p:style>
+        </p:sp>
+        <p:sp>
+          <p:nvSpPr>
+            <p:cNvPr id="27" name="Rectangle 29"/>
+            <p:cNvSpPr/>
+            <p:nvPr/>
+          </p:nvSpPr>
+          <p:spPr>
+            <a:xfrm>
+              <a:off x="10938999" y="-8467"/>
+              <a:ext cx="1249825" cy="6866467"/>
+            </a:xfrm>
+            <a:custGeom>
+              <a:avLst/>
+              <a:gdLst/>
+              <a:ahLst/>
+              <a:cxnLst/>
+              <a:rect l="l" t="t" r="r" b="b"/>
+              <a:pathLst>
+                <a:path w="1249825" h="6858000">
+                  <a:moveTo>
+                    <a:pt x="0" y="0"/>
+                  </a:moveTo>
+                  <a:lnTo>
+                    <a:pt x="1249825" y="0"/>
+                  </a:lnTo>
+                  <a:lnTo>
+                    <a:pt x="1249825" y="6858000"/>
+                  </a:lnTo>
+                  <a:lnTo>
+                    <a:pt x="1109382" y="6858000"/>
+                  </a:lnTo>
+                  <a:lnTo>
+                    <a:pt x="0" y="0"/>
+                  </a:lnTo>
+                  <a:close/>
+                </a:path>
+              </a:pathLst>
+            </a:custGeom>
+            <a:solidFill>
+              <a:schemeClr val="accent2">
+                <a:lumMod val="75000"/>
+                <a:alpha val="80000"/>
+              </a:schemeClr>
+            </a:solidFill>
+            <a:ln>
+              <a:noFill/>
+            </a:ln>
+            <a:effectLst/>
+          </p:spPr>
+          <p:style>
+            <a:lnRef idx="1">
+              <a:schemeClr val="accent1"/>
+            </a:lnRef>
+            <a:fillRef idx="3">
+              <a:schemeClr val="accent1"/>
+            </a:fillRef>
+            <a:effectRef idx="2">
+              <a:schemeClr val="accent1"/>
+            </a:effectRef>
+            <a:fontRef idx="minor">
+              <a:schemeClr val="lt1"/>
+            </a:fontRef>
+          </p:style>
+        </p:sp>
+        <p:sp>
+          <p:nvSpPr>
+            <p:cNvPr id="28" name="Isosceles Triangle 27"/>
+            <p:cNvSpPr/>
+            <p:nvPr/>
+          </p:nvSpPr>
+          <p:spPr>
+            <a:xfrm>
+              <a:off x="10371666" y="3589867"/>
+              <a:ext cx="1817159" cy="3268133"/>
+            </a:xfrm>
+            <a:prstGeom prst="triangle">
+              <a:avLst>
+                <a:gd name="adj" fmla="val 100000"/>
+              </a:avLst>
+            </a:prstGeom>
+            <a:solidFill>
+              <a:schemeClr val="accent1">
+                <a:lumMod val="75000"/>
+                <a:alpha val="66000"/>
+              </a:schemeClr>
+            </a:solidFill>
+            <a:ln>
+              <a:noFill/>
+            </a:ln>
+            <a:effectLst/>
+          </p:spPr>
+          <p:style>
+            <a:lnRef idx="1">
+              <a:schemeClr val="accent1"/>
+            </a:lnRef>
+            <a:fillRef idx="3">
+              <a:schemeClr val="accent1"/>
+            </a:fillRef>
+            <a:effectRef idx="2">
+              <a:schemeClr val="accent1"/>
+            </a:effectRef>
+            <a:fontRef idx="minor">
+              <a:schemeClr val="lt1"/>
+            </a:fontRef>
+          </p:style>
+        </p:sp>
+        <p:sp>
+          <p:nvSpPr>
+            <p:cNvPr id="19" name="Isosceles Triangle 18"/>
+            <p:cNvSpPr/>
+            <p:nvPr/>
+          </p:nvSpPr>
+          <p:spPr>
+            <a:xfrm>
+              <a:off x="0" y="4013200"/>
+              <a:ext cx="448733" cy="2844800"/>
+            </a:xfrm>
+            <a:prstGeom prst="triangle">
+              <a:avLst>
+                <a:gd name="adj" fmla="val 0"/>
+              </a:avLst>
+            </a:prstGeom>
+            <a:solidFill>
+              <a:schemeClr val="accent1">
+                <a:alpha val="70000"/>
+              </a:schemeClr>
+            </a:solidFill>
+            <a:ln>
+              <a:noFill/>
+            </a:ln>
+            <a:effectLst/>
+          </p:spPr>
+          <p:style>
+            <a:lnRef idx="1">
+              <a:schemeClr val="accent1"/>
+            </a:lnRef>
+            <a:fillRef idx="3">
+              <a:schemeClr val="accent1"/>
+            </a:fillRef>
+            <a:effectRef idx="2">
+              <a:schemeClr val="accent1"/>
+            </a:effectRef>
+            <a:fontRef idx="minor">
+              <a:schemeClr val="lt1"/>
+            </a:fontRef>
+          </p:style>
+        </p:sp>
+      </p:grpSp>
       <p:sp>
         <p:nvSpPr>
           <p:cNvPr id="2" name="Title Placeholder 1"/>
@@ -2442,15 +5200,15 @@
         </p:nvSpPr>
         <p:spPr>
           <a:xfrm>
-            <a:off x="838200" y="365125"/>
-            <a:ext cx="10515600" cy="1325563"/>
+            <a:off x="677334" y="609600"/>
+            <a:ext cx="8596668" cy="1320800"/>
           </a:xfrm>
           <a:prstGeom prst="rect">
             <a:avLst/>
           </a:prstGeom>
         </p:spPr>
         <p:txBody>
-          <a:bodyPr vert="horz" lIns="91440" tIns="45720" rIns="91440" bIns="45720" rtlCol="0" anchor="ctr">
+          <a:bodyPr vert="horz" lIns="91440" tIns="45720" rIns="91440" bIns="45720" rtlCol="0" anchor="t">
             <a:normAutofit/>
           </a:bodyPr>
           <a:lstStyle/>
@@ -2459,7 +5217,7 @@
               <a:rPr lang="en-US" smtClean="0"/>
               <a:t>Click to edit Master title style</a:t>
             </a:r>
-            <a:endParaRPr lang="en-GB"/>
+            <a:endParaRPr lang="en-US" dirty="0"/>
           </a:p>
         </p:txBody>
       </p:sp>
@@ -2475,8 +5233,8 @@
         </p:nvSpPr>
         <p:spPr>
           <a:xfrm>
-            <a:off x="838200" y="1825625"/>
-            <a:ext cx="10515600" cy="4351338"/>
+            <a:off x="677334" y="2160589"/>
+            <a:ext cx="8596668" cy="3880773"/>
           </a:xfrm>
           <a:prstGeom prst="rect">
             <a:avLst/>
@@ -2521,7 +5279,7 @@
               <a:rPr lang="en-US" smtClean="0"/>
               <a:t>Fifth level</a:t>
             </a:r>
-            <a:endParaRPr lang="en-GB"/>
+            <a:endParaRPr lang="en-US" dirty="0"/>
           </a:p>
         </p:txBody>
       </p:sp>
@@ -2537,8 +5295,8 @@
         </p:nvSpPr>
         <p:spPr>
           <a:xfrm>
-            <a:off x="838200" y="6356350"/>
-            <a:ext cx="2743200" cy="365125"/>
+            <a:off x="7205133" y="6041362"/>
+            <a:ext cx="911939" cy="365125"/>
           </a:xfrm>
           <a:prstGeom prst="rect">
             <a:avLst/>
@@ -2547,8 +5305,8 @@
         <p:txBody>
           <a:bodyPr vert="horz" lIns="91440" tIns="45720" rIns="91440" bIns="45720" rtlCol="0" anchor="ctr"/>
           <a:lstStyle>
-            <a:lvl1pPr algn="l">
-              <a:defRPr sz="1200">
+            <a:lvl1pPr algn="r">
+              <a:defRPr sz="900">
                 <a:solidFill>
                   <a:schemeClr val="tx1">
                     <a:tint val="75000"/>
@@ -2560,7 +5318,7 @@
           <a:p>
             <a:fld id="{D90DE563-696D-41CD-861B-DE0D58C3899E}" type="datetimeFigureOut">
               <a:rPr lang="en-GB" smtClean="0"/>
-              <a:t>03/04/2024</a:t>
+              <a:t>07/04/2024</a:t>
             </a:fld>
             <a:endParaRPr lang="en-GB"/>
           </a:p>
@@ -2578,8 +5336,8 @@
         </p:nvSpPr>
         <p:spPr>
           <a:xfrm>
-            <a:off x="4038600" y="6356350"/>
-            <a:ext cx="4114800" cy="365125"/>
+            <a:off x="677334" y="6041362"/>
+            <a:ext cx="6297612" cy="365125"/>
           </a:xfrm>
           <a:prstGeom prst="rect">
             <a:avLst/>
@@ -2588,8 +5346,8 @@
         <p:txBody>
           <a:bodyPr vert="horz" lIns="91440" tIns="45720" rIns="91440" bIns="45720" rtlCol="0" anchor="ctr"/>
           <a:lstStyle>
-            <a:lvl1pPr algn="ctr">
-              <a:defRPr sz="1200">
+            <a:lvl1pPr algn="l">
+              <a:defRPr sz="900">
                 <a:solidFill>
                   <a:schemeClr val="tx1">
                     <a:tint val="75000"/>
@@ -2615,8 +5373,8 @@
         </p:nvSpPr>
         <p:spPr>
           <a:xfrm>
-            <a:off x="8610600" y="6356350"/>
-            <a:ext cx="2743200" cy="365125"/>
+            <a:off x="8590663" y="6041362"/>
+            <a:ext cx="683339" cy="365125"/>
           </a:xfrm>
           <a:prstGeom prst="rect">
             <a:avLst/>
@@ -2626,11 +5384,9 @@
           <a:bodyPr vert="horz" lIns="91440" tIns="45720" rIns="91440" bIns="45720" rtlCol="0" anchor="ctr"/>
           <a:lstStyle>
             <a:lvl1pPr algn="r">
-              <a:defRPr sz="1200">
-                <a:solidFill>
-                  <a:schemeClr val="tx1">
-                    <a:tint val="75000"/>
-                  </a:schemeClr>
+              <a:defRPr sz="900">
+                <a:solidFill>
+                  <a:schemeClr val="accent1"/>
                 </a:solidFill>
               </a:defRPr>
             </a:lvl1pPr>
@@ -2647,201 +5403,322 @@
     </p:spTree>
     <p:extLst>
       <p:ext uri="{BB962C8B-B14F-4D97-AF65-F5344CB8AC3E}">
-        <p14:creationId xmlns:p14="http://schemas.microsoft.com/office/powerpoint/2010/main" val="2126689247"/>
+        <p14:creationId xmlns:p14="http://schemas.microsoft.com/office/powerpoint/2010/main" val="1503277717"/>
       </p:ext>
     </p:extLst>
   </p:cSld>
   <p:clrMap bg1="lt1" tx1="dk1" bg2="lt2" tx2="dk2" accent1="accent1" accent2="accent2" accent3="accent3" accent4="accent4" accent5="accent5" accent6="accent6" hlink="hlink" folHlink="folHlink"/>
   <p:sldLayoutIdLst>
-    <p:sldLayoutId id="2147483649" r:id="rId1"/>
-    <p:sldLayoutId id="2147483650" r:id="rId2"/>
-    <p:sldLayoutId id="2147483651" r:id="rId3"/>
-    <p:sldLayoutId id="2147483652" r:id="rId4"/>
-    <p:sldLayoutId id="2147483653" r:id="rId5"/>
-    <p:sldLayoutId id="2147483654" r:id="rId6"/>
-    <p:sldLayoutId id="2147483655" r:id="rId7"/>
-    <p:sldLayoutId id="2147483656" r:id="rId8"/>
-    <p:sldLayoutId id="2147483657" r:id="rId9"/>
-    <p:sldLayoutId id="2147483658" r:id="rId10"/>
-    <p:sldLayoutId id="2147483659" r:id="rId11"/>
+    <p:sldLayoutId id="2147483707" r:id="rId1"/>
+    <p:sldLayoutId id="2147483708" r:id="rId2"/>
+    <p:sldLayoutId id="2147483709" r:id="rId3"/>
+    <p:sldLayoutId id="2147483710" r:id="rId4"/>
+    <p:sldLayoutId id="2147483711" r:id="rId5"/>
+    <p:sldLayoutId id="2147483712" r:id="rId6"/>
+    <p:sldLayoutId id="2147483713" r:id="rId7"/>
+    <p:sldLayoutId id="2147483714" r:id="rId8"/>
+    <p:sldLayoutId id="2147483715" r:id="rId9"/>
+    <p:sldLayoutId id="2147483716" r:id="rId10"/>
+    <p:sldLayoutId id="2147483717" r:id="rId11"/>
+    <p:sldLayoutId id="2147483718" r:id="rId12"/>
+    <p:sldLayoutId id="2147483719" r:id="rId13"/>
+    <p:sldLayoutId id="2147483720" r:id="rId14"/>
+    <p:sldLayoutId id="2147483721" r:id="rId15"/>
+    <p:sldLayoutId id="2147483722" r:id="rId16"/>
   </p:sldLayoutIdLst>
   <p:txStyles>
     <p:titleStyle>
-      <a:lvl1pPr algn="l" defTabSz="914400" rtl="0" eaLnBrk="1" latinLnBrk="0" hangingPunct="1">
-        <a:lnSpc>
-          <a:spcPct val="90000"/>
-        </a:lnSpc>
+      <a:lvl1pPr algn="l" defTabSz="457200" rtl="0" eaLnBrk="1" latinLnBrk="0" hangingPunct="1">
         <a:spcBef>
           <a:spcPct val="0"/>
         </a:spcBef>
         <a:buNone/>
-        <a:defRPr sz="4400" kern="1200">
+        <a:defRPr sz="3600" kern="1200">
           <a:solidFill>
-            <a:schemeClr val="tx1"/>
+            <a:schemeClr val="accent1"/>
           </a:solidFill>
           <a:latin typeface="+mj-lt"/>
           <a:ea typeface="+mj-ea"/>
           <a:cs typeface="+mj-cs"/>
         </a:defRPr>
       </a:lvl1pPr>
+      <a:lvl2pPr eaLnBrk="1" hangingPunct="1">
+        <a:defRPr>
+          <a:solidFill>
+            <a:schemeClr val="tx2"/>
+          </a:solidFill>
+        </a:defRPr>
+      </a:lvl2pPr>
+      <a:lvl3pPr eaLnBrk="1" hangingPunct="1">
+        <a:defRPr>
+          <a:solidFill>
+            <a:schemeClr val="tx2"/>
+          </a:solidFill>
+        </a:defRPr>
+      </a:lvl3pPr>
+      <a:lvl4pPr eaLnBrk="1" hangingPunct="1">
+        <a:defRPr>
+          <a:solidFill>
+            <a:schemeClr val="tx2"/>
+          </a:solidFill>
+        </a:defRPr>
+      </a:lvl4pPr>
+      <a:lvl5pPr eaLnBrk="1" hangingPunct="1">
+        <a:defRPr>
+          <a:solidFill>
+            <a:schemeClr val="tx2"/>
+          </a:solidFill>
+        </a:defRPr>
+      </a:lvl5pPr>
+      <a:lvl6pPr eaLnBrk="1" hangingPunct="1">
+        <a:defRPr>
+          <a:solidFill>
+            <a:schemeClr val="tx2"/>
+          </a:solidFill>
+        </a:defRPr>
+      </a:lvl6pPr>
+      <a:lvl7pPr eaLnBrk="1" hangingPunct="1">
+        <a:defRPr>
+          <a:solidFill>
+            <a:schemeClr val="tx2"/>
+          </a:solidFill>
+        </a:defRPr>
+      </a:lvl7pPr>
+      <a:lvl8pPr eaLnBrk="1" hangingPunct="1">
+        <a:defRPr>
+          <a:solidFill>
+            <a:schemeClr val="tx2"/>
+          </a:solidFill>
+        </a:defRPr>
+      </a:lvl8pPr>
+      <a:lvl9pPr eaLnBrk="1" hangingPunct="1">
+        <a:defRPr>
+          <a:solidFill>
+            <a:schemeClr val="tx2"/>
+          </a:solidFill>
+        </a:defRPr>
+      </a:lvl9pPr>
     </p:titleStyle>
     <p:bodyStyle>
-      <a:lvl1pPr marL="228600" indent="-228600" algn="l" defTabSz="914400" rtl="0" eaLnBrk="1" latinLnBrk="0" hangingPunct="1">
-        <a:lnSpc>
-          <a:spcPct val="90000"/>
-        </a:lnSpc>
+      <a:lvl1pPr marL="342900" indent="-342900" algn="l" defTabSz="457200" rtl="0" eaLnBrk="1" latinLnBrk="0" hangingPunct="1">
         <a:spcBef>
           <a:spcPts val="1000"/>
         </a:spcBef>
-        <a:buFont typeface="Arial" panose="020B0604020202020204" pitchFamily="34" charset="0"/>
-        <a:buChar char="•"/>
-        <a:defRPr sz="2800" kern="1200">
+        <a:spcAft>
+          <a:spcPts val="0"/>
+        </a:spcAft>
+        <a:buClr>
+          <a:schemeClr val="accent1"/>
+        </a:buClr>
+        <a:buSzPct val="80000"/>
+        <a:buFont typeface="Wingdings 3" charset="2"/>
+        <a:buChar char=""/>
+        <a:defRPr sz="1800" kern="1200">
           <a:solidFill>
-            <a:schemeClr val="tx1"/>
+            <a:schemeClr val="tx1">
+              <a:lumMod val="75000"/>
+              <a:lumOff val="25000"/>
+            </a:schemeClr>
           </a:solidFill>
           <a:latin typeface="+mn-lt"/>
           <a:ea typeface="+mn-ea"/>
           <a:cs typeface="+mn-cs"/>
         </a:defRPr>
       </a:lvl1pPr>
-      <a:lvl2pPr marL="685800" indent="-228600" algn="l" defTabSz="914400" rtl="0" eaLnBrk="1" latinLnBrk="0" hangingPunct="1">
-        <a:lnSpc>
-          <a:spcPct val="90000"/>
-        </a:lnSpc>
+      <a:lvl2pPr marL="742950" indent="-285750" algn="l" defTabSz="457200" rtl="0" eaLnBrk="1" latinLnBrk="0" hangingPunct="1">
         <a:spcBef>
-          <a:spcPts val="500"/>
+          <a:spcPts val="1000"/>
         </a:spcBef>
-        <a:buFont typeface="Arial" panose="020B0604020202020204" pitchFamily="34" charset="0"/>
-        <a:buChar char="•"/>
-        <a:defRPr sz="2400" kern="1200">
+        <a:spcAft>
+          <a:spcPts val="0"/>
+        </a:spcAft>
+        <a:buClr>
+          <a:schemeClr val="accent1"/>
+        </a:buClr>
+        <a:buSzPct val="80000"/>
+        <a:buFont typeface="Wingdings 3" charset="2"/>
+        <a:buChar char=""/>
+        <a:defRPr sz="1600" kern="1200">
           <a:solidFill>
-            <a:schemeClr val="tx1"/>
+            <a:schemeClr val="tx1">
+              <a:lumMod val="75000"/>
+              <a:lumOff val="25000"/>
+            </a:schemeClr>
           </a:solidFill>
           <a:latin typeface="+mn-lt"/>
           <a:ea typeface="+mn-ea"/>
           <a:cs typeface="+mn-cs"/>
         </a:defRPr>
       </a:lvl2pPr>
-      <a:lvl3pPr marL="1143000" indent="-228600" algn="l" defTabSz="914400" rtl="0" eaLnBrk="1" latinLnBrk="0" hangingPunct="1">
-        <a:lnSpc>
-          <a:spcPct val="90000"/>
-        </a:lnSpc>
+      <a:lvl3pPr marL="1143000" indent="-228600" algn="l" defTabSz="457200" rtl="0" eaLnBrk="1" latinLnBrk="0" hangingPunct="1">
         <a:spcBef>
-          <a:spcPts val="500"/>
+          <a:spcPts val="1000"/>
         </a:spcBef>
-        <a:buFont typeface="Arial" panose="020B0604020202020204" pitchFamily="34" charset="0"/>
-        <a:buChar char="•"/>
-        <a:defRPr sz="2000" kern="1200">
+        <a:spcAft>
+          <a:spcPts val="0"/>
+        </a:spcAft>
+        <a:buClr>
+          <a:schemeClr val="accent1"/>
+        </a:buClr>
+        <a:buSzPct val="80000"/>
+        <a:buFont typeface="Wingdings 3" charset="2"/>
+        <a:buChar char=""/>
+        <a:defRPr sz="1400" kern="1200">
           <a:solidFill>
-            <a:schemeClr val="tx1"/>
+            <a:schemeClr val="tx1">
+              <a:lumMod val="75000"/>
+              <a:lumOff val="25000"/>
+            </a:schemeClr>
           </a:solidFill>
           <a:latin typeface="+mn-lt"/>
           <a:ea typeface="+mn-ea"/>
           <a:cs typeface="+mn-cs"/>
         </a:defRPr>
       </a:lvl3pPr>
-      <a:lvl4pPr marL="1600200" indent="-228600" algn="l" defTabSz="914400" rtl="0" eaLnBrk="1" latinLnBrk="0" hangingPunct="1">
-        <a:lnSpc>
-          <a:spcPct val="90000"/>
-        </a:lnSpc>
+      <a:lvl4pPr marL="1600200" indent="-228600" algn="l" defTabSz="457200" rtl="0" eaLnBrk="1" latinLnBrk="0" hangingPunct="1">
         <a:spcBef>
-          <a:spcPts val="500"/>
+          <a:spcPts val="1000"/>
         </a:spcBef>
-        <a:buFont typeface="Arial" panose="020B0604020202020204" pitchFamily="34" charset="0"/>
-        <a:buChar char="•"/>
-        <a:defRPr sz="1800" kern="1200">
+        <a:spcAft>
+          <a:spcPts val="0"/>
+        </a:spcAft>
+        <a:buClr>
+          <a:schemeClr val="accent1"/>
+        </a:buClr>
+        <a:buSzPct val="80000"/>
+        <a:buFont typeface="Wingdings 3" charset="2"/>
+        <a:buChar char=""/>
+        <a:defRPr sz="1200" kern="1200">
           <a:solidFill>
-            <a:schemeClr val="tx1"/>
+            <a:schemeClr val="tx1">
+              <a:lumMod val="75000"/>
+              <a:lumOff val="25000"/>
+            </a:schemeClr>
           </a:solidFill>
           <a:latin typeface="+mn-lt"/>
           <a:ea typeface="+mn-ea"/>
           <a:cs typeface="+mn-cs"/>
         </a:defRPr>
       </a:lvl4pPr>
-      <a:lvl5pPr marL="2057400" indent="-228600" algn="l" defTabSz="914400" rtl="0" eaLnBrk="1" latinLnBrk="0" hangingPunct="1">
-        <a:lnSpc>
-          <a:spcPct val="90000"/>
-        </a:lnSpc>
+      <a:lvl5pPr marL="2057400" indent="-228600" algn="l" defTabSz="457200" rtl="0" eaLnBrk="1" latinLnBrk="0" hangingPunct="1">
         <a:spcBef>
-          <a:spcPts val="500"/>
+          <a:spcPts val="1000"/>
         </a:spcBef>
-        <a:buFont typeface="Arial" panose="020B0604020202020204" pitchFamily="34" charset="0"/>
-        <a:buChar char="•"/>
-        <a:defRPr sz="1800" kern="1200">
+        <a:spcAft>
+          <a:spcPts val="0"/>
+        </a:spcAft>
+        <a:buClr>
+          <a:schemeClr val="accent1"/>
+        </a:buClr>
+        <a:buSzPct val="80000"/>
+        <a:buFont typeface="Wingdings 3" charset="2"/>
+        <a:buChar char=""/>
+        <a:defRPr sz="1200" kern="1200">
           <a:solidFill>
-            <a:schemeClr val="tx1"/>
+            <a:schemeClr val="tx1">
+              <a:lumMod val="75000"/>
+              <a:lumOff val="25000"/>
+            </a:schemeClr>
           </a:solidFill>
           <a:latin typeface="+mn-lt"/>
           <a:ea typeface="+mn-ea"/>
           <a:cs typeface="+mn-cs"/>
         </a:defRPr>
       </a:lvl5pPr>
-      <a:lvl6pPr marL="2514600" indent="-228600" algn="l" defTabSz="914400" rtl="0" eaLnBrk="1" latinLnBrk="0" hangingPunct="1">
-        <a:lnSpc>
-          <a:spcPct val="90000"/>
-        </a:lnSpc>
+      <a:lvl6pPr marL="2514600" indent="-228600" algn="l" defTabSz="457200" rtl="0" eaLnBrk="1" latinLnBrk="0" hangingPunct="1">
         <a:spcBef>
-          <a:spcPts val="500"/>
+          <a:spcPts val="1000"/>
         </a:spcBef>
-        <a:buFont typeface="Arial" panose="020B0604020202020204" pitchFamily="34" charset="0"/>
-        <a:buChar char="•"/>
-        <a:defRPr sz="1800" kern="1200">
+        <a:spcAft>
+          <a:spcPts val="0"/>
+        </a:spcAft>
+        <a:buClr>
+          <a:schemeClr val="accent1"/>
+        </a:buClr>
+        <a:buSzPct val="80000"/>
+        <a:buFont typeface="Wingdings 3" charset="2"/>
+        <a:buChar char=""/>
+        <a:defRPr sz="1200" kern="1200">
           <a:solidFill>
-            <a:schemeClr val="tx1"/>
+            <a:schemeClr val="tx1">
+              <a:lumMod val="75000"/>
+              <a:lumOff val="25000"/>
+            </a:schemeClr>
           </a:solidFill>
           <a:latin typeface="+mn-lt"/>
           <a:ea typeface="+mn-ea"/>
           <a:cs typeface="+mn-cs"/>
         </a:defRPr>
       </a:lvl6pPr>
-      <a:lvl7pPr marL="2971800" indent="-228600" algn="l" defTabSz="914400" rtl="0" eaLnBrk="1" latinLnBrk="0" hangingPunct="1">
-        <a:lnSpc>
-          <a:spcPct val="90000"/>
-        </a:lnSpc>
+      <a:lvl7pPr marL="2971800" indent="-228600" algn="l" defTabSz="457200" rtl="0" eaLnBrk="1" latinLnBrk="0" hangingPunct="1">
         <a:spcBef>
-          <a:spcPts val="500"/>
+          <a:spcPts val="1000"/>
         </a:spcBef>
-        <a:buFont typeface="Arial" panose="020B0604020202020204" pitchFamily="34" charset="0"/>
-        <a:buChar char="•"/>
-        <a:defRPr sz="1800" kern="1200">
+        <a:spcAft>
+          <a:spcPts val="0"/>
+        </a:spcAft>
+        <a:buClr>
+          <a:schemeClr val="accent1"/>
+        </a:buClr>
+        <a:buSzPct val="80000"/>
+        <a:buFont typeface="Wingdings 3" charset="2"/>
+        <a:buChar char=""/>
+        <a:defRPr sz="1200" kern="1200">
           <a:solidFill>
-            <a:schemeClr val="tx1"/>
+            <a:schemeClr val="tx1">
+              <a:lumMod val="75000"/>
+              <a:lumOff val="25000"/>
+            </a:schemeClr>
           </a:solidFill>
           <a:latin typeface="+mn-lt"/>
           <a:ea typeface="+mn-ea"/>
           <a:cs typeface="+mn-cs"/>
         </a:defRPr>
       </a:lvl7pPr>
-      <a:lvl8pPr marL="3429000" indent="-228600" algn="l" defTabSz="914400" rtl="0" eaLnBrk="1" latinLnBrk="0" hangingPunct="1">
-        <a:lnSpc>
-          <a:spcPct val="90000"/>
-        </a:lnSpc>
+      <a:lvl8pPr marL="3429000" indent="-228600" algn="l" defTabSz="457200" rtl="0" eaLnBrk="1" latinLnBrk="0" hangingPunct="1">
         <a:spcBef>
-          <a:spcPts val="500"/>
+          <a:spcPts val="1000"/>
         </a:spcBef>
-        <a:buFont typeface="Arial" panose="020B0604020202020204" pitchFamily="34" charset="0"/>
-        <a:buChar char="•"/>
-        <a:defRPr sz="1800" kern="1200">
+        <a:spcAft>
+          <a:spcPts val="0"/>
+        </a:spcAft>
+        <a:buClr>
+          <a:schemeClr val="accent1"/>
+        </a:buClr>
+        <a:buSzPct val="80000"/>
+        <a:buFont typeface="Wingdings 3" charset="2"/>
+        <a:buChar char=""/>
+        <a:defRPr sz="1200" kern="1200">
           <a:solidFill>
-            <a:schemeClr val="tx1"/>
+            <a:schemeClr val="tx1">
+              <a:lumMod val="75000"/>
+              <a:lumOff val="25000"/>
+            </a:schemeClr>
           </a:solidFill>
           <a:latin typeface="+mn-lt"/>
           <a:ea typeface="+mn-ea"/>
           <a:cs typeface="+mn-cs"/>
         </a:defRPr>
       </a:lvl8pPr>
-      <a:lvl9pPr marL="3886200" indent="-228600" algn="l" defTabSz="914400" rtl="0" eaLnBrk="1" latinLnBrk="0" hangingPunct="1">
-        <a:lnSpc>
-          <a:spcPct val="90000"/>
-        </a:lnSpc>
+      <a:lvl9pPr marL="3886200" indent="-228600" algn="l" defTabSz="457200" rtl="0" eaLnBrk="1" latinLnBrk="0" hangingPunct="1">
         <a:spcBef>
-          <a:spcPts val="500"/>
+          <a:spcPts val="1000"/>
         </a:spcBef>
-        <a:buFont typeface="Arial" panose="020B0604020202020204" pitchFamily="34" charset="0"/>
-        <a:buChar char="•"/>
-        <a:defRPr sz="1800" kern="1200">
+        <a:spcAft>
+          <a:spcPts val="0"/>
+        </a:spcAft>
+        <a:buClr>
+          <a:schemeClr val="accent1"/>
+        </a:buClr>
+        <a:buSzPct val="80000"/>
+        <a:buFont typeface="Wingdings 3" charset="2"/>
+        <a:buChar char=""/>
+        <a:defRPr sz="1200" kern="1200">
           <a:solidFill>
-            <a:schemeClr val="tx1"/>
+            <a:schemeClr val="tx1">
+              <a:lumMod val="75000"/>
+              <a:lumOff val="25000"/>
+            </a:schemeClr>
           </a:solidFill>
           <a:latin typeface="+mn-lt"/>
           <a:ea typeface="+mn-ea"/>
@@ -2853,7 +5730,7 @@
       <a:defPPr>
         <a:defRPr lang="en-US"/>
       </a:defPPr>
-      <a:lvl1pPr marL="0" algn="l" defTabSz="914400" rtl="0" eaLnBrk="1" latinLnBrk="0" hangingPunct="1">
+      <a:lvl1pPr marL="0" algn="l" defTabSz="457200" rtl="0" eaLnBrk="1" latinLnBrk="0" hangingPunct="1">
         <a:defRPr sz="1800" kern="1200">
           <a:solidFill>
             <a:schemeClr val="tx1"/>
@@ -2863,7 +5740,7 @@
           <a:cs typeface="+mn-cs"/>
         </a:defRPr>
       </a:lvl1pPr>
-      <a:lvl2pPr marL="457200" algn="l" defTabSz="914400" rtl="0" eaLnBrk="1" latinLnBrk="0" hangingPunct="1">
+      <a:lvl2pPr marL="457200" algn="l" defTabSz="457200" rtl="0" eaLnBrk="1" latinLnBrk="0" hangingPunct="1">
         <a:defRPr sz="1800" kern="1200">
           <a:solidFill>
             <a:schemeClr val="tx1"/>
@@ -2873,7 +5750,7 @@
           <a:cs typeface="+mn-cs"/>
         </a:defRPr>
       </a:lvl2pPr>
-      <a:lvl3pPr marL="914400" algn="l" defTabSz="914400" rtl="0" eaLnBrk="1" latinLnBrk="0" hangingPunct="1">
+      <a:lvl3pPr marL="914400" algn="l" defTabSz="457200" rtl="0" eaLnBrk="1" latinLnBrk="0" hangingPunct="1">
         <a:defRPr sz="1800" kern="1200">
           <a:solidFill>
             <a:schemeClr val="tx1"/>
@@ -2883,7 +5760,7 @@
           <a:cs typeface="+mn-cs"/>
         </a:defRPr>
       </a:lvl3pPr>
-      <a:lvl4pPr marL="1371600" algn="l" defTabSz="914400" rtl="0" eaLnBrk="1" latinLnBrk="0" hangingPunct="1">
+      <a:lvl4pPr marL="1371600" algn="l" defTabSz="457200" rtl="0" eaLnBrk="1" latinLnBrk="0" hangingPunct="1">
         <a:defRPr sz="1800" kern="1200">
           <a:solidFill>
             <a:schemeClr val="tx1"/>
@@ -2893,7 +5770,7 @@
           <a:cs typeface="+mn-cs"/>
         </a:defRPr>
       </a:lvl4pPr>
-      <a:lvl5pPr marL="1828800" algn="l" defTabSz="914400" rtl="0" eaLnBrk="1" latinLnBrk="0" hangingPunct="1">
+      <a:lvl5pPr marL="1828800" algn="l" defTabSz="457200" rtl="0" eaLnBrk="1" latinLnBrk="0" hangingPunct="1">
         <a:defRPr sz="1800" kern="1200">
           <a:solidFill>
             <a:schemeClr val="tx1"/>
@@ -2903,7 +5780,7 @@
           <a:cs typeface="+mn-cs"/>
         </a:defRPr>
       </a:lvl5pPr>
-      <a:lvl6pPr marL="2286000" algn="l" defTabSz="914400" rtl="0" eaLnBrk="1" latinLnBrk="0" hangingPunct="1">
+      <a:lvl6pPr marL="2286000" algn="l" defTabSz="457200" rtl="0" eaLnBrk="1" latinLnBrk="0" hangingPunct="1">
         <a:defRPr sz="1800" kern="1200">
           <a:solidFill>
             <a:schemeClr val="tx1"/>
@@ -2913,7 +5790,7 @@
           <a:cs typeface="+mn-cs"/>
         </a:defRPr>
       </a:lvl6pPr>
-      <a:lvl7pPr marL="2743200" algn="l" defTabSz="914400" rtl="0" eaLnBrk="1" latinLnBrk="0" hangingPunct="1">
+      <a:lvl7pPr marL="2743200" algn="l" defTabSz="457200" rtl="0" eaLnBrk="1" latinLnBrk="0" hangingPunct="1">
         <a:defRPr sz="1800" kern="1200">
           <a:solidFill>
             <a:schemeClr val="tx1"/>
@@ -2923,7 +5800,7 @@
           <a:cs typeface="+mn-cs"/>
         </a:defRPr>
       </a:lvl7pPr>
-      <a:lvl8pPr marL="3200400" algn="l" defTabSz="914400" rtl="0" eaLnBrk="1" latinLnBrk="0" hangingPunct="1">
+      <a:lvl8pPr marL="3200400" algn="l" defTabSz="457200" rtl="0" eaLnBrk="1" latinLnBrk="0" hangingPunct="1">
         <a:defRPr sz="1800" kern="1200">
           <a:solidFill>
             <a:schemeClr val="tx1"/>
@@ -2933,7 +5810,7 @@
           <a:cs typeface="+mn-cs"/>
         </a:defRPr>
       </a:lvl8pPr>
-      <a:lvl9pPr marL="3657600" algn="l" defTabSz="914400" rtl="0" eaLnBrk="1" latinLnBrk="0" hangingPunct="1">
+      <a:lvl9pPr marL="3657600" algn="l" defTabSz="457200" rtl="0" eaLnBrk="1" latinLnBrk="0" hangingPunct="1">
         <a:defRPr sz="1800" kern="1200">
           <a:solidFill>
             <a:schemeClr val="tx1"/>
@@ -2967,24 +5844,693 @@
       </p:grpSpPr>
       <p:sp>
         <p:nvSpPr>
-          <p:cNvPr id="3" name="Subtitle 2"/>
-          <p:cNvSpPr>
-            <a:spLocks noGrp="1"/>
-          </p:cNvSpPr>
-          <p:nvPr>
-            <p:ph type="subTitle" idx="1"/>
+          <p:cNvPr id="3" name="Content Placeholder 2"/>
+          <p:cNvSpPr>
+            <a:spLocks noGrp="1"/>
+          </p:cNvSpPr>
+          <p:nvPr>
+            <p:ph idx="1"/>
           </p:nvPr>
         </p:nvSpPr>
         <p:spPr>
           <a:xfrm>
-            <a:off x="1524000" y="232756"/>
-            <a:ext cx="9144000" cy="6309360"/>
+            <a:off x="677334" y="547920"/>
+            <a:ext cx="8533168" cy="4533408"/>
           </a:xfrm>
         </p:spPr>
         <p:txBody>
           <a:bodyPr/>
           <a:lstStyle/>
           <a:p>
+            <a:pPr marL="0" indent="0">
+              <a:buNone/>
+            </a:pPr>
+            <a:r>
+              <a:rPr lang="en-GB" dirty="0">
+                <a:solidFill>
+                  <a:srgbClr val="0070C0"/>
+                </a:solidFill>
+              </a:rPr>
+              <a:t>React </a:t>
+            </a:r>
+            <a:r>
+              <a:rPr lang="en-GB" dirty="0" err="1">
+                <a:solidFill>
+                  <a:srgbClr val="0070C0"/>
+                </a:solidFill>
+              </a:rPr>
+              <a:t>Monorepo</a:t>
+            </a:r>
+            <a:r>
+              <a:rPr lang="en-GB" dirty="0">
+                <a:solidFill>
+                  <a:srgbClr val="0070C0"/>
+                </a:solidFill>
+              </a:rPr>
+              <a:t>: Real World App </a:t>
+            </a:r>
+            <a:r>
+              <a:rPr lang="en-GB" dirty="0" smtClean="0">
+                <a:solidFill>
+                  <a:srgbClr val="0070C0"/>
+                </a:solidFill>
+              </a:rPr>
+              <a:t>with </a:t>
+            </a:r>
+            <a:r>
+              <a:rPr lang="en-GB" dirty="0">
+                <a:solidFill>
+                  <a:srgbClr val="0070C0"/>
+                </a:solidFill>
+              </a:rPr>
+              <a:t>Fluent UI, </a:t>
+            </a:r>
+            <a:r>
+              <a:rPr lang="en-GB" dirty="0" err="1">
+                <a:solidFill>
+                  <a:srgbClr val="0070C0"/>
+                </a:solidFill>
+              </a:rPr>
+              <a:t>MobX</a:t>
+            </a:r>
+            <a:r>
+              <a:rPr lang="en-GB" dirty="0">
+                <a:solidFill>
+                  <a:srgbClr val="0070C0"/>
+                </a:solidFill>
+              </a:rPr>
+              <a:t> &amp; </a:t>
+            </a:r>
+            <a:r>
+              <a:rPr lang="en-GB" dirty="0" smtClean="0">
+                <a:solidFill>
+                  <a:srgbClr val="0070C0"/>
+                </a:solidFill>
+              </a:rPr>
+              <a:t>More</a:t>
+            </a:r>
+          </a:p>
+          <a:p>
+            <a:pPr marL="0" indent="0">
+              <a:buNone/>
+            </a:pPr>
+            <a:endParaRPr lang="en-US" dirty="0">
+              <a:solidFill>
+                <a:srgbClr val="0070C0"/>
+              </a:solidFill>
+            </a:endParaRPr>
+          </a:p>
+          <a:p>
+            <a:pPr marL="0" indent="0">
+              <a:buNone/>
+            </a:pPr>
+            <a:endParaRPr lang="en-GB" dirty="0">
+              <a:solidFill>
+                <a:srgbClr val="0070C0"/>
+              </a:solidFill>
+            </a:endParaRPr>
+          </a:p>
+        </p:txBody>
+      </p:sp>
+      <p:pic>
+        <p:nvPicPr>
+          <p:cNvPr id="4" name="Picture 3"/>
+          <p:cNvPicPr>
+            <a:picLocks noChangeAspect="1"/>
+          </p:cNvPicPr>
+          <p:nvPr/>
+        </p:nvPicPr>
+        <p:blipFill>
+          <a:blip r:embed="rId2">
+            <a:extLst>
+              <a:ext uri="{28A0092B-C50C-407E-A947-70E740481C1C}">
+                <a14:useLocalDpi xmlns:a14="http://schemas.microsoft.com/office/drawing/2010/main" val="0"/>
+              </a:ext>
+            </a:extLst>
+          </a:blip>
+          <a:stretch>
+            <a:fillRect/>
+          </a:stretch>
+        </p:blipFill>
+        <p:spPr>
+          <a:xfrm>
+            <a:off x="785398" y="1061778"/>
+            <a:ext cx="7181850" cy="4019550"/>
+          </a:xfrm>
+          <a:prstGeom prst="rect">
+            <a:avLst/>
+          </a:prstGeom>
+        </p:spPr>
+      </p:pic>
+    </p:spTree>
+    <p:extLst>
+      <p:ext uri="{BB962C8B-B14F-4D97-AF65-F5344CB8AC3E}">
+        <p14:creationId xmlns:p14="http://schemas.microsoft.com/office/powerpoint/2010/main" val="3417801557"/>
+      </p:ext>
+    </p:extLst>
+  </p:cSld>
+  <p:clrMapOvr>
+    <a:masterClrMapping/>
+  </p:clrMapOvr>
+  <p:timing>
+    <p:tnLst>
+      <p:par>
+        <p:cTn id="1" dur="indefinite" restart="never" nodeType="tmRoot"/>
+      </p:par>
+    </p:tnLst>
+  </p:timing>
+</p:sld>
+</file>
+
+<file path=ppt/slides/slide2.xml><?xml version="1.0" encoding="utf-8"?>
+<p:sld xmlns:a="http://schemas.openxmlformats.org/drawingml/2006/main" xmlns:r="http://schemas.openxmlformats.org/officeDocument/2006/relationships" xmlns:p="http://schemas.openxmlformats.org/presentationml/2006/main">
+  <p:cSld>
+    <p:spTree>
+      <p:nvGrpSpPr>
+        <p:cNvPr id="1" name=""/>
+        <p:cNvGrpSpPr/>
+        <p:nvPr/>
+      </p:nvGrpSpPr>
+      <p:grpSpPr>
+        <a:xfrm>
+          <a:off x="0" y="0"/>
+          <a:ext cx="0" cy="0"/>
+          <a:chOff x="0" y="0"/>
+          <a:chExt cx="0" cy="0"/>
+        </a:xfrm>
+      </p:grpSpPr>
+      <p:sp>
+        <p:nvSpPr>
+          <p:cNvPr id="3" name="Content Placeholder 2"/>
+          <p:cNvSpPr>
+            <a:spLocks noGrp="1"/>
+          </p:cNvSpPr>
+          <p:nvPr>
+            <p:ph idx="1"/>
+          </p:nvPr>
+        </p:nvSpPr>
+        <p:spPr>
+          <a:xfrm>
+            <a:off x="838200" y="141316"/>
+            <a:ext cx="10515600" cy="6583680"/>
+          </a:xfrm>
+        </p:spPr>
+        <p:txBody>
+          <a:bodyPr/>
+          <a:lstStyle/>
+          <a:p>
+            <a:pPr marL="0" indent="0">
+              <a:buNone/>
+            </a:pPr>
+            <a:r>
+              <a:rPr lang="en-GB" dirty="0">
+                <a:solidFill>
+                  <a:srgbClr val="0070C0"/>
+                </a:solidFill>
+              </a:rPr>
+              <a:t>In this tutorial, we will cover the following topics</a:t>
+            </a:r>
+            <a:r>
+              <a:rPr lang="en-US" dirty="0" smtClean="0">
+                <a:solidFill>
+                  <a:srgbClr val="0070C0"/>
+                </a:solidFill>
+              </a:rPr>
+              <a:t>:</a:t>
+            </a:r>
+            <a:endParaRPr lang="en-GB" dirty="0" smtClean="0">
+              <a:solidFill>
+                <a:srgbClr val="0070C0"/>
+              </a:solidFill>
+            </a:endParaRPr>
+          </a:p>
+          <a:p>
+            <a:pPr marL="514350" indent="-514350">
+              <a:buFont typeface="+mj-lt"/>
+              <a:buAutoNum type="arabicPeriod"/>
+            </a:pPr>
+            <a:r>
+              <a:rPr lang="en-GB" dirty="0" smtClean="0"/>
+              <a:t>Setting </a:t>
+            </a:r>
+            <a:r>
+              <a:rPr lang="en-GB" dirty="0"/>
+              <a:t>up the project </a:t>
+            </a:r>
+            <a:r>
+              <a:rPr lang="en-GB" dirty="0" smtClean="0"/>
+              <a:t>environment.</a:t>
+            </a:r>
+            <a:endParaRPr lang="en-GB" dirty="0"/>
+          </a:p>
+          <a:p>
+            <a:pPr marL="514350" indent="-514350">
+              <a:buFont typeface="+mj-lt"/>
+              <a:buAutoNum type="arabicPeriod"/>
+            </a:pPr>
+            <a:r>
+              <a:rPr lang="en-GB" dirty="0"/>
+              <a:t>Exploring the features of the Task Manager application, including</a:t>
+            </a:r>
+            <a:r>
+              <a:rPr lang="en-GB" dirty="0" smtClean="0"/>
+              <a:t>:</a:t>
+            </a:r>
+            <a:endParaRPr lang="en-GB" dirty="0"/>
+          </a:p>
+          <a:p>
+            <a:pPr lvl="1"/>
+            <a:r>
+              <a:rPr lang="en-GB" dirty="0"/>
+              <a:t>Task listing</a:t>
+            </a:r>
+          </a:p>
+          <a:p>
+            <a:pPr lvl="1"/>
+            <a:r>
+              <a:rPr lang="en-GB" dirty="0"/>
+              <a:t>Task creation</a:t>
+            </a:r>
+          </a:p>
+          <a:p>
+            <a:pPr lvl="1"/>
+            <a:r>
+              <a:rPr lang="en-GB" dirty="0"/>
+              <a:t>Task editing</a:t>
+            </a:r>
+          </a:p>
+          <a:p>
+            <a:pPr lvl="1"/>
+            <a:r>
+              <a:rPr lang="en-GB" dirty="0"/>
+              <a:t>Task deletion</a:t>
+            </a:r>
+          </a:p>
+          <a:p>
+            <a:pPr marL="514350" indent="-514350">
+              <a:buFont typeface="+mj-lt"/>
+              <a:buAutoNum type="arabicPeriod"/>
+            </a:pPr>
+            <a:r>
+              <a:rPr lang="en-GB" dirty="0"/>
+              <a:t>Managing state effectively with </a:t>
+            </a:r>
+            <a:r>
+              <a:rPr lang="en-GB" dirty="0" err="1" smtClean="0"/>
+              <a:t>MobX</a:t>
+            </a:r>
+            <a:r>
+              <a:rPr lang="en-GB" dirty="0" smtClean="0"/>
+              <a:t>.</a:t>
+            </a:r>
+            <a:endParaRPr lang="en-GB" dirty="0"/>
+          </a:p>
+          <a:p>
+            <a:pPr marL="514350" indent="-514350">
+              <a:buFont typeface="+mj-lt"/>
+              <a:buAutoNum type="arabicPeriod"/>
+            </a:pPr>
+            <a:r>
+              <a:rPr lang="en-GB" dirty="0"/>
+              <a:t>Integrating Fluent UI to create a polished user </a:t>
+            </a:r>
+            <a:r>
+              <a:rPr lang="en-GB" dirty="0" smtClean="0"/>
+              <a:t>interface.</a:t>
+            </a:r>
+          </a:p>
+          <a:p>
+            <a:pPr marL="514350" indent="-514350">
+              <a:buFont typeface="+mj-lt"/>
+              <a:buAutoNum type="arabicPeriod"/>
+            </a:pPr>
+            <a:r>
+              <a:rPr lang="en-GB" dirty="0"/>
+              <a:t>Implementing end-to-end and unit testing using Cypress and </a:t>
+            </a:r>
+            <a:r>
+              <a:rPr lang="en-GB" dirty="0" err="1" smtClean="0"/>
+              <a:t>Vitest</a:t>
+            </a:r>
+            <a:r>
+              <a:rPr lang="en-GB" dirty="0" smtClean="0"/>
+              <a:t>.</a:t>
+            </a:r>
+          </a:p>
+          <a:p>
+            <a:pPr marL="514350" indent="-514350">
+              <a:buFont typeface="+mj-lt"/>
+              <a:buAutoNum type="arabicPeriod"/>
+            </a:pPr>
+            <a:r>
+              <a:rPr lang="en-GB" dirty="0"/>
+              <a:t>Deployment of the application using </a:t>
+            </a:r>
+            <a:r>
+              <a:rPr lang="en-GB" dirty="0" err="1"/>
+              <a:t>Vite</a:t>
+            </a:r>
+            <a:r>
+              <a:rPr lang="en-GB" dirty="0"/>
+              <a:t>.</a:t>
+            </a:r>
+          </a:p>
+          <a:p>
+            <a:pPr marL="514350" indent="-514350">
+              <a:buFont typeface="+mj-lt"/>
+              <a:buAutoNum type="arabicPeriod"/>
+            </a:pPr>
+            <a:endParaRPr lang="en-GB" dirty="0"/>
+          </a:p>
+        </p:txBody>
+      </p:sp>
+    </p:spTree>
+    <p:extLst>
+      <p:ext uri="{BB962C8B-B14F-4D97-AF65-F5344CB8AC3E}">
+        <p14:creationId xmlns:p14="http://schemas.microsoft.com/office/powerpoint/2010/main" val="2821434524"/>
+      </p:ext>
+    </p:extLst>
+  </p:cSld>
+  <p:clrMapOvr>
+    <a:masterClrMapping/>
+  </p:clrMapOvr>
+  <p:timing>
+    <p:tnLst>
+      <p:par>
+        <p:cTn id="1" dur="indefinite" restart="never" nodeType="tmRoot"/>
+      </p:par>
+    </p:tnLst>
+  </p:timing>
+</p:sld>
+</file>
+
+<file path=ppt/slides/slide3.xml><?xml version="1.0" encoding="utf-8"?>
+<p:sld xmlns:a="http://schemas.openxmlformats.org/drawingml/2006/main" xmlns:r="http://schemas.openxmlformats.org/officeDocument/2006/relationships" xmlns:p="http://schemas.openxmlformats.org/presentationml/2006/main">
+  <p:cSld>
+    <p:spTree>
+      <p:nvGrpSpPr>
+        <p:cNvPr id="1" name=""/>
+        <p:cNvGrpSpPr/>
+        <p:nvPr/>
+      </p:nvGrpSpPr>
+      <p:grpSpPr>
+        <a:xfrm>
+          <a:off x="0" y="0"/>
+          <a:ext cx="0" cy="0"/>
+          <a:chOff x="0" y="0"/>
+          <a:chExt cx="0" cy="0"/>
+        </a:xfrm>
+      </p:grpSpPr>
+      <p:sp>
+        <p:nvSpPr>
+          <p:cNvPr id="3" name="Content Placeholder 2"/>
+          <p:cNvSpPr>
+            <a:spLocks noGrp="1"/>
+          </p:cNvSpPr>
+          <p:nvPr>
+            <p:ph idx="1"/>
+          </p:nvPr>
+        </p:nvSpPr>
+        <p:spPr>
+          <a:xfrm>
+            <a:off x="677334" y="631048"/>
+            <a:ext cx="8596668" cy="6010821"/>
+          </a:xfrm>
+        </p:spPr>
+        <p:txBody>
+          <a:bodyPr>
+            <a:noAutofit/>
+          </a:bodyPr>
+          <a:lstStyle/>
+          <a:p>
+            <a:pPr marL="0" indent="0">
+              <a:buNone/>
+            </a:pPr>
+            <a:r>
+              <a:rPr lang="en-GB" dirty="0" smtClean="0">
+                <a:solidFill>
+                  <a:srgbClr val="0070C0"/>
+                </a:solidFill>
+              </a:rPr>
+              <a:t>Directory Structure</a:t>
+            </a:r>
+            <a:endParaRPr lang="en-GB" sz="1600" dirty="0" smtClean="0">
+              <a:solidFill>
+                <a:srgbClr val="0070C0"/>
+              </a:solidFill>
+            </a:endParaRPr>
+          </a:p>
+          <a:p>
+            <a:pPr marL="0" indent="0">
+              <a:buNone/>
+            </a:pPr>
+            <a:r>
+              <a:rPr lang="en-GB" sz="1600" dirty="0" smtClean="0"/>
+              <a:t>└─ react-</a:t>
+            </a:r>
+            <a:r>
+              <a:rPr lang="en-GB" sz="1600" dirty="0" err="1" smtClean="0"/>
+              <a:t>monorepo</a:t>
+            </a:r>
+            <a:endParaRPr lang="en-GB" sz="1600" dirty="0"/>
+          </a:p>
+          <a:p>
+            <a:pPr marL="0" indent="0">
+              <a:buNone/>
+            </a:pPr>
+            <a:r>
+              <a:rPr lang="en-GB" sz="1600" dirty="0"/>
+              <a:t>   ├─ ...</a:t>
+            </a:r>
+          </a:p>
+          <a:p>
+            <a:pPr marL="0" indent="0">
+              <a:buNone/>
+            </a:pPr>
+            <a:r>
+              <a:rPr lang="en-GB" sz="1600" dirty="0"/>
+              <a:t>   ├─ apps</a:t>
+            </a:r>
+          </a:p>
+          <a:p>
+            <a:pPr marL="0" indent="0">
+              <a:buNone/>
+            </a:pPr>
+            <a:r>
+              <a:rPr lang="en-GB" sz="1600" dirty="0"/>
+              <a:t>   ├─ libs</a:t>
+            </a:r>
+          </a:p>
+          <a:p>
+            <a:pPr marL="0" indent="0">
+              <a:buNone/>
+            </a:pPr>
+            <a:r>
+              <a:rPr lang="en-GB" sz="1600" dirty="0"/>
+              <a:t>   │  ├─ </a:t>
+            </a:r>
+            <a:r>
+              <a:rPr lang="en-GB" sz="1600" dirty="0" smtClean="0"/>
+              <a:t>task-manager</a:t>
+            </a:r>
+            <a:endParaRPr lang="en-GB" sz="1600" dirty="0"/>
+          </a:p>
+          <a:p>
+            <a:pPr marL="0" indent="0">
+              <a:buNone/>
+            </a:pPr>
+            <a:r>
+              <a:rPr lang="en-GB" sz="1600" dirty="0"/>
+              <a:t>   │  │  ├─ </a:t>
+            </a:r>
+            <a:r>
+              <a:rPr lang="en-GB" sz="1600" dirty="0" smtClean="0"/>
+              <a:t>components</a:t>
+            </a:r>
+          </a:p>
+          <a:p>
+            <a:pPr marL="0" indent="0">
+              <a:buNone/>
+            </a:pPr>
+            <a:r>
+              <a:rPr lang="en-GB" sz="1600" dirty="0" smtClean="0"/>
+              <a:t>   │  </a:t>
+            </a:r>
+            <a:r>
+              <a:rPr lang="en-GB" sz="1600" dirty="0"/>
+              <a:t>│ </a:t>
+            </a:r>
+            <a:r>
+              <a:rPr lang="en-GB" sz="1600" dirty="0" smtClean="0"/>
+              <a:t> │ ├─ </a:t>
+            </a:r>
+            <a:r>
+              <a:rPr lang="en-GB" sz="1600" dirty="0"/>
+              <a:t>...</a:t>
+            </a:r>
+          </a:p>
+          <a:p>
+            <a:pPr marL="0" indent="0">
+              <a:buNone/>
+            </a:pPr>
+            <a:r>
+              <a:rPr lang="en-GB" sz="1600" dirty="0"/>
+              <a:t>   │  │  ├─ </a:t>
+            </a:r>
+            <a:r>
+              <a:rPr lang="en-GB" sz="1600" dirty="0" smtClean="0"/>
+              <a:t>core</a:t>
+            </a:r>
+          </a:p>
+          <a:p>
+            <a:pPr marL="0" indent="0">
+              <a:buNone/>
+            </a:pPr>
+            <a:r>
+              <a:rPr lang="en-GB" sz="1600" dirty="0" smtClean="0"/>
+              <a:t>   │  </a:t>
+            </a:r>
+            <a:r>
+              <a:rPr lang="en-GB" sz="1600" dirty="0"/>
+              <a:t>│  │ ├─ ...</a:t>
+            </a:r>
+          </a:p>
+          <a:p>
+            <a:pPr marL="0" indent="0">
+              <a:buNone/>
+            </a:pPr>
+            <a:r>
+              <a:rPr lang="en-GB" sz="1600" dirty="0"/>
+              <a:t>   │  │  ├─ </a:t>
+            </a:r>
+            <a:r>
+              <a:rPr lang="en-GB" sz="1600" dirty="0" smtClean="0"/>
+              <a:t>models</a:t>
+            </a:r>
+          </a:p>
+          <a:p>
+            <a:pPr marL="0" indent="0">
+              <a:buNone/>
+            </a:pPr>
+            <a:r>
+              <a:rPr lang="en-GB" sz="1600" dirty="0" smtClean="0"/>
+              <a:t>   │  </a:t>
+            </a:r>
+            <a:r>
+              <a:rPr lang="en-GB" sz="1600" dirty="0"/>
+              <a:t>│  │ ├─ </a:t>
+            </a:r>
+            <a:r>
+              <a:rPr lang="en-GB" sz="1600" dirty="0" smtClean="0"/>
+              <a:t>...</a:t>
+            </a:r>
+            <a:endParaRPr lang="en-GB" sz="1600" dirty="0"/>
+          </a:p>
+          <a:p>
+            <a:pPr marL="0" indent="0">
+              <a:buNone/>
+            </a:pPr>
+            <a:r>
+              <a:rPr lang="en-GB" sz="1600" dirty="0"/>
+              <a:t>   │  └─ shared</a:t>
+            </a:r>
+          </a:p>
+          <a:p>
+            <a:pPr marL="0" indent="0">
+              <a:buNone/>
+            </a:pPr>
+            <a:r>
+              <a:rPr lang="en-GB" sz="1600" dirty="0"/>
+              <a:t>   │     └─ </a:t>
+            </a:r>
+            <a:r>
+              <a:rPr lang="en-GB" sz="1600" dirty="0" err="1"/>
+              <a:t>ui</a:t>
+            </a:r>
+            <a:endParaRPr lang="en-GB" sz="1600" dirty="0"/>
+          </a:p>
+          <a:p>
+            <a:pPr marL="0" indent="0">
+              <a:buNone/>
+            </a:pPr>
+            <a:r>
+              <a:rPr lang="en-GB" sz="1600" dirty="0"/>
+              <a:t>   │        ├─ </a:t>
+            </a:r>
+            <a:r>
+              <a:rPr lang="en-GB" sz="1600" dirty="0" smtClean="0"/>
+              <a:t>...</a:t>
+            </a:r>
+            <a:endParaRPr lang="en-GB" sz="1600" dirty="0"/>
+          </a:p>
+          <a:p>
+            <a:pPr marL="0" indent="0">
+              <a:buNone/>
+            </a:pPr>
+            <a:r>
+              <a:rPr lang="en-GB" sz="1600" dirty="0"/>
+              <a:t>   ├─ ...</a:t>
+            </a:r>
+          </a:p>
+          <a:p>
+            <a:pPr marL="0" indent="0">
+              <a:buNone/>
+            </a:pPr>
+            <a:endParaRPr lang="en-GB" sz="1600" dirty="0"/>
+          </a:p>
+        </p:txBody>
+      </p:sp>
+    </p:spTree>
+    <p:extLst>
+      <p:ext uri="{BB962C8B-B14F-4D97-AF65-F5344CB8AC3E}">
+        <p14:creationId xmlns:p14="http://schemas.microsoft.com/office/powerpoint/2010/main" val="3512997191"/>
+      </p:ext>
+    </p:extLst>
+  </p:cSld>
+  <p:clrMapOvr>
+    <a:masterClrMapping/>
+  </p:clrMapOvr>
+</p:sld>
+</file>
+
+<file path=ppt/slides/slide4.xml><?xml version="1.0" encoding="utf-8"?>
+<p:sld xmlns:a="http://schemas.openxmlformats.org/drawingml/2006/main" xmlns:r="http://schemas.openxmlformats.org/officeDocument/2006/relationships" xmlns:p="http://schemas.openxmlformats.org/presentationml/2006/main">
+  <p:cSld>
+    <p:spTree>
+      <p:nvGrpSpPr>
+        <p:cNvPr id="1" name=""/>
+        <p:cNvGrpSpPr/>
+        <p:nvPr/>
+      </p:nvGrpSpPr>
+      <p:grpSpPr>
+        <a:xfrm>
+          <a:off x="0" y="0"/>
+          <a:ext cx="0" cy="0"/>
+          <a:chOff x="0" y="0"/>
+          <a:chExt cx="0" cy="0"/>
+        </a:xfrm>
+      </p:grpSpPr>
+      <p:sp>
+        <p:nvSpPr>
+          <p:cNvPr id="3" name="Subtitle 2"/>
+          <p:cNvSpPr>
+            <a:spLocks noGrp="1"/>
+          </p:cNvSpPr>
+          <p:nvPr>
+            <p:ph type="subTitle" idx="1"/>
+          </p:nvPr>
+        </p:nvSpPr>
+        <p:spPr>
+          <a:xfrm>
+            <a:off x="1487978" y="224444"/>
+            <a:ext cx="5805055" cy="6317672"/>
+          </a:xfrm>
+        </p:spPr>
+        <p:txBody>
+          <a:bodyPr/>
+          <a:lstStyle/>
+          <a:p>
+            <a:pPr algn="l"/>
             <a:r>
               <a:rPr lang="en-GB" sz="2000" dirty="0" smtClean="0">
                 <a:solidFill>
@@ -3023,7 +6569,7 @@
         </p:blipFill>
         <p:spPr>
           <a:xfrm>
-            <a:off x="4328060" y="723987"/>
+            <a:off x="3189215" y="723987"/>
             <a:ext cx="3535879" cy="5818129"/>
           </a:xfrm>
           <a:prstGeom prst="rect">
@@ -3044,203 +6590,10 @@
 </p:sld>
 </file>
 
-<file path=ppt/slides/slide2.xml><?xml version="1.0" encoding="utf-8"?>
-<p:sld xmlns:a="http://schemas.openxmlformats.org/drawingml/2006/main" xmlns:r="http://schemas.openxmlformats.org/officeDocument/2006/relationships" xmlns:p="http://schemas.openxmlformats.org/presentationml/2006/main">
-  <p:cSld>
-    <p:spTree>
-      <p:nvGrpSpPr>
-        <p:cNvPr id="1" name=""/>
-        <p:cNvGrpSpPr/>
-        <p:nvPr/>
-      </p:nvGrpSpPr>
-      <p:grpSpPr>
-        <a:xfrm>
-          <a:off x="0" y="0"/>
-          <a:ext cx="0" cy="0"/>
-          <a:chOff x="0" y="0"/>
-          <a:chExt cx="0" cy="0"/>
-        </a:xfrm>
-      </p:grpSpPr>
-      <p:sp>
-        <p:nvSpPr>
-          <p:cNvPr id="3" name="Content Placeholder 2"/>
-          <p:cNvSpPr>
-            <a:spLocks noGrp="1"/>
-          </p:cNvSpPr>
-          <p:nvPr>
-            <p:ph idx="1"/>
-          </p:nvPr>
-        </p:nvSpPr>
-        <p:spPr>
-          <a:xfrm>
-            <a:off x="838200" y="141316"/>
-            <a:ext cx="10515600" cy="6583680"/>
-          </a:xfrm>
-        </p:spPr>
-        <p:txBody>
-          <a:bodyPr/>
-          <a:lstStyle/>
-          <a:p>
-            <a:r>
-              <a:rPr lang="en-GB" dirty="0"/>
-              <a:t>└─ react-</a:t>
-            </a:r>
-            <a:r>
-              <a:rPr lang="en-GB" dirty="0" err="1"/>
-              <a:t>monorepo</a:t>
-            </a:r>
-            <a:r>
-              <a:rPr lang="en-GB" dirty="0"/>
-              <a:t> 2 ├─ ... 3 ├─ apps 4 ├─ libs 5 │ ├─ products 6 │ │ ├─ ... 7 │ │ ├─ </a:t>
-            </a:r>
-            <a:r>
-              <a:rPr lang="en-GB" dirty="0" err="1"/>
-              <a:t>project.json</a:t>
-            </a:r>
-            <a:r>
-              <a:rPr lang="en-GB" dirty="0"/>
-              <a:t> 8 │ │ ├─ </a:t>
-            </a:r>
-            <a:r>
-              <a:rPr lang="en-GB" dirty="0" err="1"/>
-              <a:t>src</a:t>
-            </a:r>
-            <a:r>
-              <a:rPr lang="en-GB" dirty="0"/>
-              <a:t> 9 │ │ │ ├─ </a:t>
-            </a:r>
-            <a:r>
-              <a:rPr lang="en-GB" dirty="0" err="1"/>
-              <a:t>index.ts</a:t>
-            </a:r>
-            <a:r>
-              <a:rPr lang="en-GB" dirty="0"/>
-              <a:t> 10 │ │ │ └─ lib 11 │ │ │ ├─ </a:t>
-            </a:r>
-            <a:r>
-              <a:rPr lang="en-GB" dirty="0" err="1"/>
-              <a:t>products.spec.ts</a:t>
-            </a:r>
-            <a:r>
-              <a:rPr lang="en-GB" dirty="0"/>
-              <a:t> 12 │ │ │ └─ </a:t>
-            </a:r>
-            <a:r>
-              <a:rPr lang="en-GB" dirty="0" err="1"/>
-              <a:t>products.ts</a:t>
-            </a:r>
-            <a:r>
-              <a:rPr lang="en-GB" dirty="0"/>
-              <a:t> 13 │ │ ├─ </a:t>
-            </a:r>
-            <a:r>
-              <a:rPr lang="en-GB" dirty="0" err="1"/>
-              <a:t>tsconfig.json</a:t>
-            </a:r>
-            <a:r>
-              <a:rPr lang="en-GB" dirty="0"/>
-              <a:t> 14 │ │ ├─ </a:t>
-            </a:r>
-            <a:r>
-              <a:rPr lang="en-GB" dirty="0" err="1"/>
-              <a:t>tsconfig.lib.json</a:t>
-            </a:r>
-            <a:r>
-              <a:rPr lang="en-GB" dirty="0"/>
-              <a:t> 15 │ │ ├─ </a:t>
-            </a:r>
-            <a:r>
-              <a:rPr lang="en-GB" dirty="0" err="1"/>
-              <a:t>tsconfig.spec.json</a:t>
-            </a:r>
-            <a:r>
-              <a:rPr lang="en-GB" dirty="0"/>
-              <a:t> 16 │ │ └─ </a:t>
-            </a:r>
-            <a:r>
-              <a:rPr lang="en-GB" dirty="0" err="1"/>
-              <a:t>vite.config.ts</a:t>
-            </a:r>
-            <a:r>
-              <a:rPr lang="en-GB" dirty="0"/>
-              <a:t> 17 │ ├─ orders 18 │ │ ├─ ... 19 │ │ ├─ </a:t>
-            </a:r>
-            <a:r>
-              <a:rPr lang="en-GB" dirty="0" err="1"/>
-              <a:t>project.json</a:t>
-            </a:r>
-            <a:r>
-              <a:rPr lang="en-GB" dirty="0"/>
-              <a:t> 20 │ │ ├─ </a:t>
-            </a:r>
-            <a:r>
-              <a:rPr lang="en-GB" dirty="0" err="1"/>
-              <a:t>src</a:t>
-            </a:r>
-            <a:r>
-              <a:rPr lang="en-GB" dirty="0"/>
-              <a:t> 21 │ │ │ ├─ </a:t>
-            </a:r>
-            <a:r>
-              <a:rPr lang="en-GB" dirty="0" err="1"/>
-              <a:t>index.ts</a:t>
-            </a:r>
-            <a:r>
-              <a:rPr lang="en-GB" dirty="0"/>
-              <a:t> 22 │ │ │ └─ ... 23 │ │ └─ ... 24 │ └─ shared 25 │ └─ </a:t>
-            </a:r>
-            <a:r>
-              <a:rPr lang="en-GB" dirty="0" err="1"/>
-              <a:t>ui</a:t>
-            </a:r>
-            <a:r>
-              <a:rPr lang="en-GB" dirty="0"/>
-              <a:t> 26 │ ├─ ... 27 │ ├─ </a:t>
-            </a:r>
-            <a:r>
-              <a:rPr lang="en-GB" dirty="0" err="1"/>
-              <a:t>project.json</a:t>
-            </a:r>
-            <a:r>
-              <a:rPr lang="en-GB" dirty="0"/>
-              <a:t> 28 │ ├─ </a:t>
-            </a:r>
-            <a:r>
-              <a:rPr lang="en-GB" dirty="0" err="1"/>
-              <a:t>src</a:t>
-            </a:r>
-            <a:r>
-              <a:rPr lang="en-GB" dirty="0"/>
-              <a:t> 29 │ │ ├─ </a:t>
-            </a:r>
-            <a:r>
-              <a:rPr lang="en-GB" dirty="0" err="1"/>
-              <a:t>index.ts</a:t>
-            </a:r>
-            <a:r>
-              <a:rPr lang="en-GB" dirty="0"/>
-              <a:t> 30 │ │ └─ ... 31 │ └─ ... 32 ├─ ...</a:t>
-            </a:r>
-          </a:p>
-        </p:txBody>
-      </p:sp>
-    </p:spTree>
-    <p:extLst>
-      <p:ext uri="{BB962C8B-B14F-4D97-AF65-F5344CB8AC3E}">
-        <p14:creationId xmlns:p14="http://schemas.microsoft.com/office/powerpoint/2010/main" val="2821434524"/>
-      </p:ext>
-    </p:extLst>
-  </p:cSld>
-  <p:clrMapOvr>
-    <a:masterClrMapping/>
-  </p:clrMapOvr>
-</p:sld>
-</file>
-
 <file path=ppt/theme/theme1.xml><?xml version="1.0" encoding="utf-8"?>
-<a:theme xmlns:a="http://schemas.openxmlformats.org/drawingml/2006/main" name="Office Theme">
+<a:theme xmlns:a="http://schemas.openxmlformats.org/drawingml/2006/main" name="Facet">
   <a:themeElements>
-    <a:clrScheme name="Office">
+    <a:clrScheme name="Facet">
       <a:dk1>
         <a:sysClr val="windowText" lastClr="000000"/>
       </a:dk1>
@@ -3248,52 +6601,52 @@
         <a:sysClr val="window" lastClr="FFFFFF"/>
       </a:lt1>
       <a:dk2>
-        <a:srgbClr val="44546A"/>
+        <a:srgbClr val="2C3C43"/>
       </a:dk2>
       <a:lt2>
-        <a:srgbClr val="E7E6E6"/>
+        <a:srgbClr val="EBEBEB"/>
       </a:lt2>
       <a:accent1>
-        <a:srgbClr val="5B9BD5"/>
+        <a:srgbClr val="5FCBEF"/>
       </a:accent1>
       <a:accent2>
-        <a:srgbClr val="ED7D31"/>
+        <a:srgbClr val="2E83C3"/>
       </a:accent2>
       <a:accent3>
-        <a:srgbClr val="A5A5A5"/>
+        <a:srgbClr val="42D0A2"/>
       </a:accent3>
       <a:accent4>
-        <a:srgbClr val="FFC000"/>
+        <a:srgbClr val="2E946B"/>
       </a:accent4>
       <a:accent5>
-        <a:srgbClr val="4472C4"/>
+        <a:srgbClr val="42B051"/>
       </a:accent5>
       <a:accent6>
-        <a:srgbClr val="70AD47"/>
+        <a:srgbClr val="96D141"/>
       </a:accent6>
       <a:hlink>
-        <a:srgbClr val="0563C1"/>
+        <a:srgbClr val="3FCDE7"/>
       </a:hlink>
       <a:folHlink>
-        <a:srgbClr val="954F72"/>
+        <a:srgbClr val="A9D3E1"/>
       </a:folHlink>
     </a:clrScheme>
-    <a:fontScheme name="Office">
+    <a:fontScheme name="Facet">
       <a:majorFont>
-        <a:latin typeface="Calibri Light" panose="020F0302020204030204"/>
+        <a:latin typeface="Trebuchet MS" panose="020B0603020202020204"/>
         <a:ea typeface=""/>
         <a:cs typeface=""/>
-        <a:font script="Jpan" typeface="游ゴシック Light"/>
+        <a:font script="Jpan" typeface="メイリオ"/>
         <a:font script="Hang" typeface="맑은 고딕"/>
-        <a:font script="Hans" typeface="等线 Light"/>
-        <a:font script="Hant" typeface="新細明體"/>
-        <a:font script="Arab" typeface="Times New Roman"/>
-        <a:font script="Hebr" typeface="Times New Roman"/>
-        <a:font script="Thai" typeface="Angsana New"/>
+        <a:font script="Hans" typeface="方正姚体"/>
+        <a:font script="Hant" typeface="微軟正黑體"/>
+        <a:font script="Arab" typeface="Tahoma"/>
+        <a:font script="Hebr" typeface="Arial"/>
+        <a:font script="Thai" typeface="Cordia New"/>
         <a:font script="Ethi" typeface="Nyala"/>
         <a:font script="Beng" typeface="Vrinda"/>
         <a:font script="Gujr" typeface="Shruti"/>
-        <a:font script="Khmr" typeface="MoolBoran"/>
+        <a:font script="Khmr" typeface="DaunPenh"/>
         <a:font script="Knda" typeface="Tunga"/>
         <a:font script="Guru" typeface="Raavi"/>
         <a:font script="Cans" typeface="Euphemia"/>
@@ -3310,21 +6663,21 @@
         <a:font script="Laoo" typeface="DokChampa"/>
         <a:font script="Sinh" typeface="Iskoola Pota"/>
         <a:font script="Mong" typeface="Mongolian Baiti"/>
-        <a:font script="Viet" typeface="Times New Roman"/>
+        <a:font script="Viet" typeface="Tahoma"/>
         <a:font script="Uigh" typeface="Microsoft Uighur"/>
         <a:font script="Geor" typeface="Sylfaen"/>
       </a:majorFont>
       <a:minorFont>
-        <a:latin typeface="Calibri" panose="020F0502020204030204"/>
+        <a:latin typeface="Trebuchet MS" panose="020B0603020202020204"/>
         <a:ea typeface=""/>
         <a:cs typeface=""/>
-        <a:font script="Jpan" typeface="游ゴシック"/>
-        <a:font script="Hang" typeface="맑은 고딕"/>
-        <a:font script="Hans" typeface="等线"/>
-        <a:font script="Hant" typeface="新細明體"/>
-        <a:font script="Arab" typeface="Arial"/>
-        <a:font script="Hebr" typeface="Arial"/>
-        <a:font script="Thai" typeface="Cordia New"/>
+        <a:font script="Jpan" typeface="メイリオ"/>
+        <a:font script="Hang" typeface="HY그래픽M"/>
+        <a:font script="Hans" typeface="华文新魏"/>
+        <a:font script="Hant" typeface="微軟正黑體"/>
+        <a:font script="Arab" typeface="Tahoma"/>
+        <a:font script="Hebr" typeface="Gisha"/>
+        <a:font script="Thai" typeface="IrisUPC"/>
         <a:font script="Ethi" typeface="Nyala"/>
         <a:font script="Beng" typeface="Vrinda"/>
         <a:font script="Gujr" typeface="Shruti"/>
@@ -3350,7 +6703,7 @@
         <a:font script="Geor" typeface="Sylfaen"/>
       </a:minorFont>
     </a:fontScheme>
-    <a:fmtScheme name="Office">
+    <a:fmtScheme name="Facet">
       <a:fillStyleLst>
         <a:solidFill>
           <a:schemeClr val="phClr"/>
@@ -3359,23 +6712,13 @@
           <a:gsLst>
             <a:gs pos="0">
               <a:schemeClr val="phClr">
+                <a:tint val="65000"/>
                 <a:lumMod val="110000"/>
-                <a:satMod val="105000"/>
-                <a:tint val="67000"/>
               </a:schemeClr>
             </a:gs>
-            <a:gs pos="50000">
+            <a:gs pos="88000">
               <a:schemeClr val="phClr">
-                <a:lumMod val="105000"/>
-                <a:satMod val="103000"/>
-                <a:tint val="73000"/>
-              </a:schemeClr>
-            </a:gs>
-            <a:gs pos="100000">
-              <a:schemeClr val="phClr">
-                <a:lumMod val="105000"/>
-                <a:satMod val="109000"/>
-                <a:tint val="81000"/>
+                <a:tint val="90000"/>
               </a:schemeClr>
             </a:gs>
           </a:gsLst>
@@ -3385,23 +6728,14 @@
           <a:gsLst>
             <a:gs pos="0">
               <a:schemeClr val="phClr">
-                <a:satMod val="103000"/>
-                <a:lumMod val="102000"/>
-                <a:tint val="94000"/>
+                <a:tint val="96000"/>
+                <a:lumMod val="100000"/>
               </a:schemeClr>
             </a:gs>
-            <a:gs pos="50000">
+            <a:gs pos="78000">
               <a:schemeClr val="phClr">
-                <a:satMod val="110000"/>
-                <a:lumMod val="100000"/>
-                <a:shade val="100000"/>
-              </a:schemeClr>
-            </a:gs>
-            <a:gs pos="100000">
-              <a:schemeClr val="phClr">
-                <a:lumMod val="99000"/>
-                <a:satMod val="120000"/>
-                <a:shade val="78000"/>
+                <a:shade val="94000"/>
+                <a:lumMod val="94000"/>
               </a:schemeClr>
             </a:gs>
           </a:gsLst>
@@ -3409,26 +6743,23 @@
         </a:gradFill>
       </a:fillStyleLst>
       <a:lnStyleLst>
-        <a:ln w="6350" cap="flat" cmpd="sng" algn="ctr">
+        <a:ln w="12700" cap="rnd" cmpd="sng" algn="ctr">
           <a:solidFill>
             <a:schemeClr val="phClr"/>
           </a:solidFill>
           <a:prstDash val="solid"/>
-          <a:miter lim="800000"/>
         </a:ln>
-        <a:ln w="12700" cap="flat" cmpd="sng" algn="ctr">
+        <a:ln w="19050" cap="rnd" cmpd="sng" algn="ctr">
           <a:solidFill>
             <a:schemeClr val="phClr"/>
           </a:solidFill>
           <a:prstDash val="solid"/>
-          <a:miter lim="800000"/>
         </a:ln>
-        <a:ln w="19050" cap="flat" cmpd="sng" algn="ctr">
+        <a:ln w="25400" cap="rnd" cmpd="sng" algn="ctr">
           <a:solidFill>
             <a:schemeClr val="phClr"/>
           </a:solidFill>
           <a:prstDash val="solid"/>
-          <a:miter lim="800000"/>
         </a:ln>
       </a:lnStyleLst>
       <a:effectStyleLst>
@@ -3436,54 +6767,72 @@
           <a:effectLst/>
         </a:effectStyle>
         <a:effectStyle>
-          <a:effectLst/>
+          <a:effectLst>
+            <a:outerShdw blurRad="38100" dist="25400" dir="5400000" rotWithShape="0">
+              <a:srgbClr val="000000">
+                <a:alpha val="35000"/>
+              </a:srgbClr>
+            </a:outerShdw>
+          </a:effectLst>
         </a:effectStyle>
         <a:effectStyle>
           <a:effectLst>
-            <a:outerShdw blurRad="57150" dist="19050" dir="5400000" algn="ctr" rotWithShape="0">
+            <a:outerShdw blurRad="50800" dist="38100" dir="5400000" rotWithShape="0">
               <a:srgbClr val="000000">
-                <a:alpha val="63000"/>
+                <a:alpha val="35000"/>
               </a:srgbClr>
             </a:outerShdw>
           </a:effectLst>
+          <a:scene3d>
+            <a:camera prst="orthographicFront">
+              <a:rot lat="0" lon="0" rev="0"/>
+            </a:camera>
+            <a:lightRig rig="threePt" dir="tl"/>
+          </a:scene3d>
+          <a:sp3d prstMaterial="plastic">
+            <a:bevelT w="0" h="0"/>
+          </a:sp3d>
         </a:effectStyle>
       </a:effectStyleLst>
       <a:bgFillStyleLst>
         <a:solidFill>
           <a:schemeClr val="phClr"/>
         </a:solidFill>
-        <a:solidFill>
-          <a:schemeClr val="phClr">
-            <a:tint val="95000"/>
-            <a:satMod val="170000"/>
-          </a:schemeClr>
-        </a:solidFill>
         <a:gradFill rotWithShape="1">
           <a:gsLst>
             <a:gs pos="0">
               <a:schemeClr val="phClr">
-                <a:tint val="93000"/>
-                <a:satMod val="150000"/>
-                <a:shade val="98000"/>
-                <a:lumMod val="102000"/>
+                <a:tint val="90000"/>
+                <a:lumMod val="104000"/>
               </a:schemeClr>
             </a:gs>
-            <a:gs pos="50000">
+            <a:gs pos="94000">
               <a:schemeClr val="phClr">
-                <a:tint val="98000"/>
-                <a:satMod val="130000"/>
-                <a:shade val="90000"/>
-                <a:lumMod val="103000"/>
+                <a:shade val="96000"/>
+                <a:lumMod val="82000"/>
+              </a:schemeClr>
+            </a:gs>
+          </a:gsLst>
+          <a:lin ang="5400000" scaled="0"/>
+        </a:gradFill>
+        <a:gradFill rotWithShape="1">
+          <a:gsLst>
+            <a:gs pos="0">
+              <a:schemeClr val="phClr">
+                <a:tint val="90000"/>
+                <a:lumMod val="110000"/>
               </a:schemeClr>
             </a:gs>
             <a:gs pos="100000">
               <a:schemeClr val="phClr">
-                <a:shade val="63000"/>
-                <a:satMod val="120000"/>
+                <a:shade val="94000"/>
+                <a:lumMod val="96000"/>
               </a:schemeClr>
             </a:gs>
           </a:gsLst>
-          <a:lin ang="5400000" scaled="0"/>
+          <a:path path="circle">
+            <a:fillToRect l="50000" t="50000" r="100000" b="100000"/>
+          </a:path>
         </a:gradFill>
       </a:bgFillStyleLst>
     </a:fmtScheme>
@@ -3492,7 +6841,7 @@
   <a:extraClrSchemeLst/>
   <a:extLst>
     <a:ext uri="{05A4C25C-085E-4340-85A3-A5531E510DB2}">
-      <thm15:themeFamily xmlns:thm15="http://schemas.microsoft.com/office/thememl/2012/main" name="Office Theme" id="{62F939B6-93AF-4DB8-9C6B-D6C7DFDC589F}" vid="{4A3C46E8-61CC-4603-A589-7422A47A8E4A}"/>
+      <thm15:themeFamily xmlns:thm15="http://schemas.microsoft.com/office/thememl/2012/main" name="Facet" id="{C0C680CD-088A-49FC-A102-D699147F32B2}" vid="{0B5AB586-D108-4FC1-8368-649FE654B894}"/>
     </a:ext>
   </a:extLst>
 </a:theme>

--- a/docs/Task Manager Presentation.pptx
+++ b/docs/Task Manager Presentation.pptx
@@ -9,6 +9,7 @@
     <p:sldId id="257" r:id="rId3"/>
     <p:sldId id="258" r:id="rId4"/>
     <p:sldId id="256" r:id="rId5"/>
+    <p:sldId id="260" r:id="rId6"/>
   </p:sldIdLst>
   <p:sldSz cx="12192000" cy="6858000"/>
   <p:notesSz cx="6858000" cy="9144000"/>
@@ -860,7 +861,7 @@
           <a:p>
             <a:fld id="{D90DE563-696D-41CD-861B-DE0D58C3899E}" type="datetimeFigureOut">
               <a:rPr lang="en-GB" smtClean="0"/>
-              <a:t>07/04/2024</a:t>
+              <a:t>08/04/2024</a:t>
             </a:fld>
             <a:endParaRPr lang="en-GB"/>
           </a:p>
@@ -1111,7 +1112,7 @@
           <a:p>
             <a:fld id="{D90DE563-696D-41CD-861B-DE0D58C3899E}" type="datetimeFigureOut">
               <a:rPr lang="en-GB" smtClean="0"/>
-              <a:t>07/04/2024</a:t>
+              <a:t>08/04/2024</a:t>
             </a:fld>
             <a:endParaRPr lang="en-GB"/>
           </a:p>
@@ -1425,7 +1426,7 @@
           <a:p>
             <a:fld id="{D90DE563-696D-41CD-861B-DE0D58C3899E}" type="datetimeFigureOut">
               <a:rPr lang="en-GB" smtClean="0"/>
-              <a:t>07/04/2024</a:t>
+              <a:t>08/04/2024</a:t>
             </a:fld>
             <a:endParaRPr lang="en-GB"/>
           </a:p>
@@ -1758,7 +1759,7 @@
           <a:p>
             <a:fld id="{D90DE563-696D-41CD-861B-DE0D58C3899E}" type="datetimeFigureOut">
               <a:rPr lang="en-GB" smtClean="0"/>
-              <a:t>07/04/2024</a:t>
+              <a:t>08/04/2024</a:t>
             </a:fld>
             <a:endParaRPr lang="en-GB"/>
           </a:p>
@@ -2072,7 +2073,7 @@
           <a:p>
             <a:fld id="{D90DE563-696D-41CD-861B-DE0D58C3899E}" type="datetimeFigureOut">
               <a:rPr lang="en-GB" smtClean="0"/>
-              <a:t>07/04/2024</a:t>
+              <a:t>08/04/2024</a:t>
             </a:fld>
             <a:endParaRPr lang="en-GB"/>
           </a:p>
@@ -2465,7 +2466,7 @@
           <a:p>
             <a:fld id="{D90DE563-696D-41CD-861B-DE0D58C3899E}" type="datetimeFigureOut">
               <a:rPr lang="en-GB" smtClean="0"/>
-              <a:t>07/04/2024</a:t>
+              <a:t>08/04/2024</a:t>
             </a:fld>
             <a:endParaRPr lang="en-GB"/>
           </a:p>
@@ -2635,7 +2636,7 @@
           <a:p>
             <a:fld id="{D90DE563-696D-41CD-861B-DE0D58C3899E}" type="datetimeFigureOut">
               <a:rPr lang="en-GB" smtClean="0"/>
-              <a:t>07/04/2024</a:t>
+              <a:t>08/04/2024</a:t>
             </a:fld>
             <a:endParaRPr lang="en-GB"/>
           </a:p>
@@ -2815,7 +2816,7 @@
           <a:p>
             <a:fld id="{D90DE563-696D-41CD-861B-DE0D58C3899E}" type="datetimeFigureOut">
               <a:rPr lang="en-GB" smtClean="0"/>
-              <a:t>07/04/2024</a:t>
+              <a:t>08/04/2024</a:t>
             </a:fld>
             <a:endParaRPr lang="en-GB"/>
           </a:p>
@@ -2985,7 +2986,7 @@
           <a:p>
             <a:fld id="{D90DE563-696D-41CD-861B-DE0D58C3899E}" type="datetimeFigureOut">
               <a:rPr lang="en-GB" smtClean="0"/>
-              <a:t>07/04/2024</a:t>
+              <a:t>08/04/2024</a:t>
             </a:fld>
             <a:endParaRPr lang="en-GB"/>
           </a:p>
@@ -3232,7 +3233,7 @@
           <a:p>
             <a:fld id="{D90DE563-696D-41CD-861B-DE0D58C3899E}" type="datetimeFigureOut">
               <a:rPr lang="en-GB" smtClean="0"/>
-              <a:t>07/04/2024</a:t>
+              <a:t>08/04/2024</a:t>
             </a:fld>
             <a:endParaRPr lang="en-GB"/>
           </a:p>
@@ -3464,7 +3465,7 @@
           <a:p>
             <a:fld id="{D90DE563-696D-41CD-861B-DE0D58C3899E}" type="datetimeFigureOut">
               <a:rPr lang="en-GB" smtClean="0"/>
-              <a:t>07/04/2024</a:t>
+              <a:t>08/04/2024</a:t>
             </a:fld>
             <a:endParaRPr lang="en-GB"/>
           </a:p>
@@ -3838,7 +3839,7 @@
           <a:p>
             <a:fld id="{D90DE563-696D-41CD-861B-DE0D58C3899E}" type="datetimeFigureOut">
               <a:rPr lang="en-GB" smtClean="0"/>
-              <a:t>07/04/2024</a:t>
+              <a:t>08/04/2024</a:t>
             </a:fld>
             <a:endParaRPr lang="en-GB"/>
           </a:p>
@@ -3961,7 +3962,7 @@
           <a:p>
             <a:fld id="{D90DE563-696D-41CD-861B-DE0D58C3899E}" type="datetimeFigureOut">
               <a:rPr lang="en-GB" smtClean="0"/>
-              <a:t>07/04/2024</a:t>
+              <a:t>08/04/2024</a:t>
             </a:fld>
             <a:endParaRPr lang="en-GB"/>
           </a:p>
@@ -4056,7 +4057,7 @@
           <a:p>
             <a:fld id="{D90DE563-696D-41CD-861B-DE0D58C3899E}" type="datetimeFigureOut">
               <a:rPr lang="en-GB" smtClean="0"/>
-              <a:t>07/04/2024</a:t>
+              <a:t>08/04/2024</a:t>
             </a:fld>
             <a:endParaRPr lang="en-GB"/>
           </a:p>
@@ -4311,7 +4312,7 @@
           <a:p>
             <a:fld id="{D90DE563-696D-41CD-861B-DE0D58C3899E}" type="datetimeFigureOut">
               <a:rPr lang="en-GB" smtClean="0"/>
-              <a:t>07/04/2024</a:t>
+              <a:t>08/04/2024</a:t>
             </a:fld>
             <a:endParaRPr lang="en-GB"/>
           </a:p>
@@ -4616,7 +4617,7 @@
           <a:p>
             <a:fld id="{D90DE563-696D-41CD-861B-DE0D58C3899E}" type="datetimeFigureOut">
               <a:rPr lang="en-GB" smtClean="0"/>
-              <a:t>07/04/2024</a:t>
+              <a:t>08/04/2024</a:t>
             </a:fld>
             <a:endParaRPr lang="en-GB"/>
           </a:p>
@@ -5318,7 +5319,7 @@
           <a:p>
             <a:fld id="{D90DE563-696D-41CD-861B-DE0D58C3899E}" type="datetimeFigureOut">
               <a:rPr lang="en-GB" smtClean="0"/>
-              <a:t>07/04/2024</a:t>
+              <a:t>08/04/2024</a:t>
             </a:fld>
             <a:endParaRPr lang="en-GB"/>
           </a:p>
@@ -6071,17 +6072,16 @@
             </a:pPr>
             <a:r>
               <a:rPr lang="en-GB" dirty="0" smtClean="0"/>
-              <a:t>Setting </a:t>
+              <a:t>Setting up </a:t>
             </a:r>
             <a:r>
               <a:rPr lang="en-GB" dirty="0"/>
-              <a:t>up the project </a:t>
+              <a:t>the project </a:t>
             </a:r>
             <a:r>
               <a:rPr lang="en-GB" dirty="0" smtClean="0"/>
               <a:t>environment.</a:t>
             </a:r>
-            <a:endParaRPr lang="en-GB" dirty="0"/>
           </a:p>
           <a:p>
             <a:pPr marL="514350" indent="-514350">
@@ -6089,42 +6089,18 @@
               <a:buAutoNum type="arabicPeriod"/>
             </a:pPr>
             <a:r>
-              <a:rPr lang="en-GB" dirty="0"/>
-              <a:t>Exploring the features of the Task Manager application, including</a:t>
-            </a:r>
-            <a:r>
-              <a:rPr lang="en-GB" dirty="0" smtClean="0"/>
-              <a:t>:</a:t>
+              <a:rPr lang="en-US" dirty="0" smtClean="0"/>
+              <a:t>Creating React </a:t>
+            </a:r>
+            <a:r>
+              <a:rPr lang="en-US" dirty="0" err="1" smtClean="0"/>
+              <a:t>Monorepo</a:t>
+            </a:r>
+            <a:r>
+              <a:rPr lang="en-US" dirty="0" smtClean="0"/>
+              <a:t> Applications</a:t>
             </a:r>
             <a:endParaRPr lang="en-GB" dirty="0"/>
-          </a:p>
-          <a:p>
-            <a:pPr lvl="1"/>
-            <a:r>
-              <a:rPr lang="en-GB" dirty="0"/>
-              <a:t>Task listing</a:t>
-            </a:r>
-          </a:p>
-          <a:p>
-            <a:pPr lvl="1"/>
-            <a:r>
-              <a:rPr lang="en-GB" dirty="0"/>
-              <a:t>Task creation</a:t>
-            </a:r>
-          </a:p>
-          <a:p>
-            <a:pPr lvl="1"/>
-            <a:r>
-              <a:rPr lang="en-GB" dirty="0"/>
-              <a:t>Task editing</a:t>
-            </a:r>
-          </a:p>
-          <a:p>
-            <a:pPr lvl="1"/>
-            <a:r>
-              <a:rPr lang="en-GB" dirty="0"/>
-              <a:t>Task deletion</a:t>
-            </a:r>
           </a:p>
           <a:p>
             <a:pPr marL="514350" indent="-514350">
@@ -6133,15 +6109,44 @@
             </a:pPr>
             <a:r>
               <a:rPr lang="en-GB" dirty="0"/>
-              <a:t>Managing state effectively with </a:t>
-            </a:r>
-            <a:r>
-              <a:rPr lang="en-GB" dirty="0" err="1" smtClean="0"/>
-              <a:t>MobX</a:t>
+              <a:t>Exploring the features of the Task Manager application, including</a:t>
             </a:r>
             <a:r>
               <a:rPr lang="en-GB" dirty="0" smtClean="0"/>
-              <a:t>.</a:t>
+              <a:t>:</a:t>
+            </a:r>
+            <a:endParaRPr lang="en-GB" dirty="0"/>
+          </a:p>
+          <a:p>
+            <a:pPr lvl="1"/>
+            <a:r>
+              <a:rPr lang="en-GB" dirty="0"/>
+              <a:t>Task listing</a:t>
+            </a:r>
+          </a:p>
+          <a:p>
+            <a:pPr lvl="1"/>
+            <a:r>
+              <a:rPr lang="en-GB" dirty="0"/>
+              <a:t>Task creation</a:t>
+            </a:r>
+          </a:p>
+          <a:p>
+            <a:pPr lvl="1"/>
+            <a:r>
+              <a:rPr lang="en-GB" dirty="0"/>
+              <a:t>Task editing</a:t>
+            </a:r>
+          </a:p>
+          <a:p>
+            <a:pPr lvl="1"/>
+            <a:r>
+              <a:rPr lang="en-GB" dirty="0"/>
+              <a:t>Task </a:t>
+            </a:r>
+            <a:r>
+              <a:rPr lang="en-GB" dirty="0" smtClean="0"/>
+              <a:t>deletion</a:t>
             </a:r>
             <a:endParaRPr lang="en-GB" dirty="0"/>
           </a:p>
@@ -6151,12 +6156,8 @@
               <a:buAutoNum type="arabicPeriod"/>
             </a:pPr>
             <a:r>
-              <a:rPr lang="en-GB" dirty="0"/>
-              <a:t>Integrating Fluent UI to create a polished user </a:t>
-            </a:r>
-            <a:r>
               <a:rPr lang="en-GB" dirty="0" smtClean="0"/>
-              <a:t>interface.</a:t>
+              <a:t>Creating React Libraries.</a:t>
             </a:r>
           </a:p>
           <a:p>
@@ -6166,11 +6167,11 @@
             </a:pPr>
             <a:r>
               <a:rPr lang="en-GB" dirty="0"/>
-              <a:t>Implementing end-to-end and unit testing using Cypress and </a:t>
-            </a:r>
-            <a:r>
-              <a:rPr lang="en-GB" dirty="0" err="1" smtClean="0"/>
-              <a:t>Vitest</a:t>
+              <a:t>Managing state effectively with </a:t>
+            </a:r>
+            <a:r>
+              <a:rPr lang="en-GB" dirty="0" err="1"/>
+              <a:t>MobX</a:t>
             </a:r>
             <a:r>
               <a:rPr lang="en-GB" dirty="0" smtClean="0"/>
@@ -6183,6 +6184,49 @@
               <a:buAutoNum type="arabicPeriod"/>
             </a:pPr>
             <a:r>
+              <a:rPr lang="en-US" dirty="0" smtClean="0"/>
+              <a:t>Integrating APIs</a:t>
+            </a:r>
+            <a:endParaRPr lang="en-GB" dirty="0"/>
+          </a:p>
+          <a:p>
+            <a:pPr marL="514350" indent="-514350">
+              <a:buFont typeface="+mj-lt"/>
+              <a:buAutoNum type="arabicPeriod"/>
+            </a:pPr>
+            <a:r>
+              <a:rPr lang="en-GB" dirty="0"/>
+              <a:t>Integrating Fluent UI to create a polished user </a:t>
+            </a:r>
+            <a:r>
+              <a:rPr lang="en-GB" dirty="0" smtClean="0"/>
+              <a:t>interface.</a:t>
+            </a:r>
+          </a:p>
+          <a:p>
+            <a:pPr marL="514350" indent="-514350">
+              <a:buFont typeface="+mj-lt"/>
+              <a:buAutoNum type="arabicPeriod"/>
+            </a:pPr>
+            <a:r>
+              <a:rPr lang="en-GB" dirty="0"/>
+              <a:t>Implementing end-to-end and unit testing using Cypress and </a:t>
+            </a:r>
+            <a:r>
+              <a:rPr lang="en-GB" dirty="0" err="1" smtClean="0"/>
+              <a:t>Vitest</a:t>
+            </a:r>
+            <a:r>
+              <a:rPr lang="en-GB" dirty="0" smtClean="0"/>
+              <a:t>.</a:t>
+            </a:r>
+          </a:p>
+          <a:p>
+            <a:pPr marL="514350" indent="-514350">
+              <a:buFont typeface="+mj-lt"/>
+              <a:buAutoNum type="arabicPeriod"/>
+            </a:pPr>
+            <a:r>
               <a:rPr lang="en-GB" dirty="0"/>
               <a:t>Deployment of the application using </a:t>
             </a:r>
@@ -6191,9 +6235,20 @@
               <a:t>Vite</a:t>
             </a:r>
             <a:r>
-              <a:rPr lang="en-GB" dirty="0"/>
+              <a:rPr lang="en-GB" dirty="0" smtClean="0"/>
               <a:t>.</a:t>
             </a:r>
+          </a:p>
+          <a:p>
+            <a:pPr marL="514350" indent="-514350">
+              <a:buFont typeface="+mj-lt"/>
+              <a:buAutoNum type="arabicPeriod"/>
+            </a:pPr>
+            <a:r>
+              <a:rPr lang="en-US" dirty="0" smtClean="0"/>
+              <a:t>Conclusions</a:t>
+            </a:r>
+            <a:endParaRPr lang="en-GB" dirty="0"/>
           </a:p>
           <a:p>
             <a:pPr marL="514350" indent="-514350">
@@ -6581,6 +6636,187 @@
     <p:extLst>
       <p:ext uri="{BB962C8B-B14F-4D97-AF65-F5344CB8AC3E}">
         <p14:creationId xmlns:p14="http://schemas.microsoft.com/office/powerpoint/2010/main" val="1247533570"/>
+      </p:ext>
+    </p:extLst>
+  </p:cSld>
+  <p:clrMapOvr>
+    <a:masterClrMapping/>
+  </p:clrMapOvr>
+</p:sld>
+</file>
+
+<file path=ppt/slides/slide5.xml><?xml version="1.0" encoding="utf-8"?>
+<p:sld xmlns:a="http://schemas.openxmlformats.org/drawingml/2006/main" xmlns:r="http://schemas.openxmlformats.org/officeDocument/2006/relationships" xmlns:p="http://schemas.openxmlformats.org/presentationml/2006/main">
+  <p:cSld>
+    <p:spTree>
+      <p:nvGrpSpPr>
+        <p:cNvPr id="1" name=""/>
+        <p:cNvGrpSpPr/>
+        <p:nvPr/>
+      </p:nvGrpSpPr>
+      <p:grpSpPr>
+        <a:xfrm>
+          <a:off x="0" y="0"/>
+          <a:ext cx="0" cy="0"/>
+          <a:chOff x="0" y="0"/>
+          <a:chExt cx="0" cy="0"/>
+        </a:xfrm>
+      </p:grpSpPr>
+      <p:sp>
+        <p:nvSpPr>
+          <p:cNvPr id="3" name="Content Placeholder 2"/>
+          <p:cNvSpPr>
+            <a:spLocks noGrp="1"/>
+          </p:cNvSpPr>
+          <p:nvPr>
+            <p:ph idx="1"/>
+          </p:nvPr>
+        </p:nvSpPr>
+        <p:spPr>
+          <a:xfrm>
+            <a:off x="677334" y="473103"/>
+            <a:ext cx="8596668" cy="6193703"/>
+          </a:xfrm>
+        </p:spPr>
+        <p:txBody>
+          <a:bodyPr>
+            <a:noAutofit/>
+          </a:bodyPr>
+          <a:lstStyle/>
+          <a:p>
+            <a:pPr marL="0" indent="0">
+              <a:buNone/>
+            </a:pPr>
+            <a:r>
+              <a:rPr lang="en-GB" dirty="0" smtClean="0">
+                <a:solidFill>
+                  <a:srgbClr val="0070C0"/>
+                </a:solidFill>
+              </a:rPr>
+              <a:t>What is </a:t>
+            </a:r>
+            <a:r>
+              <a:rPr lang="en-GB" dirty="0" err="1" smtClean="0">
+                <a:solidFill>
+                  <a:srgbClr val="0070C0"/>
+                </a:solidFill>
+              </a:rPr>
+              <a:t>Nx</a:t>
+            </a:r>
+            <a:r>
+              <a:rPr lang="en-GB" dirty="0">
+                <a:solidFill>
+                  <a:srgbClr val="0070C0"/>
+                </a:solidFill>
+              </a:rPr>
+              <a:t>?</a:t>
+            </a:r>
+            <a:endParaRPr lang="en-GB" dirty="0">
+              <a:solidFill>
+                <a:srgbClr val="0070C0"/>
+              </a:solidFill>
+            </a:endParaRPr>
+          </a:p>
+          <a:p>
+            <a:pPr marL="0" indent="0">
+              <a:buNone/>
+            </a:pPr>
+            <a:r>
+              <a:rPr lang="en-GB" dirty="0" err="1"/>
+              <a:t>Nx</a:t>
+            </a:r>
+            <a:r>
+              <a:rPr lang="en-GB" dirty="0"/>
+              <a:t> is a toolkit for </a:t>
+            </a:r>
+            <a:r>
+              <a:rPr lang="en-GB" dirty="0" err="1"/>
+              <a:t>monorepo</a:t>
+            </a:r>
+            <a:r>
+              <a:rPr lang="en-GB" dirty="0"/>
+              <a:t> development, primarily focused on </a:t>
+            </a:r>
+            <a:r>
+              <a:rPr lang="en-GB" dirty="0" smtClean="0"/>
+              <a:t>Angular, React</a:t>
+            </a:r>
+            <a:r>
+              <a:rPr lang="en-GB" dirty="0"/>
+              <a:t>, Nest.js, etc</a:t>
+            </a:r>
+            <a:r>
+              <a:rPr lang="en-GB" dirty="0" smtClean="0"/>
+              <a:t>.</a:t>
+            </a:r>
+          </a:p>
+          <a:p>
+            <a:pPr marL="0" indent="0">
+              <a:buNone/>
+            </a:pPr>
+            <a:endParaRPr lang="en-GB" dirty="0"/>
+          </a:p>
+          <a:p>
+            <a:pPr marL="0" indent="0">
+              <a:buNone/>
+            </a:pPr>
+            <a:r>
+              <a:rPr lang="en-GB" dirty="0" smtClean="0">
+                <a:solidFill>
+                  <a:srgbClr val="0070C0"/>
+                </a:solidFill>
+              </a:rPr>
+              <a:t>Features </a:t>
+            </a:r>
+            <a:r>
+              <a:rPr lang="en-GB" dirty="0">
+                <a:solidFill>
+                  <a:srgbClr val="0070C0"/>
+                </a:solidFill>
+              </a:rPr>
+              <a:t>of NX Workspace</a:t>
+            </a:r>
+          </a:p>
+          <a:p>
+            <a:r>
+              <a:rPr lang="en-GB" dirty="0"/>
+              <a:t>It organizes projects within a </a:t>
+            </a:r>
+            <a:r>
+              <a:rPr lang="en-GB" dirty="0" err="1"/>
+              <a:t>monorepo</a:t>
+            </a:r>
+            <a:r>
+              <a:rPr lang="en-GB" dirty="0"/>
+              <a:t> in a structured manner. </a:t>
+            </a:r>
+          </a:p>
+          <a:p>
+            <a:r>
+              <a:rPr lang="en-GB" dirty="0"/>
+              <a:t>It provides dedicated directories for applications, libraries, and shared code, thus promoting code reuse, modularity, and maintainability.</a:t>
+            </a:r>
+          </a:p>
+          <a:p>
+            <a:r>
+              <a:rPr lang="en-GB" dirty="0"/>
+              <a:t>With a </a:t>
+            </a:r>
+            <a:r>
+              <a:rPr lang="en-GB" dirty="0" err="1"/>
+              <a:t>monorepo</a:t>
+            </a:r>
+            <a:r>
+              <a:rPr lang="en-GB" dirty="0"/>
+              <a:t>-style NX workspace, you can easily add new projects, refactor existing ones, and manage the entire codebase as a cohesive unit.</a:t>
+            </a:r>
+          </a:p>
+        </p:txBody>
+      </p:sp>
+    </p:spTree>
+    <p:extLst>
+      <p:ext uri="{BB962C8B-B14F-4D97-AF65-F5344CB8AC3E}">
+        <p14:creationId xmlns:p14="http://schemas.microsoft.com/office/powerpoint/2010/main" val="3373670351"/>
       </p:ext>
     </p:extLst>
   </p:cSld>
